--- a/プランナー/壬生/Admise第一回制作発表プレゼン.pptx
+++ b/プランナー/壬生/Admise第一回制作発表プレゼン.pptx
@@ -4,6 +4,9 @@
   <p:sldMasterIdLst>
     <p:sldMasterId id="2147483648" r:id="rId1"/>
   </p:sldMasterIdLst>
+  <p:notesMasterIdLst>
+    <p:notesMasterId r:id="rId13"/>
+  </p:notesMasterIdLst>
   <p:sldIdLst>
     <p:sldId id="256" r:id="rId2"/>
     <p:sldId id="257" r:id="rId3"/>
@@ -11,6 +14,11 @@
     <p:sldId id="262" r:id="rId5"/>
     <p:sldId id="260" r:id="rId6"/>
     <p:sldId id="263" r:id="rId7"/>
+    <p:sldId id="266" r:id="rId8"/>
+    <p:sldId id="268" r:id="rId9"/>
+    <p:sldId id="267" r:id="rId10"/>
+    <p:sldId id="269" r:id="rId11"/>
+    <p:sldId id="270" r:id="rId12"/>
   </p:sldIdLst>
   <p:sldSz cx="9144000" cy="6858000" type="screen4x3"/>
   <p:notesSz cx="6858000" cy="9144000"/>
@@ -112,6 +120,472 @@
 </p:presentation>
 </file>
 
+<file path=ppt/notesMasters/notesMaster1.xml><?xml version="1.0" encoding="utf-8"?>
+<p:notesMaster xmlns:a="http://schemas.openxmlformats.org/drawingml/2006/main" xmlns:r="http://schemas.openxmlformats.org/officeDocument/2006/relationships" xmlns:p="http://schemas.openxmlformats.org/presentationml/2006/main">
+  <p:cSld>
+    <p:bg>
+      <p:bgRef idx="1001">
+        <a:schemeClr val="bg1"/>
+      </p:bgRef>
+    </p:bg>
+    <p:spTree>
+      <p:nvGrpSpPr>
+        <p:cNvPr id="1" name=""/>
+        <p:cNvGrpSpPr/>
+        <p:nvPr/>
+      </p:nvGrpSpPr>
+      <p:grpSpPr>
+        <a:xfrm>
+          <a:off x="0" y="0"/>
+          <a:ext cx="0" cy="0"/>
+          <a:chOff x="0" y="0"/>
+          <a:chExt cx="0" cy="0"/>
+        </a:xfrm>
+      </p:grpSpPr>
+      <p:sp>
+        <p:nvSpPr>
+          <p:cNvPr id="2" name="ヘッダー プレースホルダー 1"/>
+          <p:cNvSpPr>
+            <a:spLocks noGrp="1"/>
+          </p:cNvSpPr>
+          <p:nvPr>
+            <p:ph type="hdr" sz="quarter"/>
+          </p:nvPr>
+        </p:nvSpPr>
+        <p:spPr>
+          <a:xfrm>
+            <a:off x="0" y="0"/>
+            <a:ext cx="2971800" cy="457200"/>
+          </a:xfrm>
+          <a:prstGeom prst="rect">
+            <a:avLst/>
+          </a:prstGeom>
+        </p:spPr>
+        <p:txBody>
+          <a:bodyPr vert="horz" lIns="91440" tIns="45720" rIns="91440" bIns="45720" rtlCol="0"/>
+          <a:lstStyle>
+            <a:lvl1pPr algn="l">
+              <a:defRPr sz="1200"/>
+            </a:lvl1pPr>
+          </a:lstStyle>
+          <a:p>
+            <a:endParaRPr kumimoji="1" lang="ja-JP" altLang="en-US"/>
+          </a:p>
+        </p:txBody>
+      </p:sp>
+      <p:sp>
+        <p:nvSpPr>
+          <p:cNvPr id="3" name="日付プレースホルダー 2"/>
+          <p:cNvSpPr>
+            <a:spLocks noGrp="1"/>
+          </p:cNvSpPr>
+          <p:nvPr>
+            <p:ph type="dt" idx="1"/>
+          </p:nvPr>
+        </p:nvSpPr>
+        <p:spPr>
+          <a:xfrm>
+            <a:off x="3884613" y="0"/>
+            <a:ext cx="2971800" cy="457200"/>
+          </a:xfrm>
+          <a:prstGeom prst="rect">
+            <a:avLst/>
+          </a:prstGeom>
+        </p:spPr>
+        <p:txBody>
+          <a:bodyPr vert="horz" lIns="91440" tIns="45720" rIns="91440" bIns="45720" rtlCol="0"/>
+          <a:lstStyle>
+            <a:lvl1pPr algn="r">
+              <a:defRPr sz="1200"/>
+            </a:lvl1pPr>
+          </a:lstStyle>
+          <a:p>
+            <a:fld id="{C106E46D-81A5-406F-BACC-C679F3ABC46D}" type="datetimeFigureOut">
+              <a:rPr kumimoji="1" lang="ja-JP" altLang="en-US" smtClean="0"/>
+              <a:t>2017/10/12</a:t>
+            </a:fld>
+            <a:endParaRPr kumimoji="1" lang="ja-JP" altLang="en-US"/>
+          </a:p>
+        </p:txBody>
+      </p:sp>
+      <p:sp>
+        <p:nvSpPr>
+          <p:cNvPr id="4" name="スライド イメージ プレースホルダー 3"/>
+          <p:cNvSpPr>
+            <a:spLocks noGrp="1" noRot="1" noChangeAspect="1"/>
+          </p:cNvSpPr>
+          <p:nvPr>
+            <p:ph type="sldImg" idx="2"/>
+          </p:nvPr>
+        </p:nvSpPr>
+        <p:spPr>
+          <a:xfrm>
+            <a:off x="1143000" y="685800"/>
+            <a:ext cx="4572000" cy="3429000"/>
+          </a:xfrm>
+          <a:prstGeom prst="rect">
+            <a:avLst/>
+          </a:prstGeom>
+          <a:noFill/>
+          <a:ln w="12700">
+            <a:solidFill>
+              <a:prstClr val="black"/>
+            </a:solidFill>
+          </a:ln>
+        </p:spPr>
+        <p:txBody>
+          <a:bodyPr vert="horz" lIns="91440" tIns="45720" rIns="91440" bIns="45720" rtlCol="0" anchor="ctr"/>
+          <a:lstStyle/>
+          <a:p>
+            <a:endParaRPr lang="ja-JP" altLang="en-US"/>
+          </a:p>
+        </p:txBody>
+      </p:sp>
+      <p:sp>
+        <p:nvSpPr>
+          <p:cNvPr id="5" name="ノート プレースホルダー 4"/>
+          <p:cNvSpPr>
+            <a:spLocks noGrp="1"/>
+          </p:cNvSpPr>
+          <p:nvPr>
+            <p:ph type="body" sz="quarter" idx="3"/>
+          </p:nvPr>
+        </p:nvSpPr>
+        <p:spPr>
+          <a:xfrm>
+            <a:off x="685800" y="4343400"/>
+            <a:ext cx="5486400" cy="4114800"/>
+          </a:xfrm>
+          <a:prstGeom prst="rect">
+            <a:avLst/>
+          </a:prstGeom>
+        </p:spPr>
+        <p:txBody>
+          <a:bodyPr vert="horz" lIns="91440" tIns="45720" rIns="91440" bIns="45720" rtlCol="0"/>
+          <a:lstStyle/>
+          <a:p>
+            <a:pPr lvl="0"/>
+            <a:r>
+              <a:rPr kumimoji="1" lang="ja-JP" altLang="en-US" smtClean="0"/>
+              <a:t>マスター テキストの書式設定</a:t>
+            </a:r>
+          </a:p>
+          <a:p>
+            <a:pPr lvl="1"/>
+            <a:r>
+              <a:rPr kumimoji="1" lang="ja-JP" altLang="en-US" smtClean="0"/>
+              <a:t>第 </a:t>
+            </a:r>
+            <a:r>
+              <a:rPr kumimoji="1" lang="en-US" altLang="ja-JP" smtClean="0"/>
+              <a:t>2 </a:t>
+            </a:r>
+            <a:r>
+              <a:rPr kumimoji="1" lang="ja-JP" altLang="en-US" smtClean="0"/>
+              <a:t>レベル</a:t>
+            </a:r>
+          </a:p>
+          <a:p>
+            <a:pPr lvl="2"/>
+            <a:r>
+              <a:rPr kumimoji="1" lang="ja-JP" altLang="en-US" smtClean="0"/>
+              <a:t>第 </a:t>
+            </a:r>
+            <a:r>
+              <a:rPr kumimoji="1" lang="en-US" altLang="ja-JP" smtClean="0"/>
+              <a:t>3 </a:t>
+            </a:r>
+            <a:r>
+              <a:rPr kumimoji="1" lang="ja-JP" altLang="en-US" smtClean="0"/>
+              <a:t>レベル</a:t>
+            </a:r>
+          </a:p>
+          <a:p>
+            <a:pPr lvl="3"/>
+            <a:r>
+              <a:rPr kumimoji="1" lang="ja-JP" altLang="en-US" smtClean="0"/>
+              <a:t>第 </a:t>
+            </a:r>
+            <a:r>
+              <a:rPr kumimoji="1" lang="en-US" altLang="ja-JP" smtClean="0"/>
+              <a:t>4 </a:t>
+            </a:r>
+            <a:r>
+              <a:rPr kumimoji="1" lang="ja-JP" altLang="en-US" smtClean="0"/>
+              <a:t>レベル</a:t>
+            </a:r>
+          </a:p>
+          <a:p>
+            <a:pPr lvl="4"/>
+            <a:r>
+              <a:rPr kumimoji="1" lang="ja-JP" altLang="en-US" smtClean="0"/>
+              <a:t>第 </a:t>
+            </a:r>
+            <a:r>
+              <a:rPr kumimoji="1" lang="en-US" altLang="ja-JP" smtClean="0"/>
+              <a:t>5 </a:t>
+            </a:r>
+            <a:r>
+              <a:rPr kumimoji="1" lang="ja-JP" altLang="en-US" smtClean="0"/>
+              <a:t>レベル</a:t>
+            </a:r>
+            <a:endParaRPr kumimoji="1" lang="ja-JP" altLang="en-US"/>
+          </a:p>
+        </p:txBody>
+      </p:sp>
+      <p:sp>
+        <p:nvSpPr>
+          <p:cNvPr id="6" name="フッター プレースホルダー 5"/>
+          <p:cNvSpPr>
+            <a:spLocks noGrp="1"/>
+          </p:cNvSpPr>
+          <p:nvPr>
+            <p:ph type="ftr" sz="quarter" idx="4"/>
+          </p:nvPr>
+        </p:nvSpPr>
+        <p:spPr>
+          <a:xfrm>
+            <a:off x="0" y="8685213"/>
+            <a:ext cx="2971800" cy="457200"/>
+          </a:xfrm>
+          <a:prstGeom prst="rect">
+            <a:avLst/>
+          </a:prstGeom>
+        </p:spPr>
+        <p:txBody>
+          <a:bodyPr vert="horz" lIns="91440" tIns="45720" rIns="91440" bIns="45720" rtlCol="0" anchor="b"/>
+          <a:lstStyle>
+            <a:lvl1pPr algn="l">
+              <a:defRPr sz="1200"/>
+            </a:lvl1pPr>
+          </a:lstStyle>
+          <a:p>
+            <a:endParaRPr kumimoji="1" lang="ja-JP" altLang="en-US"/>
+          </a:p>
+        </p:txBody>
+      </p:sp>
+      <p:sp>
+        <p:nvSpPr>
+          <p:cNvPr id="7" name="スライド番号プレースホルダー 6"/>
+          <p:cNvSpPr>
+            <a:spLocks noGrp="1"/>
+          </p:cNvSpPr>
+          <p:nvPr>
+            <p:ph type="sldNum" sz="quarter" idx="5"/>
+          </p:nvPr>
+        </p:nvSpPr>
+        <p:spPr>
+          <a:xfrm>
+            <a:off x="3884613" y="8685213"/>
+            <a:ext cx="2971800" cy="457200"/>
+          </a:xfrm>
+          <a:prstGeom prst="rect">
+            <a:avLst/>
+          </a:prstGeom>
+        </p:spPr>
+        <p:txBody>
+          <a:bodyPr vert="horz" lIns="91440" tIns="45720" rIns="91440" bIns="45720" rtlCol="0" anchor="b"/>
+          <a:lstStyle>
+            <a:lvl1pPr algn="r">
+              <a:defRPr sz="1200"/>
+            </a:lvl1pPr>
+          </a:lstStyle>
+          <a:p>
+            <a:fld id="{943D8230-D4E2-48E4-A4D4-1E976BA3E03E}" type="slidenum">
+              <a:rPr kumimoji="1" lang="ja-JP" altLang="en-US" smtClean="0"/>
+              <a:t>‹#›</a:t>
+            </a:fld>
+            <a:endParaRPr kumimoji="1" lang="ja-JP" altLang="en-US"/>
+          </a:p>
+        </p:txBody>
+      </p:sp>
+    </p:spTree>
+    <p:extLst>
+      <p:ext uri="{BB962C8B-B14F-4D97-AF65-F5344CB8AC3E}">
+        <p14:creationId xmlns:p14="http://schemas.microsoft.com/office/powerpoint/2010/main" val="3256205047"/>
+      </p:ext>
+    </p:extLst>
+  </p:cSld>
+  <p:clrMap bg1="lt1" tx1="dk1" bg2="lt2" tx2="dk2" accent1="accent1" accent2="accent2" accent3="accent3" accent4="accent4" accent5="accent5" accent6="accent6" hlink="hlink" folHlink="folHlink"/>
+  <p:notesStyle>
+    <a:lvl1pPr marL="0" algn="l" defTabSz="914400" rtl="0" eaLnBrk="1" latinLnBrk="0" hangingPunct="1">
+      <a:defRPr kumimoji="1" sz="1200" kern="1200">
+        <a:solidFill>
+          <a:schemeClr val="tx1"/>
+        </a:solidFill>
+        <a:latin typeface="+mn-lt"/>
+        <a:ea typeface="+mn-ea"/>
+        <a:cs typeface="+mn-cs"/>
+      </a:defRPr>
+    </a:lvl1pPr>
+    <a:lvl2pPr marL="457200" algn="l" defTabSz="914400" rtl="0" eaLnBrk="1" latinLnBrk="0" hangingPunct="1">
+      <a:defRPr kumimoji="1" sz="1200" kern="1200">
+        <a:solidFill>
+          <a:schemeClr val="tx1"/>
+        </a:solidFill>
+        <a:latin typeface="+mn-lt"/>
+        <a:ea typeface="+mn-ea"/>
+        <a:cs typeface="+mn-cs"/>
+      </a:defRPr>
+    </a:lvl2pPr>
+    <a:lvl3pPr marL="914400" algn="l" defTabSz="914400" rtl="0" eaLnBrk="1" latinLnBrk="0" hangingPunct="1">
+      <a:defRPr kumimoji="1" sz="1200" kern="1200">
+        <a:solidFill>
+          <a:schemeClr val="tx1"/>
+        </a:solidFill>
+        <a:latin typeface="+mn-lt"/>
+        <a:ea typeface="+mn-ea"/>
+        <a:cs typeface="+mn-cs"/>
+      </a:defRPr>
+    </a:lvl3pPr>
+    <a:lvl4pPr marL="1371600" algn="l" defTabSz="914400" rtl="0" eaLnBrk="1" latinLnBrk="0" hangingPunct="1">
+      <a:defRPr kumimoji="1" sz="1200" kern="1200">
+        <a:solidFill>
+          <a:schemeClr val="tx1"/>
+        </a:solidFill>
+        <a:latin typeface="+mn-lt"/>
+        <a:ea typeface="+mn-ea"/>
+        <a:cs typeface="+mn-cs"/>
+      </a:defRPr>
+    </a:lvl4pPr>
+    <a:lvl5pPr marL="1828800" algn="l" defTabSz="914400" rtl="0" eaLnBrk="1" latinLnBrk="0" hangingPunct="1">
+      <a:defRPr kumimoji="1" sz="1200" kern="1200">
+        <a:solidFill>
+          <a:schemeClr val="tx1"/>
+        </a:solidFill>
+        <a:latin typeface="+mn-lt"/>
+        <a:ea typeface="+mn-ea"/>
+        <a:cs typeface="+mn-cs"/>
+      </a:defRPr>
+    </a:lvl5pPr>
+    <a:lvl6pPr marL="2286000" algn="l" defTabSz="914400" rtl="0" eaLnBrk="1" latinLnBrk="0" hangingPunct="1">
+      <a:defRPr kumimoji="1" sz="1200" kern="1200">
+        <a:solidFill>
+          <a:schemeClr val="tx1"/>
+        </a:solidFill>
+        <a:latin typeface="+mn-lt"/>
+        <a:ea typeface="+mn-ea"/>
+        <a:cs typeface="+mn-cs"/>
+      </a:defRPr>
+    </a:lvl6pPr>
+    <a:lvl7pPr marL="2743200" algn="l" defTabSz="914400" rtl="0" eaLnBrk="1" latinLnBrk="0" hangingPunct="1">
+      <a:defRPr kumimoji="1" sz="1200" kern="1200">
+        <a:solidFill>
+          <a:schemeClr val="tx1"/>
+        </a:solidFill>
+        <a:latin typeface="+mn-lt"/>
+        <a:ea typeface="+mn-ea"/>
+        <a:cs typeface="+mn-cs"/>
+      </a:defRPr>
+    </a:lvl7pPr>
+    <a:lvl8pPr marL="3200400" algn="l" defTabSz="914400" rtl="0" eaLnBrk="1" latinLnBrk="0" hangingPunct="1">
+      <a:defRPr kumimoji="1" sz="1200" kern="1200">
+        <a:solidFill>
+          <a:schemeClr val="tx1"/>
+        </a:solidFill>
+        <a:latin typeface="+mn-lt"/>
+        <a:ea typeface="+mn-ea"/>
+        <a:cs typeface="+mn-cs"/>
+      </a:defRPr>
+    </a:lvl8pPr>
+    <a:lvl9pPr marL="3657600" algn="l" defTabSz="914400" rtl="0" eaLnBrk="1" latinLnBrk="0" hangingPunct="1">
+      <a:defRPr kumimoji="1" sz="1200" kern="1200">
+        <a:solidFill>
+          <a:schemeClr val="tx1"/>
+        </a:solidFill>
+        <a:latin typeface="+mn-lt"/>
+        <a:ea typeface="+mn-ea"/>
+        <a:cs typeface="+mn-cs"/>
+      </a:defRPr>
+    </a:lvl9pPr>
+  </p:notesStyle>
+</p:notesMaster>
+</file>
+
+<file path=ppt/notesSlides/notesSlide1.xml><?xml version="1.0" encoding="utf-8"?>
+<p:notes xmlns:a="http://schemas.openxmlformats.org/drawingml/2006/main" xmlns:r="http://schemas.openxmlformats.org/officeDocument/2006/relationships" xmlns:p="http://schemas.openxmlformats.org/presentationml/2006/main">
+  <p:cSld>
+    <p:spTree>
+      <p:nvGrpSpPr>
+        <p:cNvPr id="1" name=""/>
+        <p:cNvGrpSpPr/>
+        <p:nvPr/>
+      </p:nvGrpSpPr>
+      <p:grpSpPr>
+        <a:xfrm>
+          <a:off x="0" y="0"/>
+          <a:ext cx="0" cy="0"/>
+          <a:chOff x="0" y="0"/>
+          <a:chExt cx="0" cy="0"/>
+        </a:xfrm>
+      </p:grpSpPr>
+      <p:sp>
+        <p:nvSpPr>
+          <p:cNvPr id="2" name="スライド イメージ プレースホルダー 1"/>
+          <p:cNvSpPr>
+            <a:spLocks noGrp="1" noRot="1" noChangeAspect="1"/>
+          </p:cNvSpPr>
+          <p:nvPr>
+            <p:ph type="sldImg"/>
+          </p:nvPr>
+        </p:nvSpPr>
+        <p:spPr/>
+      </p:sp>
+      <p:sp>
+        <p:nvSpPr>
+          <p:cNvPr id="3" name="ノート プレースホルダー 2"/>
+          <p:cNvSpPr>
+            <a:spLocks noGrp="1"/>
+          </p:cNvSpPr>
+          <p:nvPr>
+            <p:ph type="body" idx="1"/>
+          </p:nvPr>
+        </p:nvSpPr>
+        <p:spPr/>
+        <p:txBody>
+          <a:bodyPr/>
+          <a:lstStyle/>
+          <a:p>
+            <a:endParaRPr kumimoji="1" lang="ja-JP" altLang="en-US" dirty="0"/>
+          </a:p>
+        </p:txBody>
+      </p:sp>
+      <p:sp>
+        <p:nvSpPr>
+          <p:cNvPr id="4" name="スライド番号プレースホルダー 3"/>
+          <p:cNvSpPr>
+            <a:spLocks noGrp="1"/>
+          </p:cNvSpPr>
+          <p:nvPr>
+            <p:ph type="sldNum" sz="quarter" idx="10"/>
+          </p:nvPr>
+        </p:nvSpPr>
+        <p:spPr/>
+        <p:txBody>
+          <a:bodyPr/>
+          <a:lstStyle/>
+          <a:p>
+            <a:fld id="{943D8230-D4E2-48E4-A4D4-1E976BA3E03E}" type="slidenum">
+              <a:rPr kumimoji="1" lang="ja-JP" altLang="en-US" smtClean="0"/>
+              <a:t>7</a:t>
+            </a:fld>
+            <a:endParaRPr kumimoji="1" lang="ja-JP" altLang="en-US"/>
+          </a:p>
+        </p:txBody>
+      </p:sp>
+    </p:spTree>
+    <p:extLst>
+      <p:ext uri="{BB962C8B-B14F-4D97-AF65-F5344CB8AC3E}">
+        <p14:creationId xmlns:p14="http://schemas.microsoft.com/office/powerpoint/2010/main" val="3167903050"/>
+      </p:ext>
+    </p:extLst>
+  </p:cSld>
+  <p:clrMapOvr>
+    <a:masterClrMapping/>
+  </p:clrMapOvr>
+</p:notes>
+</file>
+
 <file path=ppt/slideLayouts/slideLayout1.xml><?xml version="1.0" encoding="utf-8"?>
 <p:sldLayout xmlns:a="http://schemas.openxmlformats.org/drawingml/2006/main" xmlns:r="http://schemas.openxmlformats.org/officeDocument/2006/relationships" xmlns:p="http://schemas.openxmlformats.org/presentationml/2006/main" type="title" preserve="1">
   <p:cSld name="タイトル スライド">
@@ -293,7 +767,7 @@
           <a:p>
             <a:fld id="{2ADFB569-902F-4943-A830-6EF2971111E1}" type="datetimeFigureOut">
               <a:rPr kumimoji="1" lang="ja-JP" altLang="en-US" smtClean="0"/>
-              <a:t>2017/10/11</a:t>
+              <a:t>2017/10/12</a:t>
             </a:fld>
             <a:endParaRPr kumimoji="1" lang="ja-JP" altLang="en-US"/>
           </a:p>
@@ -351,11 +825,11 @@
   <p:clrMapOvr>
     <a:masterClrMapping/>
   </p:clrMapOvr>
-  <mc:AlternateContent xmlns:mc="http://schemas.openxmlformats.org/markup-compatibility/2006">
-    <mc:Choice xmlns:p14="http://schemas.microsoft.com/office/powerpoint/2010/main" Requires="p14">
+  <mc:AlternateContent xmlns:mc="http://schemas.openxmlformats.org/markup-compatibility/2006" xmlns:p14="http://schemas.microsoft.com/office/powerpoint/2010/main">
+    <mc:Choice Requires="p14">
       <p:transition p14:dur="0"/>
     </mc:Choice>
-    <mc:Fallback>
+    <mc:Fallback xmlns="">
       <p:transition/>
     </mc:Fallback>
   </mc:AlternateContent>
@@ -503,7 +977,7 @@
           <a:p>
             <a:fld id="{2ADFB569-902F-4943-A830-6EF2971111E1}" type="datetimeFigureOut">
               <a:rPr kumimoji="1" lang="ja-JP" altLang="en-US" smtClean="0"/>
-              <a:t>2017/10/11</a:t>
+              <a:t>2017/10/12</a:t>
             </a:fld>
             <a:endParaRPr kumimoji="1" lang="ja-JP" altLang="en-US"/>
           </a:p>
@@ -561,11 +1035,11 @@
   <p:clrMapOvr>
     <a:masterClrMapping/>
   </p:clrMapOvr>
-  <mc:AlternateContent xmlns:mc="http://schemas.openxmlformats.org/markup-compatibility/2006">
-    <mc:Choice xmlns:p14="http://schemas.microsoft.com/office/powerpoint/2010/main" Requires="p14">
+  <mc:AlternateContent xmlns:mc="http://schemas.openxmlformats.org/markup-compatibility/2006" xmlns:p14="http://schemas.microsoft.com/office/powerpoint/2010/main">
+    <mc:Choice Requires="p14">
       <p:transition p14:dur="0"/>
     </mc:Choice>
-    <mc:Fallback>
+    <mc:Fallback xmlns="">
       <p:transition/>
     </mc:Fallback>
   </mc:AlternateContent>
@@ -723,7 +1197,7 @@
           <a:p>
             <a:fld id="{2ADFB569-902F-4943-A830-6EF2971111E1}" type="datetimeFigureOut">
               <a:rPr kumimoji="1" lang="ja-JP" altLang="en-US" smtClean="0"/>
-              <a:t>2017/10/11</a:t>
+              <a:t>2017/10/12</a:t>
             </a:fld>
             <a:endParaRPr kumimoji="1" lang="ja-JP" altLang="en-US"/>
           </a:p>
@@ -781,11 +1255,11 @@
   <p:clrMapOvr>
     <a:masterClrMapping/>
   </p:clrMapOvr>
-  <mc:AlternateContent xmlns:mc="http://schemas.openxmlformats.org/markup-compatibility/2006">
-    <mc:Choice xmlns:p14="http://schemas.microsoft.com/office/powerpoint/2010/main" Requires="p14">
+  <mc:AlternateContent xmlns:mc="http://schemas.openxmlformats.org/markup-compatibility/2006" xmlns:p14="http://schemas.microsoft.com/office/powerpoint/2010/main">
+    <mc:Choice Requires="p14">
       <p:transition p14:dur="0"/>
     </mc:Choice>
-    <mc:Fallback>
+    <mc:Fallback xmlns="">
       <p:transition/>
     </mc:Fallback>
   </mc:AlternateContent>
@@ -933,7 +1407,7 @@
           <a:p>
             <a:fld id="{2ADFB569-902F-4943-A830-6EF2971111E1}" type="datetimeFigureOut">
               <a:rPr kumimoji="1" lang="ja-JP" altLang="en-US" smtClean="0"/>
-              <a:t>2017/10/11</a:t>
+              <a:t>2017/10/12</a:t>
             </a:fld>
             <a:endParaRPr kumimoji="1" lang="ja-JP" altLang="en-US"/>
           </a:p>
@@ -991,11 +1465,11 @@
   <p:clrMapOvr>
     <a:masterClrMapping/>
   </p:clrMapOvr>
-  <mc:AlternateContent xmlns:mc="http://schemas.openxmlformats.org/markup-compatibility/2006">
-    <mc:Choice xmlns:p14="http://schemas.microsoft.com/office/powerpoint/2010/main" Requires="p14">
+  <mc:AlternateContent xmlns:mc="http://schemas.openxmlformats.org/markup-compatibility/2006" xmlns:p14="http://schemas.microsoft.com/office/powerpoint/2010/main">
+    <mc:Choice Requires="p14">
       <p:transition p14:dur="0"/>
     </mc:Choice>
-    <mc:Fallback>
+    <mc:Fallback xmlns="">
       <p:transition/>
     </mc:Fallback>
   </mc:AlternateContent>
@@ -1187,7 +1661,7 @@
           <a:p>
             <a:fld id="{2ADFB569-902F-4943-A830-6EF2971111E1}" type="datetimeFigureOut">
               <a:rPr kumimoji="1" lang="ja-JP" altLang="en-US" smtClean="0"/>
-              <a:t>2017/10/11</a:t>
+              <a:t>2017/10/12</a:t>
             </a:fld>
             <a:endParaRPr kumimoji="1" lang="ja-JP" altLang="en-US"/>
           </a:p>
@@ -1245,11 +1719,11 @@
   <p:clrMapOvr>
     <a:masterClrMapping/>
   </p:clrMapOvr>
-  <mc:AlternateContent xmlns:mc="http://schemas.openxmlformats.org/markup-compatibility/2006">
-    <mc:Choice xmlns:p14="http://schemas.microsoft.com/office/powerpoint/2010/main" Requires="p14">
+  <mc:AlternateContent xmlns:mc="http://schemas.openxmlformats.org/markup-compatibility/2006" xmlns:p14="http://schemas.microsoft.com/office/powerpoint/2010/main">
+    <mc:Choice Requires="p14">
       <p:transition p14:dur="0"/>
     </mc:Choice>
-    <mc:Fallback>
+    <mc:Fallback xmlns="">
       <p:transition/>
     </mc:Fallback>
   </mc:AlternateContent>
@@ -1547,7 +2021,7 @@
           <a:p>
             <a:fld id="{2ADFB569-902F-4943-A830-6EF2971111E1}" type="datetimeFigureOut">
               <a:rPr kumimoji="1" lang="ja-JP" altLang="en-US" smtClean="0"/>
-              <a:t>2017/10/11</a:t>
+              <a:t>2017/10/12</a:t>
             </a:fld>
             <a:endParaRPr kumimoji="1" lang="ja-JP" altLang="en-US"/>
           </a:p>
@@ -1605,11 +2079,11 @@
   <p:clrMapOvr>
     <a:masterClrMapping/>
   </p:clrMapOvr>
-  <mc:AlternateContent xmlns:mc="http://schemas.openxmlformats.org/markup-compatibility/2006">
-    <mc:Choice xmlns:p14="http://schemas.microsoft.com/office/powerpoint/2010/main" Requires="p14">
+  <mc:AlternateContent xmlns:mc="http://schemas.openxmlformats.org/markup-compatibility/2006" xmlns:p14="http://schemas.microsoft.com/office/powerpoint/2010/main">
+    <mc:Choice Requires="p14">
       <p:transition p14:dur="0"/>
     </mc:Choice>
-    <mc:Fallback>
+    <mc:Fallback xmlns="">
       <p:transition/>
     </mc:Fallback>
   </mc:AlternateContent>
@@ -2041,7 +2515,7 @@
           <a:p>
             <a:fld id="{2ADFB569-902F-4943-A830-6EF2971111E1}" type="datetimeFigureOut">
               <a:rPr kumimoji="1" lang="ja-JP" altLang="en-US" smtClean="0"/>
-              <a:t>2017/10/11</a:t>
+              <a:t>2017/10/12</a:t>
             </a:fld>
             <a:endParaRPr kumimoji="1" lang="ja-JP" altLang="en-US"/>
           </a:p>
@@ -2099,11 +2573,11 @@
   <p:clrMapOvr>
     <a:masterClrMapping/>
   </p:clrMapOvr>
-  <mc:AlternateContent xmlns:mc="http://schemas.openxmlformats.org/markup-compatibility/2006">
-    <mc:Choice xmlns:p14="http://schemas.microsoft.com/office/powerpoint/2010/main" Requires="p14">
+  <mc:AlternateContent xmlns:mc="http://schemas.openxmlformats.org/markup-compatibility/2006" xmlns:p14="http://schemas.microsoft.com/office/powerpoint/2010/main">
+    <mc:Choice Requires="p14">
       <p:transition p14:dur="0"/>
     </mc:Choice>
-    <mc:Fallback>
+    <mc:Fallback xmlns="">
       <p:transition/>
     </mc:Fallback>
   </mc:AlternateContent>
@@ -2167,7 +2641,7 @@
           <a:p>
             <a:fld id="{2ADFB569-902F-4943-A830-6EF2971111E1}" type="datetimeFigureOut">
               <a:rPr kumimoji="1" lang="ja-JP" altLang="en-US" smtClean="0"/>
-              <a:t>2017/10/11</a:t>
+              <a:t>2017/10/12</a:t>
             </a:fld>
             <a:endParaRPr kumimoji="1" lang="ja-JP" altLang="en-US"/>
           </a:p>
@@ -2225,11 +2699,11 @@
   <p:clrMapOvr>
     <a:masterClrMapping/>
   </p:clrMapOvr>
-  <mc:AlternateContent xmlns:mc="http://schemas.openxmlformats.org/markup-compatibility/2006">
-    <mc:Choice xmlns:p14="http://schemas.microsoft.com/office/powerpoint/2010/main" Requires="p14">
+  <mc:AlternateContent xmlns:mc="http://schemas.openxmlformats.org/markup-compatibility/2006" xmlns:p14="http://schemas.microsoft.com/office/powerpoint/2010/main">
+    <mc:Choice Requires="p14">
       <p:transition p14:dur="0"/>
     </mc:Choice>
-    <mc:Fallback>
+    <mc:Fallback xmlns="">
       <p:transition/>
     </mc:Fallback>
   </mc:AlternateContent>
@@ -2270,7 +2744,7 @@
           <a:p>
             <a:fld id="{2ADFB569-902F-4943-A830-6EF2971111E1}" type="datetimeFigureOut">
               <a:rPr kumimoji="1" lang="ja-JP" altLang="en-US" smtClean="0"/>
-              <a:t>2017/10/11</a:t>
+              <a:t>2017/10/12</a:t>
             </a:fld>
             <a:endParaRPr kumimoji="1" lang="ja-JP" altLang="en-US"/>
           </a:p>
@@ -2328,11 +2802,11 @@
   <p:clrMapOvr>
     <a:masterClrMapping/>
   </p:clrMapOvr>
-  <mc:AlternateContent xmlns:mc="http://schemas.openxmlformats.org/markup-compatibility/2006">
-    <mc:Choice xmlns:p14="http://schemas.microsoft.com/office/powerpoint/2010/main" Requires="p14">
+  <mc:AlternateContent xmlns:mc="http://schemas.openxmlformats.org/markup-compatibility/2006" xmlns:p14="http://schemas.microsoft.com/office/powerpoint/2010/main">
+    <mc:Choice Requires="p14">
       <p:transition p14:dur="0"/>
     </mc:Choice>
-    <mc:Fallback>
+    <mc:Fallback xmlns="">
       <p:transition/>
     </mc:Fallback>
   </mc:AlternateContent>
@@ -2587,7 +3061,7 @@
           <a:p>
             <a:fld id="{2ADFB569-902F-4943-A830-6EF2971111E1}" type="datetimeFigureOut">
               <a:rPr kumimoji="1" lang="ja-JP" altLang="en-US" smtClean="0"/>
-              <a:t>2017/10/11</a:t>
+              <a:t>2017/10/12</a:t>
             </a:fld>
             <a:endParaRPr kumimoji="1" lang="ja-JP" altLang="en-US"/>
           </a:p>
@@ -2645,11 +3119,11 @@
   <p:clrMapOvr>
     <a:masterClrMapping/>
   </p:clrMapOvr>
-  <mc:AlternateContent xmlns:mc="http://schemas.openxmlformats.org/markup-compatibility/2006">
-    <mc:Choice xmlns:p14="http://schemas.microsoft.com/office/powerpoint/2010/main" Requires="p14">
+  <mc:AlternateContent xmlns:mc="http://schemas.openxmlformats.org/markup-compatibility/2006" xmlns:p14="http://schemas.microsoft.com/office/powerpoint/2010/main">
+    <mc:Choice Requires="p14">
       <p:transition p14:dur="0"/>
     </mc:Choice>
-    <mc:Fallback>
+    <mc:Fallback xmlns="">
       <p:transition/>
     </mc:Fallback>
   </mc:AlternateContent>
@@ -2848,7 +3322,7 @@
           <a:p>
             <a:fld id="{2ADFB569-902F-4943-A830-6EF2971111E1}" type="datetimeFigureOut">
               <a:rPr kumimoji="1" lang="ja-JP" altLang="en-US" smtClean="0"/>
-              <a:t>2017/10/11</a:t>
+              <a:t>2017/10/12</a:t>
             </a:fld>
             <a:endParaRPr kumimoji="1" lang="ja-JP" altLang="en-US"/>
           </a:p>
@@ -2906,11 +3380,11 @@
   <p:clrMapOvr>
     <a:masterClrMapping/>
   </p:clrMapOvr>
-  <mc:AlternateContent xmlns:mc="http://schemas.openxmlformats.org/markup-compatibility/2006">
-    <mc:Choice xmlns:p14="http://schemas.microsoft.com/office/powerpoint/2010/main" Requires="p14">
+  <mc:AlternateContent xmlns:mc="http://schemas.openxmlformats.org/markup-compatibility/2006" xmlns:p14="http://schemas.microsoft.com/office/powerpoint/2010/main">
+    <mc:Choice Requires="p14">
       <p:transition p14:dur="0"/>
     </mc:Choice>
-    <mc:Fallback>
+    <mc:Fallback xmlns="">
       <p:transition/>
     </mc:Fallback>
   </mc:AlternateContent>
@@ -3101,7 +3575,7 @@
           <a:p>
             <a:fld id="{2ADFB569-902F-4943-A830-6EF2971111E1}" type="datetimeFigureOut">
               <a:rPr kumimoji="1" lang="ja-JP" altLang="en-US" smtClean="0"/>
-              <a:t>2017/10/11</a:t>
+              <a:t>2017/10/12</a:t>
             </a:fld>
             <a:endParaRPr kumimoji="1" lang="ja-JP" altLang="en-US"/>
           </a:p>
@@ -3206,11 +3680,11 @@
     <p:sldLayoutId id="2147483658" r:id="rId10"/>
     <p:sldLayoutId id="2147483659" r:id="rId11"/>
   </p:sldLayoutIdLst>
-  <mc:AlternateContent xmlns:mc="http://schemas.openxmlformats.org/markup-compatibility/2006">
-    <mc:Choice xmlns:p14="http://schemas.microsoft.com/office/powerpoint/2010/main" Requires="p14">
+  <mc:AlternateContent xmlns:mc="http://schemas.openxmlformats.org/markup-compatibility/2006" xmlns:p14="http://schemas.microsoft.com/office/powerpoint/2010/main">
+    <mc:Choice Requires="p14">
       <p:transition p14:dur="0"/>
     </mc:Choice>
-    <mc:Fallback>
+    <mc:Fallback xmlns="">
       <p:transition/>
     </mc:Fallback>
   </mc:AlternateContent>
@@ -3569,7 +4043,7 @@
           <p:nvPr/>
         </p:nvPicPr>
         <p:blipFill>
-          <a:blip r:embed="rId2">
+          <a:blip r:embed="rId3">
             <a:extLst>
               <a:ext uri="{28A0092B-C50C-407E-A947-70E740481C1C}">
                 <a14:useLocalDpi xmlns:a14="http://schemas.microsoft.com/office/drawing/2010/main" val="0"/>
@@ -3610,7 +4084,7 @@
           <p:nvPr/>
         </p:nvPicPr>
         <p:blipFill>
-          <a:blip r:embed="rId3">
+          <a:blip r:embed="rId4">
             <a:extLst>
               <a:ext uri="{28A0092B-C50C-407E-A947-70E740481C1C}">
                 <a14:useLocalDpi xmlns:a14="http://schemas.microsoft.com/office/drawing/2010/main" val="0"/>
@@ -3652,11 +4126,11 @@
   <p:clrMapOvr>
     <a:masterClrMapping/>
   </p:clrMapOvr>
-  <mc:AlternateContent xmlns:mc="http://schemas.openxmlformats.org/markup-compatibility/2006">
-    <mc:Choice xmlns:p14="http://schemas.microsoft.com/office/powerpoint/2010/main" Requires="p14">
+  <mc:AlternateContent xmlns:mc="http://schemas.openxmlformats.org/markup-compatibility/2006" xmlns:p14="http://schemas.microsoft.com/office/powerpoint/2010/main">
+    <mc:Choice Requires="p14">
       <p:transition p14:dur="10"/>
     </mc:Choice>
-    <mc:Fallback>
+    <mc:Fallback xmlns="">
       <p:transition/>
     </mc:Fallback>
   </mc:AlternateContent>
@@ -3795,6 +4269,29 @@
                                       </p:cBhvr>
                                     </p:animEffect>
                                   </p:childTnLst>
+                                  <p:subTnLst>
+                                    <p:audio>
+                                      <p:cMediaNode>
+                                        <p:cTn display="0" masterRel="sameClick">
+                                          <p:stCondLst>
+                                            <p:cond evt="begin" delay="0">
+                                              <p:tn val="10"/>
+                                            </p:cond>
+                                          </p:stCondLst>
+                                          <p:endCondLst>
+                                            <p:cond evt="onStopAudio" delay="0">
+                                              <p:tgtEl>
+                                                <p:sldTgt/>
+                                              </p:tgtEl>
+                                            </p:cond>
+                                          </p:endCondLst>
+                                        </p:cTn>
+                                        <p:tgtEl>
+                                          <p:sndTgt r:embed="rId2" name="chimes.wav"/>
+                                        </p:tgtEl>
+                                      </p:cMediaNode>
+                                    </p:audio>
+                                  </p:subTnLst>
                                 </p:cTn>
                               </p:par>
                             </p:childTnLst>
@@ -3828,6 +4325,1693 @@
 </p:sld>
 </file>
 
+<file path=ppt/slides/slide10.xml><?xml version="1.0" encoding="utf-8"?>
+<p:sld xmlns:a="http://schemas.openxmlformats.org/drawingml/2006/main" xmlns:r="http://schemas.openxmlformats.org/officeDocument/2006/relationships" xmlns:p="http://schemas.openxmlformats.org/presentationml/2006/main">
+  <p:cSld>
+    <p:spTree>
+      <p:nvGrpSpPr>
+        <p:cNvPr id="1" name=""/>
+        <p:cNvGrpSpPr/>
+        <p:nvPr/>
+      </p:nvGrpSpPr>
+      <p:grpSpPr>
+        <a:xfrm>
+          <a:off x="0" y="0"/>
+          <a:ext cx="0" cy="0"/>
+          <a:chOff x="0" y="0"/>
+          <a:chExt cx="0" cy="0"/>
+        </a:xfrm>
+      </p:grpSpPr>
+      <p:sp>
+        <p:nvSpPr>
+          <p:cNvPr id="2" name="タイトル 1"/>
+          <p:cNvSpPr>
+            <a:spLocks noGrp="1"/>
+          </p:cNvSpPr>
+          <p:nvPr>
+            <p:ph type="title"/>
+          </p:nvPr>
+        </p:nvSpPr>
+        <p:spPr>
+          <a:xfrm>
+            <a:off x="457200" y="274638"/>
+            <a:ext cx="8229600" cy="706090"/>
+          </a:xfrm>
+        </p:spPr>
+        <p:txBody>
+          <a:bodyPr>
+            <a:normAutofit fontScale="90000"/>
+          </a:bodyPr>
+          <a:lstStyle/>
+          <a:p>
+            <a:r>
+              <a:rPr kumimoji="1" lang="ja-JP" altLang="en-US" dirty="0" smtClean="0"/>
+              <a:t>進捗状況</a:t>
+            </a:r>
+            <a:endParaRPr kumimoji="1" lang="ja-JP" altLang="en-US" dirty="0"/>
+          </a:p>
+        </p:txBody>
+      </p:sp>
+      <p:sp>
+        <p:nvSpPr>
+          <p:cNvPr id="4" name="正方形/長方形 3"/>
+          <p:cNvSpPr/>
+          <p:nvPr/>
+        </p:nvSpPr>
+        <p:spPr>
+          <a:xfrm>
+            <a:off x="395536" y="548680"/>
+            <a:ext cx="1338828" cy="369332"/>
+          </a:xfrm>
+          <a:prstGeom prst="rect">
+            <a:avLst/>
+          </a:prstGeom>
+        </p:spPr>
+        <p:txBody>
+          <a:bodyPr wrap="none">
+            <a:spAutoFit/>
+          </a:bodyPr>
+          <a:lstStyle/>
+          <a:p>
+            <a:r>
+              <a:rPr lang="ja-JP" altLang="en-US" dirty="0" smtClean="0">
+                <a:solidFill>
+                  <a:schemeClr val="accent2"/>
+                </a:solidFill>
+                <a:latin typeface="小塚ゴシック Pr6N B" pitchFamily="34" charset="-128"/>
+                <a:ea typeface="小塚ゴシック Pr6N B" pitchFamily="34" charset="-128"/>
+              </a:rPr>
+              <a:t>♥</a:t>
+            </a:r>
+            <a:r>
+              <a:rPr lang="ja-JP" altLang="en-US" dirty="0" smtClean="0">
+                <a:solidFill>
+                  <a:schemeClr val="accent2"/>
+                </a:solidFill>
+                <a:latin typeface="マキナス Scrap 5" pitchFamily="50" charset="-128"/>
+                <a:ea typeface="マキナス Scrap 5" pitchFamily="50" charset="-128"/>
+              </a:rPr>
+              <a:t>デザイン</a:t>
+            </a:r>
+            <a:endParaRPr lang="en-US" altLang="ja-JP" sz="1400" dirty="0">
+              <a:solidFill>
+                <a:schemeClr val="accent2"/>
+              </a:solidFill>
+              <a:latin typeface="源暎ラテゴ" pitchFamily="34" charset="-128"/>
+              <a:ea typeface="源暎ラテゴ" pitchFamily="34" charset="-128"/>
+            </a:endParaRPr>
+          </a:p>
+        </p:txBody>
+      </p:sp>
+    </p:spTree>
+    <p:extLst>
+      <p:ext uri="{BB962C8B-B14F-4D97-AF65-F5344CB8AC3E}">
+        <p14:creationId xmlns:p14="http://schemas.microsoft.com/office/powerpoint/2010/main" val="2719481497"/>
+      </p:ext>
+    </p:extLst>
+  </p:cSld>
+  <p:clrMapOvr>
+    <a:masterClrMapping/>
+  </p:clrMapOvr>
+  <mc:AlternateContent xmlns:mc="http://schemas.openxmlformats.org/markup-compatibility/2006">
+    <mc:Choice xmlns:p14="http://schemas.microsoft.com/office/powerpoint/2010/main" Requires="p14">
+      <p:transition p14:dur="0">
+        <p:sndAc>
+          <p:stSnd>
+            <p:snd r:embed="rId2" name="hammer.wav"/>
+          </p:stSnd>
+        </p:sndAc>
+      </p:transition>
+    </mc:Choice>
+    <mc:Fallback>
+      <p:transition>
+        <p:sndAc>
+          <p:stSnd>
+            <p:snd r:embed="rId2" name="hammer.wav"/>
+          </p:stSnd>
+        </p:sndAc>
+      </p:transition>
+    </mc:Fallback>
+  </mc:AlternateContent>
+  <p:timing>
+    <p:tnLst>
+      <p:par>
+        <p:cTn id="1" dur="indefinite" restart="never" nodeType="tmRoot"/>
+      </p:par>
+    </p:tnLst>
+  </p:timing>
+</p:sld>
+</file>
+
+<file path=ppt/slides/slide11.xml><?xml version="1.0" encoding="utf-8"?>
+<p:sld xmlns:a="http://schemas.openxmlformats.org/drawingml/2006/main" xmlns:r="http://schemas.openxmlformats.org/officeDocument/2006/relationships" xmlns:p="http://schemas.openxmlformats.org/presentationml/2006/main">
+  <p:cSld>
+    <p:spTree>
+      <p:nvGrpSpPr>
+        <p:cNvPr id="1" name=""/>
+        <p:cNvGrpSpPr/>
+        <p:nvPr/>
+      </p:nvGrpSpPr>
+      <p:grpSpPr>
+        <a:xfrm>
+          <a:off x="0" y="0"/>
+          <a:ext cx="0" cy="0"/>
+          <a:chOff x="0" y="0"/>
+          <a:chExt cx="0" cy="0"/>
+        </a:xfrm>
+      </p:grpSpPr>
+      <p:sp>
+        <p:nvSpPr>
+          <p:cNvPr id="2" name="タイトル 1"/>
+          <p:cNvSpPr>
+            <a:spLocks noGrp="1"/>
+          </p:cNvSpPr>
+          <p:nvPr>
+            <p:ph type="title"/>
+          </p:nvPr>
+        </p:nvSpPr>
+        <p:spPr>
+          <a:xfrm>
+            <a:off x="457200" y="2276872"/>
+            <a:ext cx="8229600" cy="706090"/>
+          </a:xfrm>
+        </p:spPr>
+        <p:txBody>
+          <a:bodyPr>
+            <a:normAutofit fontScale="90000"/>
+          </a:bodyPr>
+          <a:lstStyle/>
+          <a:p>
+            <a:r>
+              <a:rPr lang="ja-JP" altLang="en-US" dirty="0">
+                <a:latin typeface="源暎ラテゴ" pitchFamily="34" charset="-128"/>
+                <a:ea typeface="源暎ラテゴ" pitchFamily="34" charset="-128"/>
+              </a:rPr>
+              <a:t>　</a:t>
+            </a:r>
+            <a:r>
+              <a:rPr lang="ja-JP" altLang="en-US" dirty="0" smtClean="0">
+                <a:latin typeface="源暎ラテゴ" pitchFamily="34" charset="-128"/>
+                <a:ea typeface="源暎ラテゴ" pitchFamily="34" charset="-128"/>
+              </a:rPr>
+              <a:t>次回</a:t>
+            </a:r>
+            <a:r>
+              <a:rPr lang="ja-JP" altLang="en-US" dirty="0">
+                <a:latin typeface="源暎ラテゴ" pitchFamily="34" charset="-128"/>
+                <a:ea typeface="源暎ラテゴ" pitchFamily="34" charset="-128"/>
+              </a:rPr>
+              <a:t>もお楽しみに！！</a:t>
+            </a:r>
+          </a:p>
+        </p:txBody>
+      </p:sp>
+      <p:pic>
+        <p:nvPicPr>
+          <p:cNvPr id="5" name="Picture 2" descr="https://i.pinimg.com/originals/ea/11/5a/ea115a05adbb95e2cfede0fa5a8ffce3.png"/>
+          <p:cNvPicPr>
+            <a:picLocks noChangeAspect="1" noChangeArrowheads="1"/>
+          </p:cNvPicPr>
+          <p:nvPr/>
+        </p:nvPicPr>
+        <p:blipFill>
+          <a:blip r:embed="rId3">
+            <a:extLst>
+              <a:ext uri="{28A0092B-C50C-407E-A947-70E740481C1C}">
+                <a14:useLocalDpi xmlns:a14="http://schemas.microsoft.com/office/drawing/2010/main" val="0"/>
+              </a:ext>
+            </a:extLst>
+          </a:blip>
+          <a:srcRect/>
+          <a:stretch>
+            <a:fillRect/>
+          </a:stretch>
+        </p:blipFill>
+        <p:spPr bwMode="auto">
+          <a:xfrm>
+            <a:off x="6756310" y="3861048"/>
+            <a:ext cx="2387690" cy="3091974"/>
+          </a:xfrm>
+          <a:prstGeom prst="rect">
+            <a:avLst/>
+          </a:prstGeom>
+          <a:noFill/>
+          <a:extLst>
+            <a:ext uri="{909E8E84-426E-40DD-AFC4-6F175D3DCCD1}">
+              <a14:hiddenFill xmlns:a14="http://schemas.microsoft.com/office/drawing/2010/main">
+                <a:solidFill>
+                  <a:srgbClr val="FFFFFF"/>
+                </a:solidFill>
+              </a14:hiddenFill>
+            </a:ext>
+          </a:extLst>
+        </p:spPr>
+      </p:pic>
+      <p:pic>
+        <p:nvPicPr>
+          <p:cNvPr id="7" name="Picture 6" descr="https://blog-001.west.edge.storage-yahoo.jp/res/blog-09-68/gallery_box/folder/1782229/22/52203622/img_4?1353731330"/>
+          <p:cNvPicPr>
+            <a:picLocks noChangeAspect="1" noChangeArrowheads="1" noCrop="1"/>
+          </p:cNvPicPr>
+          <p:nvPr/>
+        </p:nvPicPr>
+        <p:blipFill>
+          <a:blip r:embed="rId4">
+            <a:extLst>
+              <a:ext uri="{28A0092B-C50C-407E-A947-70E740481C1C}">
+                <a14:useLocalDpi xmlns:a14="http://schemas.microsoft.com/office/drawing/2010/main" val="0"/>
+              </a:ext>
+            </a:extLst>
+          </a:blip>
+          <a:srcRect/>
+          <a:stretch>
+            <a:fillRect/>
+          </a:stretch>
+        </p:blipFill>
+        <p:spPr bwMode="auto">
+          <a:xfrm>
+            <a:off x="1691680" y="4365104"/>
+            <a:ext cx="5133975" cy="733426"/>
+          </a:xfrm>
+          <a:prstGeom prst="rect">
+            <a:avLst/>
+          </a:prstGeom>
+          <a:noFill/>
+          <a:extLst>
+            <a:ext uri="{909E8E84-426E-40DD-AFC4-6F175D3DCCD1}">
+              <a14:hiddenFill xmlns:a14="http://schemas.microsoft.com/office/drawing/2010/main">
+                <a:solidFill>
+                  <a:srgbClr val="FFFFFF"/>
+                </a:solidFill>
+              </a14:hiddenFill>
+            </a:ext>
+          </a:extLst>
+        </p:spPr>
+      </p:pic>
+      <p:sp>
+        <p:nvSpPr>
+          <p:cNvPr id="11" name="正方形/長方形 10"/>
+          <p:cNvSpPr/>
+          <p:nvPr/>
+        </p:nvSpPr>
+        <p:spPr>
+          <a:xfrm>
+            <a:off x="3416186" y="6165304"/>
+            <a:ext cx="415498" cy="369332"/>
+          </a:xfrm>
+          <a:prstGeom prst="rect">
+            <a:avLst/>
+          </a:prstGeom>
+          <a:ln>
+            <a:noFill/>
+          </a:ln>
+        </p:spPr>
+        <p:txBody>
+          <a:bodyPr wrap="none" anchor="ctr">
+            <a:spAutoFit/>
+          </a:bodyPr>
+          <a:lstStyle/>
+          <a:p>
+            <a:pPr algn="ctr"/>
+            <a:r>
+              <a:rPr lang="ja-JP" altLang="en-US" dirty="0">
+                <a:solidFill>
+                  <a:schemeClr val="accent6"/>
+                </a:solidFill>
+                <a:latin typeface="小塚ゴシック Pr6N B" pitchFamily="34" charset="-128"/>
+                <a:ea typeface="小塚ゴシック Pr6N B" pitchFamily="34" charset="-128"/>
+              </a:rPr>
+              <a:t>♦</a:t>
+            </a:r>
+            <a:endParaRPr lang="ja-JP" altLang="en-US" dirty="0"/>
+          </a:p>
+        </p:txBody>
+      </p:sp>
+      <p:sp>
+        <p:nvSpPr>
+          <p:cNvPr id="12" name="正方形/長方形 11"/>
+          <p:cNvSpPr/>
+          <p:nvPr/>
+        </p:nvSpPr>
+        <p:spPr>
+          <a:xfrm>
+            <a:off x="2335752" y="6165304"/>
+            <a:ext cx="415498" cy="369332"/>
+          </a:xfrm>
+          <a:prstGeom prst="rect">
+            <a:avLst/>
+          </a:prstGeom>
+          <a:ln>
+            <a:noFill/>
+          </a:ln>
+        </p:spPr>
+        <p:txBody>
+          <a:bodyPr wrap="none" anchor="ctr">
+            <a:spAutoFit/>
+          </a:bodyPr>
+          <a:lstStyle/>
+          <a:p>
+            <a:pPr algn="ctr"/>
+            <a:r>
+              <a:rPr lang="ja-JP" altLang="en-US" dirty="0">
+                <a:solidFill>
+                  <a:schemeClr val="accent3">
+                    <a:lumMod val="75000"/>
+                  </a:schemeClr>
+                </a:solidFill>
+                <a:latin typeface="小塚ゴシック Pr6N B" pitchFamily="34" charset="-128"/>
+                <a:ea typeface="小塚ゴシック Pr6N B" pitchFamily="34" charset="-128"/>
+              </a:rPr>
+              <a:t>♣</a:t>
+            </a:r>
+            <a:endParaRPr lang="ja-JP" altLang="en-US" dirty="0"/>
+          </a:p>
+        </p:txBody>
+      </p:sp>
+      <p:sp>
+        <p:nvSpPr>
+          <p:cNvPr id="13" name="正方形/長方形 12"/>
+          <p:cNvSpPr/>
+          <p:nvPr/>
+        </p:nvSpPr>
+        <p:spPr>
+          <a:xfrm>
+            <a:off x="4496620" y="6165304"/>
+            <a:ext cx="415498" cy="369332"/>
+          </a:xfrm>
+          <a:prstGeom prst="rect">
+            <a:avLst/>
+          </a:prstGeom>
+          <a:ln>
+            <a:noFill/>
+          </a:ln>
+        </p:spPr>
+        <p:txBody>
+          <a:bodyPr wrap="none" anchor="ctr">
+            <a:spAutoFit/>
+          </a:bodyPr>
+          <a:lstStyle/>
+          <a:p>
+            <a:pPr algn="ctr"/>
+            <a:r>
+              <a:rPr lang="ja-JP" altLang="en-US" dirty="0">
+                <a:solidFill>
+                  <a:schemeClr val="accent2"/>
+                </a:solidFill>
+                <a:latin typeface="小塚ゴシック Pr6N B" pitchFamily="34" charset="-128"/>
+                <a:ea typeface="小塚ゴシック Pr6N B" pitchFamily="34" charset="-128"/>
+              </a:rPr>
+              <a:t>♥</a:t>
+            </a:r>
+            <a:endParaRPr lang="ja-JP" altLang="en-US" dirty="0"/>
+          </a:p>
+        </p:txBody>
+      </p:sp>
+      <p:sp>
+        <p:nvSpPr>
+          <p:cNvPr id="14" name="正方形/長方形 13"/>
+          <p:cNvSpPr/>
+          <p:nvPr/>
+        </p:nvSpPr>
+        <p:spPr>
+          <a:xfrm>
+            <a:off x="3956403" y="6165304"/>
+            <a:ext cx="415498" cy="369332"/>
+          </a:xfrm>
+          <a:prstGeom prst="rect">
+            <a:avLst/>
+          </a:prstGeom>
+          <a:ln>
+            <a:noFill/>
+          </a:ln>
+        </p:spPr>
+        <p:txBody>
+          <a:bodyPr wrap="none" anchor="ctr">
+            <a:spAutoFit/>
+          </a:bodyPr>
+          <a:lstStyle/>
+          <a:p>
+            <a:pPr algn="ctr"/>
+            <a:r>
+              <a:rPr lang="ja-JP" altLang="en-US" dirty="0">
+                <a:solidFill>
+                  <a:schemeClr val="accent1"/>
+                </a:solidFill>
+                <a:latin typeface="小塚ゴシック Pr6N B" pitchFamily="34" charset="-128"/>
+                <a:ea typeface="小塚ゴシック Pr6N B" pitchFamily="34" charset="-128"/>
+              </a:rPr>
+              <a:t>♠</a:t>
+            </a:r>
+            <a:endParaRPr lang="ja-JP" altLang="en-US" dirty="0"/>
+          </a:p>
+        </p:txBody>
+      </p:sp>
+      <p:sp>
+        <p:nvSpPr>
+          <p:cNvPr id="15" name="正方形/長方形 14"/>
+          <p:cNvSpPr/>
+          <p:nvPr/>
+        </p:nvSpPr>
+        <p:spPr>
+          <a:xfrm>
+            <a:off x="1255318" y="6165304"/>
+            <a:ext cx="415498" cy="369332"/>
+          </a:xfrm>
+          <a:prstGeom prst="rect">
+            <a:avLst/>
+          </a:prstGeom>
+          <a:ln>
+            <a:noFill/>
+          </a:ln>
+        </p:spPr>
+        <p:txBody>
+          <a:bodyPr wrap="none" anchor="ctr">
+            <a:spAutoFit/>
+          </a:bodyPr>
+          <a:lstStyle/>
+          <a:p>
+            <a:pPr algn="ctr"/>
+            <a:r>
+              <a:rPr lang="ja-JP" altLang="en-US" dirty="0">
+                <a:solidFill>
+                  <a:schemeClr val="accent2"/>
+                </a:solidFill>
+                <a:latin typeface="小塚ゴシック Pr6N B" pitchFamily="34" charset="-128"/>
+                <a:ea typeface="小塚ゴシック Pr6N B" pitchFamily="34" charset="-128"/>
+              </a:rPr>
+              <a:t>♥</a:t>
+            </a:r>
+            <a:endParaRPr lang="ja-JP" altLang="en-US" dirty="0"/>
+          </a:p>
+        </p:txBody>
+      </p:sp>
+      <p:sp>
+        <p:nvSpPr>
+          <p:cNvPr id="16" name="正方形/長方形 15"/>
+          <p:cNvSpPr/>
+          <p:nvPr/>
+        </p:nvSpPr>
+        <p:spPr>
+          <a:xfrm>
+            <a:off x="715101" y="6165304"/>
+            <a:ext cx="415498" cy="369332"/>
+          </a:xfrm>
+          <a:prstGeom prst="rect">
+            <a:avLst/>
+          </a:prstGeom>
+          <a:ln>
+            <a:noFill/>
+          </a:ln>
+        </p:spPr>
+        <p:txBody>
+          <a:bodyPr wrap="none" anchor="ctr">
+            <a:spAutoFit/>
+          </a:bodyPr>
+          <a:lstStyle/>
+          <a:p>
+            <a:pPr algn="ctr"/>
+            <a:r>
+              <a:rPr lang="ja-JP" altLang="en-US" dirty="0">
+                <a:solidFill>
+                  <a:schemeClr val="accent1"/>
+                </a:solidFill>
+                <a:latin typeface="小塚ゴシック Pr6N B" pitchFamily="34" charset="-128"/>
+                <a:ea typeface="小塚ゴシック Pr6N B" pitchFamily="34" charset="-128"/>
+              </a:rPr>
+              <a:t>♠</a:t>
+            </a:r>
+            <a:endParaRPr lang="ja-JP" altLang="en-US" dirty="0"/>
+          </a:p>
+        </p:txBody>
+      </p:sp>
+      <p:sp>
+        <p:nvSpPr>
+          <p:cNvPr id="17" name="正方形/長方形 16"/>
+          <p:cNvSpPr/>
+          <p:nvPr/>
+        </p:nvSpPr>
+        <p:spPr>
+          <a:xfrm>
+            <a:off x="2875969" y="6165304"/>
+            <a:ext cx="415498" cy="369332"/>
+          </a:xfrm>
+          <a:prstGeom prst="rect">
+            <a:avLst/>
+          </a:prstGeom>
+          <a:ln>
+            <a:noFill/>
+          </a:ln>
+        </p:spPr>
+        <p:txBody>
+          <a:bodyPr wrap="none" anchor="ctr">
+            <a:spAutoFit/>
+          </a:bodyPr>
+          <a:lstStyle/>
+          <a:p>
+            <a:pPr algn="ctr"/>
+            <a:r>
+              <a:rPr lang="ja-JP" altLang="en-US" dirty="0">
+                <a:solidFill>
+                  <a:schemeClr val="accent1"/>
+                </a:solidFill>
+                <a:latin typeface="小塚ゴシック Pr6N B" pitchFamily="34" charset="-128"/>
+                <a:ea typeface="小塚ゴシック Pr6N B" pitchFamily="34" charset="-128"/>
+              </a:rPr>
+              <a:t>♠</a:t>
+            </a:r>
+            <a:endParaRPr lang="ja-JP" altLang="en-US" dirty="0"/>
+          </a:p>
+        </p:txBody>
+      </p:sp>
+      <p:sp>
+        <p:nvSpPr>
+          <p:cNvPr id="18" name="正方形/長方形 17"/>
+          <p:cNvSpPr/>
+          <p:nvPr/>
+        </p:nvSpPr>
+        <p:spPr>
+          <a:xfrm>
+            <a:off x="1795535" y="6165304"/>
+            <a:ext cx="415498" cy="369332"/>
+          </a:xfrm>
+          <a:prstGeom prst="rect">
+            <a:avLst/>
+          </a:prstGeom>
+          <a:ln>
+            <a:noFill/>
+          </a:ln>
+        </p:spPr>
+        <p:txBody>
+          <a:bodyPr wrap="none" anchor="ctr">
+            <a:spAutoFit/>
+          </a:bodyPr>
+          <a:lstStyle/>
+          <a:p>
+            <a:pPr algn="ctr"/>
+            <a:r>
+              <a:rPr lang="ja-JP" altLang="en-US" dirty="0">
+                <a:solidFill>
+                  <a:schemeClr val="accent1"/>
+                </a:solidFill>
+                <a:latin typeface="小塚ゴシック Pr6N B" pitchFamily="34" charset="-128"/>
+                <a:ea typeface="小塚ゴシック Pr6N B" pitchFamily="34" charset="-128"/>
+              </a:rPr>
+              <a:t>♠</a:t>
+            </a:r>
+            <a:endParaRPr lang="ja-JP" altLang="en-US" dirty="0"/>
+          </a:p>
+        </p:txBody>
+      </p:sp>
+      <p:sp>
+        <p:nvSpPr>
+          <p:cNvPr id="19" name="正方形/長方形 18"/>
+          <p:cNvSpPr/>
+          <p:nvPr/>
+        </p:nvSpPr>
+        <p:spPr>
+          <a:xfrm>
+            <a:off x="5036834" y="6165304"/>
+            <a:ext cx="415498" cy="369332"/>
+          </a:xfrm>
+          <a:prstGeom prst="rect">
+            <a:avLst/>
+          </a:prstGeom>
+          <a:ln>
+            <a:noFill/>
+          </a:ln>
+        </p:spPr>
+        <p:txBody>
+          <a:bodyPr wrap="none" anchor="ctr">
+            <a:spAutoFit/>
+          </a:bodyPr>
+          <a:lstStyle/>
+          <a:p>
+            <a:pPr algn="ctr"/>
+            <a:r>
+              <a:rPr lang="ja-JP" altLang="en-US" dirty="0">
+                <a:solidFill>
+                  <a:schemeClr val="accent1"/>
+                </a:solidFill>
+                <a:latin typeface="小塚ゴシック Pr6N B" pitchFamily="34" charset="-128"/>
+                <a:ea typeface="小塚ゴシック Pr6N B" pitchFamily="34" charset="-128"/>
+              </a:rPr>
+              <a:t>♠</a:t>
+            </a:r>
+            <a:endParaRPr lang="ja-JP" altLang="en-US" dirty="0"/>
+          </a:p>
+        </p:txBody>
+      </p:sp>
+    </p:spTree>
+    <p:extLst>
+      <p:ext uri="{BB962C8B-B14F-4D97-AF65-F5344CB8AC3E}">
+        <p14:creationId xmlns:p14="http://schemas.microsoft.com/office/powerpoint/2010/main" val="3123805960"/>
+      </p:ext>
+    </p:extLst>
+  </p:cSld>
+  <p:clrMapOvr>
+    <a:masterClrMapping/>
+  </p:clrMapOvr>
+  <mc:AlternateContent xmlns:mc="http://schemas.openxmlformats.org/markup-compatibility/2006" xmlns:p14="http://schemas.microsoft.com/office/powerpoint/2010/main">
+    <mc:Choice Requires="p14">
+      <p:transition spd="slow" p14:dur="1300">
+        <p14:pan/>
+      </p:transition>
+    </mc:Choice>
+    <mc:Fallback xmlns="">
+      <p:transition spd="slow">
+        <p:fade/>
+      </p:transition>
+    </mc:Fallback>
+  </mc:AlternateContent>
+  <p:timing>
+    <p:tnLst>
+      <p:par>
+        <p:cTn id="1" dur="indefinite" restart="never" nodeType="tmRoot">
+          <p:childTnLst>
+            <p:seq concurrent="1" nextAc="seek">
+              <p:cTn id="2" dur="indefinite" nodeType="mainSeq">
+                <p:childTnLst>
+                  <p:par>
+                    <p:cTn id="3" fill="hold">
+                      <p:stCondLst>
+                        <p:cond delay="indefinite"/>
+                        <p:cond evt="onBegin" delay="0">
+                          <p:tn val="2"/>
+                        </p:cond>
+                      </p:stCondLst>
+                      <p:childTnLst>
+                        <p:par>
+                          <p:cTn id="4" fill="hold">
+                            <p:stCondLst>
+                              <p:cond delay="0"/>
+                            </p:stCondLst>
+                            <p:childTnLst>
+                              <p:par>
+                                <p:cTn id="5" presetID="35" presetClass="entr" presetSubtype="0" fill="hold" grpId="0" nodeType="withEffect">
+                                  <p:stCondLst>
+                                    <p:cond delay="0"/>
+                                  </p:stCondLst>
+                                  <p:childTnLst>
+                                    <p:set>
+                                      <p:cBhvr>
+                                        <p:cTn id="6" dur="1" fill="hold">
+                                          <p:stCondLst>
+                                            <p:cond delay="0"/>
+                                          </p:stCondLst>
+                                        </p:cTn>
+                                        <p:tgtEl>
+                                          <p:spTgt spid="2"/>
+                                        </p:tgtEl>
+                                        <p:attrNameLst>
+                                          <p:attrName>style.visibility</p:attrName>
+                                        </p:attrNameLst>
+                                      </p:cBhvr>
+                                      <p:to>
+                                        <p:strVal val="visible"/>
+                                      </p:to>
+                                    </p:set>
+                                    <p:animEffect transition="in" filter="fade">
+                                      <p:cBhvr>
+                                        <p:cTn id="7" dur="750"/>
+                                        <p:tgtEl>
+                                          <p:spTgt spid="2"/>
+                                        </p:tgtEl>
+                                      </p:cBhvr>
+                                    </p:animEffect>
+                                    <p:anim calcmode="lin" valueType="num">
+                                      <p:cBhvr>
+                                        <p:cTn id="8" dur="750" fill="hold"/>
+                                        <p:tgtEl>
+                                          <p:spTgt spid="2"/>
+                                        </p:tgtEl>
+                                        <p:attrNameLst>
+                                          <p:attrName>style.rotation</p:attrName>
+                                        </p:attrNameLst>
+                                      </p:cBhvr>
+                                      <p:tavLst>
+                                        <p:tav tm="0">
+                                          <p:val>
+                                            <p:fltVal val="720"/>
+                                          </p:val>
+                                        </p:tav>
+                                        <p:tav tm="100000">
+                                          <p:val>
+                                            <p:fltVal val="0"/>
+                                          </p:val>
+                                        </p:tav>
+                                      </p:tavLst>
+                                    </p:anim>
+                                    <p:anim calcmode="lin" valueType="num">
+                                      <p:cBhvr>
+                                        <p:cTn id="9" dur="750" fill="hold"/>
+                                        <p:tgtEl>
+                                          <p:spTgt spid="2"/>
+                                        </p:tgtEl>
+                                        <p:attrNameLst>
+                                          <p:attrName>ppt_h</p:attrName>
+                                        </p:attrNameLst>
+                                      </p:cBhvr>
+                                      <p:tavLst>
+                                        <p:tav tm="0">
+                                          <p:val>
+                                            <p:fltVal val="0"/>
+                                          </p:val>
+                                        </p:tav>
+                                        <p:tav tm="100000">
+                                          <p:val>
+                                            <p:strVal val="#ppt_h"/>
+                                          </p:val>
+                                        </p:tav>
+                                      </p:tavLst>
+                                    </p:anim>
+                                    <p:anim calcmode="lin" valueType="num">
+                                      <p:cBhvr>
+                                        <p:cTn id="10" dur="750" fill="hold"/>
+                                        <p:tgtEl>
+                                          <p:spTgt spid="2"/>
+                                        </p:tgtEl>
+                                        <p:attrNameLst>
+                                          <p:attrName>ppt_w</p:attrName>
+                                        </p:attrNameLst>
+                                      </p:cBhvr>
+                                      <p:tavLst>
+                                        <p:tav tm="0">
+                                          <p:val>
+                                            <p:fltVal val="0"/>
+                                          </p:val>
+                                        </p:tav>
+                                        <p:tav tm="100000">
+                                          <p:val>
+                                            <p:strVal val="#ppt_w"/>
+                                          </p:val>
+                                        </p:tav>
+                                      </p:tavLst>
+                                    </p:anim>
+                                  </p:childTnLst>
+                                </p:cTn>
+                              </p:par>
+                            </p:childTnLst>
+                          </p:cTn>
+                        </p:par>
+                        <p:par>
+                          <p:cTn id="11" fill="hold">
+                            <p:stCondLst>
+                              <p:cond delay="750"/>
+                            </p:stCondLst>
+                            <p:childTnLst>
+                              <p:par>
+                                <p:cTn id="12" presetID="22" presetClass="entr" presetSubtype="2" fill="hold" nodeType="afterEffect">
+                                  <p:stCondLst>
+                                    <p:cond delay="0"/>
+                                  </p:stCondLst>
+                                  <p:childTnLst>
+                                    <p:set>
+                                      <p:cBhvr>
+                                        <p:cTn id="13" dur="1" fill="hold">
+                                          <p:stCondLst>
+                                            <p:cond delay="0"/>
+                                          </p:stCondLst>
+                                        </p:cTn>
+                                        <p:tgtEl>
+                                          <p:spTgt spid="7"/>
+                                        </p:tgtEl>
+                                        <p:attrNameLst>
+                                          <p:attrName>style.visibility</p:attrName>
+                                        </p:attrNameLst>
+                                      </p:cBhvr>
+                                      <p:to>
+                                        <p:strVal val="visible"/>
+                                      </p:to>
+                                    </p:set>
+                                    <p:animEffect transition="in" filter="wipe(right)">
+                                      <p:cBhvr>
+                                        <p:cTn id="14" dur="500"/>
+                                        <p:tgtEl>
+                                          <p:spTgt spid="7"/>
+                                        </p:tgtEl>
+                                      </p:cBhvr>
+                                    </p:animEffect>
+                                  </p:childTnLst>
+                                  <p:subTnLst>
+                                    <p:audio>
+                                      <p:cMediaNode>
+                                        <p:cTn display="0" masterRel="sameClick">
+                                          <p:stCondLst>
+                                            <p:cond evt="begin" delay="0">
+                                              <p:tn val="12"/>
+                                            </p:cond>
+                                          </p:stCondLst>
+                                          <p:endCondLst>
+                                            <p:cond evt="onStopAudio" delay="0">
+                                              <p:tgtEl>
+                                                <p:sldTgt/>
+                                              </p:tgtEl>
+                                            </p:cond>
+                                          </p:endCondLst>
+                                        </p:cTn>
+                                        <p:tgtEl>
+                                          <p:sndTgt r:embed="rId2" name="applause.wav"/>
+                                        </p:tgtEl>
+                                      </p:cMediaNode>
+                                    </p:audio>
+                                  </p:subTnLst>
+                                </p:cTn>
+                              </p:par>
+                              <p:par>
+                                <p:cTn id="15" presetID="34" presetClass="emph" presetSubtype="0" repeatCount="indefinite" fill="hold" grpId="0" nodeType="withEffect">
+                                  <p:stCondLst>
+                                    <p:cond delay="0"/>
+                                  </p:stCondLst>
+                                  <p:iterate type="lt">
+                                    <p:tmPct val="10000"/>
+                                  </p:iterate>
+                                  <p:childTnLst>
+                                    <p:animMotion origin="layout" path="M 0.0 0.0 L 0.0 -0.07213" pathEditMode="relative" ptsTypes="">
+                                      <p:cBhvr>
+                                        <p:cTn id="16" dur="625" accel="50000" decel="50000" autoRev="1" fill="hold">
+                                          <p:stCondLst>
+                                            <p:cond delay="0"/>
+                                          </p:stCondLst>
+                                        </p:cTn>
+                                        <p:tgtEl>
+                                          <p:spTgt spid="16"/>
+                                        </p:tgtEl>
+                                        <p:attrNameLst>
+                                          <p:attrName>ppt_x</p:attrName>
+                                          <p:attrName>ppt_y</p:attrName>
+                                        </p:attrNameLst>
+                                      </p:cBhvr>
+                                    </p:animMotion>
+                                    <p:animRot by="1500000">
+                                      <p:cBhvr>
+                                        <p:cTn id="17" dur="313" fill="hold">
+                                          <p:stCondLst>
+                                            <p:cond delay="0"/>
+                                          </p:stCondLst>
+                                        </p:cTn>
+                                        <p:tgtEl>
+                                          <p:spTgt spid="16"/>
+                                        </p:tgtEl>
+                                        <p:attrNameLst>
+                                          <p:attrName>r</p:attrName>
+                                        </p:attrNameLst>
+                                      </p:cBhvr>
+                                    </p:animRot>
+                                    <p:animRot by="-1500000">
+                                      <p:cBhvr>
+                                        <p:cTn id="18" dur="313" fill="hold">
+                                          <p:stCondLst>
+                                            <p:cond delay="313"/>
+                                          </p:stCondLst>
+                                        </p:cTn>
+                                        <p:tgtEl>
+                                          <p:spTgt spid="16"/>
+                                        </p:tgtEl>
+                                        <p:attrNameLst>
+                                          <p:attrName>r</p:attrName>
+                                        </p:attrNameLst>
+                                      </p:cBhvr>
+                                    </p:animRot>
+                                    <p:animRot by="-1500000">
+                                      <p:cBhvr>
+                                        <p:cTn id="19" dur="313" fill="hold">
+                                          <p:stCondLst>
+                                            <p:cond delay="625"/>
+                                          </p:stCondLst>
+                                        </p:cTn>
+                                        <p:tgtEl>
+                                          <p:spTgt spid="16"/>
+                                        </p:tgtEl>
+                                        <p:attrNameLst>
+                                          <p:attrName>r</p:attrName>
+                                        </p:attrNameLst>
+                                      </p:cBhvr>
+                                    </p:animRot>
+                                    <p:animRot by="1500000">
+                                      <p:cBhvr>
+                                        <p:cTn id="20" dur="313" fill="hold">
+                                          <p:stCondLst>
+                                            <p:cond delay="938"/>
+                                          </p:stCondLst>
+                                        </p:cTn>
+                                        <p:tgtEl>
+                                          <p:spTgt spid="16"/>
+                                        </p:tgtEl>
+                                        <p:attrNameLst>
+                                          <p:attrName>r</p:attrName>
+                                        </p:attrNameLst>
+                                      </p:cBhvr>
+                                    </p:animRot>
+                                  </p:childTnLst>
+                                </p:cTn>
+                              </p:par>
+                              <p:par>
+                                <p:cTn id="21" presetID="34" presetClass="emph" presetSubtype="0" repeatCount="indefinite" fill="hold" grpId="0" nodeType="withEffect">
+                                  <p:stCondLst>
+                                    <p:cond delay="250"/>
+                                  </p:stCondLst>
+                                  <p:iterate type="lt">
+                                    <p:tmPct val="10000"/>
+                                  </p:iterate>
+                                  <p:childTnLst>
+                                    <p:animMotion origin="layout" path="M 0.0 0.0 L 0.0 -0.07213" pathEditMode="relative" ptsTypes="">
+                                      <p:cBhvr>
+                                        <p:cTn id="22" dur="625" accel="50000" decel="50000" autoRev="1" fill="hold">
+                                          <p:stCondLst>
+                                            <p:cond delay="0"/>
+                                          </p:stCondLst>
+                                        </p:cTn>
+                                        <p:tgtEl>
+                                          <p:spTgt spid="15"/>
+                                        </p:tgtEl>
+                                        <p:attrNameLst>
+                                          <p:attrName>ppt_x</p:attrName>
+                                          <p:attrName>ppt_y</p:attrName>
+                                        </p:attrNameLst>
+                                      </p:cBhvr>
+                                    </p:animMotion>
+                                    <p:animRot by="1500000">
+                                      <p:cBhvr>
+                                        <p:cTn id="23" dur="313" fill="hold">
+                                          <p:stCondLst>
+                                            <p:cond delay="0"/>
+                                          </p:stCondLst>
+                                        </p:cTn>
+                                        <p:tgtEl>
+                                          <p:spTgt spid="15"/>
+                                        </p:tgtEl>
+                                        <p:attrNameLst>
+                                          <p:attrName>r</p:attrName>
+                                        </p:attrNameLst>
+                                      </p:cBhvr>
+                                    </p:animRot>
+                                    <p:animRot by="-1500000">
+                                      <p:cBhvr>
+                                        <p:cTn id="24" dur="313" fill="hold">
+                                          <p:stCondLst>
+                                            <p:cond delay="313"/>
+                                          </p:stCondLst>
+                                        </p:cTn>
+                                        <p:tgtEl>
+                                          <p:spTgt spid="15"/>
+                                        </p:tgtEl>
+                                        <p:attrNameLst>
+                                          <p:attrName>r</p:attrName>
+                                        </p:attrNameLst>
+                                      </p:cBhvr>
+                                    </p:animRot>
+                                    <p:animRot by="-1500000">
+                                      <p:cBhvr>
+                                        <p:cTn id="25" dur="313" fill="hold">
+                                          <p:stCondLst>
+                                            <p:cond delay="625"/>
+                                          </p:stCondLst>
+                                        </p:cTn>
+                                        <p:tgtEl>
+                                          <p:spTgt spid="15"/>
+                                        </p:tgtEl>
+                                        <p:attrNameLst>
+                                          <p:attrName>r</p:attrName>
+                                        </p:attrNameLst>
+                                      </p:cBhvr>
+                                    </p:animRot>
+                                    <p:animRot by="1500000">
+                                      <p:cBhvr>
+                                        <p:cTn id="26" dur="313" fill="hold">
+                                          <p:stCondLst>
+                                            <p:cond delay="938"/>
+                                          </p:stCondLst>
+                                        </p:cTn>
+                                        <p:tgtEl>
+                                          <p:spTgt spid="15"/>
+                                        </p:tgtEl>
+                                        <p:attrNameLst>
+                                          <p:attrName>r</p:attrName>
+                                        </p:attrNameLst>
+                                      </p:cBhvr>
+                                    </p:animRot>
+                                  </p:childTnLst>
+                                </p:cTn>
+                              </p:par>
+                              <p:par>
+                                <p:cTn id="27" presetID="34" presetClass="emph" presetSubtype="0" repeatCount="indefinite" fill="hold" grpId="0" nodeType="withEffect">
+                                  <p:stCondLst>
+                                    <p:cond delay="500"/>
+                                  </p:stCondLst>
+                                  <p:iterate type="lt">
+                                    <p:tmPct val="10000"/>
+                                  </p:iterate>
+                                  <p:childTnLst>
+                                    <p:animMotion origin="layout" path="M 0.0 0.0 L 0.0 -0.07213" pathEditMode="relative" ptsTypes="">
+                                      <p:cBhvr>
+                                        <p:cTn id="28" dur="625" accel="50000" decel="50000" autoRev="1" fill="hold">
+                                          <p:stCondLst>
+                                            <p:cond delay="0"/>
+                                          </p:stCondLst>
+                                        </p:cTn>
+                                        <p:tgtEl>
+                                          <p:spTgt spid="18"/>
+                                        </p:tgtEl>
+                                        <p:attrNameLst>
+                                          <p:attrName>ppt_x</p:attrName>
+                                          <p:attrName>ppt_y</p:attrName>
+                                        </p:attrNameLst>
+                                      </p:cBhvr>
+                                    </p:animMotion>
+                                    <p:animRot by="1500000">
+                                      <p:cBhvr>
+                                        <p:cTn id="29" dur="313" fill="hold">
+                                          <p:stCondLst>
+                                            <p:cond delay="0"/>
+                                          </p:stCondLst>
+                                        </p:cTn>
+                                        <p:tgtEl>
+                                          <p:spTgt spid="18"/>
+                                        </p:tgtEl>
+                                        <p:attrNameLst>
+                                          <p:attrName>r</p:attrName>
+                                        </p:attrNameLst>
+                                      </p:cBhvr>
+                                    </p:animRot>
+                                    <p:animRot by="-1500000">
+                                      <p:cBhvr>
+                                        <p:cTn id="30" dur="313" fill="hold">
+                                          <p:stCondLst>
+                                            <p:cond delay="313"/>
+                                          </p:stCondLst>
+                                        </p:cTn>
+                                        <p:tgtEl>
+                                          <p:spTgt spid="18"/>
+                                        </p:tgtEl>
+                                        <p:attrNameLst>
+                                          <p:attrName>r</p:attrName>
+                                        </p:attrNameLst>
+                                      </p:cBhvr>
+                                    </p:animRot>
+                                    <p:animRot by="-1500000">
+                                      <p:cBhvr>
+                                        <p:cTn id="31" dur="313" fill="hold">
+                                          <p:stCondLst>
+                                            <p:cond delay="625"/>
+                                          </p:stCondLst>
+                                        </p:cTn>
+                                        <p:tgtEl>
+                                          <p:spTgt spid="18"/>
+                                        </p:tgtEl>
+                                        <p:attrNameLst>
+                                          <p:attrName>r</p:attrName>
+                                        </p:attrNameLst>
+                                      </p:cBhvr>
+                                    </p:animRot>
+                                    <p:animRot by="1500000">
+                                      <p:cBhvr>
+                                        <p:cTn id="32" dur="313" fill="hold">
+                                          <p:stCondLst>
+                                            <p:cond delay="938"/>
+                                          </p:stCondLst>
+                                        </p:cTn>
+                                        <p:tgtEl>
+                                          <p:spTgt spid="18"/>
+                                        </p:tgtEl>
+                                        <p:attrNameLst>
+                                          <p:attrName>r</p:attrName>
+                                        </p:attrNameLst>
+                                      </p:cBhvr>
+                                    </p:animRot>
+                                  </p:childTnLst>
+                                </p:cTn>
+                              </p:par>
+                              <p:par>
+                                <p:cTn id="33" presetID="34" presetClass="emph" presetSubtype="0" repeatCount="indefinite" fill="hold" grpId="0" nodeType="withEffect">
+                                  <p:stCondLst>
+                                    <p:cond delay="750"/>
+                                  </p:stCondLst>
+                                  <p:iterate type="lt">
+                                    <p:tmPct val="10000"/>
+                                  </p:iterate>
+                                  <p:childTnLst>
+                                    <p:animMotion origin="layout" path="M 0.0 0.0 L 0.0 -0.07213" pathEditMode="relative" ptsTypes="">
+                                      <p:cBhvr>
+                                        <p:cTn id="34" dur="625" accel="50000" decel="50000" autoRev="1" fill="hold">
+                                          <p:stCondLst>
+                                            <p:cond delay="0"/>
+                                          </p:stCondLst>
+                                        </p:cTn>
+                                        <p:tgtEl>
+                                          <p:spTgt spid="12"/>
+                                        </p:tgtEl>
+                                        <p:attrNameLst>
+                                          <p:attrName>ppt_x</p:attrName>
+                                          <p:attrName>ppt_y</p:attrName>
+                                        </p:attrNameLst>
+                                      </p:cBhvr>
+                                    </p:animMotion>
+                                    <p:animRot by="1500000">
+                                      <p:cBhvr>
+                                        <p:cTn id="35" dur="313" fill="hold">
+                                          <p:stCondLst>
+                                            <p:cond delay="0"/>
+                                          </p:stCondLst>
+                                        </p:cTn>
+                                        <p:tgtEl>
+                                          <p:spTgt spid="12"/>
+                                        </p:tgtEl>
+                                        <p:attrNameLst>
+                                          <p:attrName>r</p:attrName>
+                                        </p:attrNameLst>
+                                      </p:cBhvr>
+                                    </p:animRot>
+                                    <p:animRot by="-1500000">
+                                      <p:cBhvr>
+                                        <p:cTn id="36" dur="313" fill="hold">
+                                          <p:stCondLst>
+                                            <p:cond delay="313"/>
+                                          </p:stCondLst>
+                                        </p:cTn>
+                                        <p:tgtEl>
+                                          <p:spTgt spid="12"/>
+                                        </p:tgtEl>
+                                        <p:attrNameLst>
+                                          <p:attrName>r</p:attrName>
+                                        </p:attrNameLst>
+                                      </p:cBhvr>
+                                    </p:animRot>
+                                    <p:animRot by="-1500000">
+                                      <p:cBhvr>
+                                        <p:cTn id="37" dur="313" fill="hold">
+                                          <p:stCondLst>
+                                            <p:cond delay="625"/>
+                                          </p:stCondLst>
+                                        </p:cTn>
+                                        <p:tgtEl>
+                                          <p:spTgt spid="12"/>
+                                        </p:tgtEl>
+                                        <p:attrNameLst>
+                                          <p:attrName>r</p:attrName>
+                                        </p:attrNameLst>
+                                      </p:cBhvr>
+                                    </p:animRot>
+                                    <p:animRot by="1500000">
+                                      <p:cBhvr>
+                                        <p:cTn id="38" dur="313" fill="hold">
+                                          <p:stCondLst>
+                                            <p:cond delay="938"/>
+                                          </p:stCondLst>
+                                        </p:cTn>
+                                        <p:tgtEl>
+                                          <p:spTgt spid="12"/>
+                                        </p:tgtEl>
+                                        <p:attrNameLst>
+                                          <p:attrName>r</p:attrName>
+                                        </p:attrNameLst>
+                                      </p:cBhvr>
+                                    </p:animRot>
+                                  </p:childTnLst>
+                                </p:cTn>
+                              </p:par>
+                              <p:par>
+                                <p:cTn id="39" presetID="34" presetClass="emph" presetSubtype="0" repeatCount="indefinite" fill="hold" grpId="0" nodeType="withEffect">
+                                  <p:stCondLst>
+                                    <p:cond delay="1000"/>
+                                  </p:stCondLst>
+                                  <p:iterate type="lt">
+                                    <p:tmPct val="10000"/>
+                                  </p:iterate>
+                                  <p:childTnLst>
+                                    <p:animMotion origin="layout" path="M 0.0 0.0 L 0.0 -0.07213" pathEditMode="relative" ptsTypes="">
+                                      <p:cBhvr>
+                                        <p:cTn id="40" dur="625" accel="50000" decel="50000" autoRev="1" fill="hold">
+                                          <p:stCondLst>
+                                            <p:cond delay="0"/>
+                                          </p:stCondLst>
+                                        </p:cTn>
+                                        <p:tgtEl>
+                                          <p:spTgt spid="17"/>
+                                        </p:tgtEl>
+                                        <p:attrNameLst>
+                                          <p:attrName>ppt_x</p:attrName>
+                                          <p:attrName>ppt_y</p:attrName>
+                                        </p:attrNameLst>
+                                      </p:cBhvr>
+                                    </p:animMotion>
+                                    <p:animRot by="1500000">
+                                      <p:cBhvr>
+                                        <p:cTn id="41" dur="313" fill="hold">
+                                          <p:stCondLst>
+                                            <p:cond delay="0"/>
+                                          </p:stCondLst>
+                                        </p:cTn>
+                                        <p:tgtEl>
+                                          <p:spTgt spid="17"/>
+                                        </p:tgtEl>
+                                        <p:attrNameLst>
+                                          <p:attrName>r</p:attrName>
+                                        </p:attrNameLst>
+                                      </p:cBhvr>
+                                    </p:animRot>
+                                    <p:animRot by="-1500000">
+                                      <p:cBhvr>
+                                        <p:cTn id="42" dur="313" fill="hold">
+                                          <p:stCondLst>
+                                            <p:cond delay="313"/>
+                                          </p:stCondLst>
+                                        </p:cTn>
+                                        <p:tgtEl>
+                                          <p:spTgt spid="17"/>
+                                        </p:tgtEl>
+                                        <p:attrNameLst>
+                                          <p:attrName>r</p:attrName>
+                                        </p:attrNameLst>
+                                      </p:cBhvr>
+                                    </p:animRot>
+                                    <p:animRot by="-1500000">
+                                      <p:cBhvr>
+                                        <p:cTn id="43" dur="313" fill="hold">
+                                          <p:stCondLst>
+                                            <p:cond delay="625"/>
+                                          </p:stCondLst>
+                                        </p:cTn>
+                                        <p:tgtEl>
+                                          <p:spTgt spid="17"/>
+                                        </p:tgtEl>
+                                        <p:attrNameLst>
+                                          <p:attrName>r</p:attrName>
+                                        </p:attrNameLst>
+                                      </p:cBhvr>
+                                    </p:animRot>
+                                    <p:animRot by="1500000">
+                                      <p:cBhvr>
+                                        <p:cTn id="44" dur="313" fill="hold">
+                                          <p:stCondLst>
+                                            <p:cond delay="938"/>
+                                          </p:stCondLst>
+                                        </p:cTn>
+                                        <p:tgtEl>
+                                          <p:spTgt spid="17"/>
+                                        </p:tgtEl>
+                                        <p:attrNameLst>
+                                          <p:attrName>r</p:attrName>
+                                        </p:attrNameLst>
+                                      </p:cBhvr>
+                                    </p:animRot>
+                                  </p:childTnLst>
+                                </p:cTn>
+                              </p:par>
+                              <p:par>
+                                <p:cTn id="45" presetID="34" presetClass="emph" presetSubtype="0" repeatCount="indefinite" fill="hold" grpId="0" nodeType="withEffect">
+                                  <p:stCondLst>
+                                    <p:cond delay="1250"/>
+                                  </p:stCondLst>
+                                  <p:iterate type="lt">
+                                    <p:tmPct val="10000"/>
+                                  </p:iterate>
+                                  <p:childTnLst>
+                                    <p:animMotion origin="layout" path="M 0.0 0.0 L 0.0 -0.07213" pathEditMode="relative" ptsTypes="">
+                                      <p:cBhvr>
+                                        <p:cTn id="46" dur="625" accel="50000" decel="50000" autoRev="1" fill="hold">
+                                          <p:stCondLst>
+                                            <p:cond delay="0"/>
+                                          </p:stCondLst>
+                                        </p:cTn>
+                                        <p:tgtEl>
+                                          <p:spTgt spid="11"/>
+                                        </p:tgtEl>
+                                        <p:attrNameLst>
+                                          <p:attrName>ppt_x</p:attrName>
+                                          <p:attrName>ppt_y</p:attrName>
+                                        </p:attrNameLst>
+                                      </p:cBhvr>
+                                    </p:animMotion>
+                                    <p:animRot by="1500000">
+                                      <p:cBhvr>
+                                        <p:cTn id="47" dur="313" fill="hold">
+                                          <p:stCondLst>
+                                            <p:cond delay="0"/>
+                                          </p:stCondLst>
+                                        </p:cTn>
+                                        <p:tgtEl>
+                                          <p:spTgt spid="11"/>
+                                        </p:tgtEl>
+                                        <p:attrNameLst>
+                                          <p:attrName>r</p:attrName>
+                                        </p:attrNameLst>
+                                      </p:cBhvr>
+                                    </p:animRot>
+                                    <p:animRot by="-1500000">
+                                      <p:cBhvr>
+                                        <p:cTn id="48" dur="313" fill="hold">
+                                          <p:stCondLst>
+                                            <p:cond delay="313"/>
+                                          </p:stCondLst>
+                                        </p:cTn>
+                                        <p:tgtEl>
+                                          <p:spTgt spid="11"/>
+                                        </p:tgtEl>
+                                        <p:attrNameLst>
+                                          <p:attrName>r</p:attrName>
+                                        </p:attrNameLst>
+                                      </p:cBhvr>
+                                    </p:animRot>
+                                    <p:animRot by="-1500000">
+                                      <p:cBhvr>
+                                        <p:cTn id="49" dur="313" fill="hold">
+                                          <p:stCondLst>
+                                            <p:cond delay="625"/>
+                                          </p:stCondLst>
+                                        </p:cTn>
+                                        <p:tgtEl>
+                                          <p:spTgt spid="11"/>
+                                        </p:tgtEl>
+                                        <p:attrNameLst>
+                                          <p:attrName>r</p:attrName>
+                                        </p:attrNameLst>
+                                      </p:cBhvr>
+                                    </p:animRot>
+                                    <p:animRot by="1500000">
+                                      <p:cBhvr>
+                                        <p:cTn id="50" dur="313" fill="hold">
+                                          <p:stCondLst>
+                                            <p:cond delay="938"/>
+                                          </p:stCondLst>
+                                        </p:cTn>
+                                        <p:tgtEl>
+                                          <p:spTgt spid="11"/>
+                                        </p:tgtEl>
+                                        <p:attrNameLst>
+                                          <p:attrName>r</p:attrName>
+                                        </p:attrNameLst>
+                                      </p:cBhvr>
+                                    </p:animRot>
+                                  </p:childTnLst>
+                                </p:cTn>
+                              </p:par>
+                              <p:par>
+                                <p:cTn id="51" presetID="34" presetClass="emph" presetSubtype="0" repeatCount="indefinite" fill="hold" grpId="0" nodeType="withEffect">
+                                  <p:stCondLst>
+                                    <p:cond delay="1500"/>
+                                  </p:stCondLst>
+                                  <p:iterate type="lt">
+                                    <p:tmPct val="10000"/>
+                                  </p:iterate>
+                                  <p:childTnLst>
+                                    <p:animMotion origin="layout" path="M 0.0 0.0 L 0.0 -0.07213" pathEditMode="relative" ptsTypes="">
+                                      <p:cBhvr>
+                                        <p:cTn id="52" dur="625" accel="50000" decel="50000" autoRev="1" fill="hold">
+                                          <p:stCondLst>
+                                            <p:cond delay="0"/>
+                                          </p:stCondLst>
+                                        </p:cTn>
+                                        <p:tgtEl>
+                                          <p:spTgt spid="14"/>
+                                        </p:tgtEl>
+                                        <p:attrNameLst>
+                                          <p:attrName>ppt_x</p:attrName>
+                                          <p:attrName>ppt_y</p:attrName>
+                                        </p:attrNameLst>
+                                      </p:cBhvr>
+                                    </p:animMotion>
+                                    <p:animRot by="1500000">
+                                      <p:cBhvr>
+                                        <p:cTn id="53" dur="313" fill="hold">
+                                          <p:stCondLst>
+                                            <p:cond delay="0"/>
+                                          </p:stCondLst>
+                                        </p:cTn>
+                                        <p:tgtEl>
+                                          <p:spTgt spid="14"/>
+                                        </p:tgtEl>
+                                        <p:attrNameLst>
+                                          <p:attrName>r</p:attrName>
+                                        </p:attrNameLst>
+                                      </p:cBhvr>
+                                    </p:animRot>
+                                    <p:animRot by="-1500000">
+                                      <p:cBhvr>
+                                        <p:cTn id="54" dur="313" fill="hold">
+                                          <p:stCondLst>
+                                            <p:cond delay="313"/>
+                                          </p:stCondLst>
+                                        </p:cTn>
+                                        <p:tgtEl>
+                                          <p:spTgt spid="14"/>
+                                        </p:tgtEl>
+                                        <p:attrNameLst>
+                                          <p:attrName>r</p:attrName>
+                                        </p:attrNameLst>
+                                      </p:cBhvr>
+                                    </p:animRot>
+                                    <p:animRot by="-1500000">
+                                      <p:cBhvr>
+                                        <p:cTn id="55" dur="313" fill="hold">
+                                          <p:stCondLst>
+                                            <p:cond delay="625"/>
+                                          </p:stCondLst>
+                                        </p:cTn>
+                                        <p:tgtEl>
+                                          <p:spTgt spid="14"/>
+                                        </p:tgtEl>
+                                        <p:attrNameLst>
+                                          <p:attrName>r</p:attrName>
+                                        </p:attrNameLst>
+                                      </p:cBhvr>
+                                    </p:animRot>
+                                    <p:animRot by="1500000">
+                                      <p:cBhvr>
+                                        <p:cTn id="56" dur="313" fill="hold">
+                                          <p:stCondLst>
+                                            <p:cond delay="938"/>
+                                          </p:stCondLst>
+                                        </p:cTn>
+                                        <p:tgtEl>
+                                          <p:spTgt spid="14"/>
+                                        </p:tgtEl>
+                                        <p:attrNameLst>
+                                          <p:attrName>r</p:attrName>
+                                        </p:attrNameLst>
+                                      </p:cBhvr>
+                                    </p:animRot>
+                                  </p:childTnLst>
+                                </p:cTn>
+                              </p:par>
+                              <p:par>
+                                <p:cTn id="57" presetID="34" presetClass="emph" presetSubtype="0" repeatCount="indefinite" fill="hold" grpId="0" nodeType="withEffect">
+                                  <p:stCondLst>
+                                    <p:cond delay="1750"/>
+                                  </p:stCondLst>
+                                  <p:iterate type="lt">
+                                    <p:tmPct val="10000"/>
+                                  </p:iterate>
+                                  <p:childTnLst>
+                                    <p:animMotion origin="layout" path="M 0.0 0.0 L 0.0 -0.07213" pathEditMode="relative" ptsTypes="">
+                                      <p:cBhvr>
+                                        <p:cTn id="58" dur="625" accel="50000" decel="50000" autoRev="1" fill="hold">
+                                          <p:stCondLst>
+                                            <p:cond delay="0"/>
+                                          </p:stCondLst>
+                                        </p:cTn>
+                                        <p:tgtEl>
+                                          <p:spTgt spid="13"/>
+                                        </p:tgtEl>
+                                        <p:attrNameLst>
+                                          <p:attrName>ppt_x</p:attrName>
+                                          <p:attrName>ppt_y</p:attrName>
+                                        </p:attrNameLst>
+                                      </p:cBhvr>
+                                    </p:animMotion>
+                                    <p:animRot by="1500000">
+                                      <p:cBhvr>
+                                        <p:cTn id="59" dur="313" fill="hold">
+                                          <p:stCondLst>
+                                            <p:cond delay="0"/>
+                                          </p:stCondLst>
+                                        </p:cTn>
+                                        <p:tgtEl>
+                                          <p:spTgt spid="13"/>
+                                        </p:tgtEl>
+                                        <p:attrNameLst>
+                                          <p:attrName>r</p:attrName>
+                                        </p:attrNameLst>
+                                      </p:cBhvr>
+                                    </p:animRot>
+                                    <p:animRot by="-1500000">
+                                      <p:cBhvr>
+                                        <p:cTn id="60" dur="313" fill="hold">
+                                          <p:stCondLst>
+                                            <p:cond delay="313"/>
+                                          </p:stCondLst>
+                                        </p:cTn>
+                                        <p:tgtEl>
+                                          <p:spTgt spid="13"/>
+                                        </p:tgtEl>
+                                        <p:attrNameLst>
+                                          <p:attrName>r</p:attrName>
+                                        </p:attrNameLst>
+                                      </p:cBhvr>
+                                    </p:animRot>
+                                    <p:animRot by="-1500000">
+                                      <p:cBhvr>
+                                        <p:cTn id="61" dur="313" fill="hold">
+                                          <p:stCondLst>
+                                            <p:cond delay="625"/>
+                                          </p:stCondLst>
+                                        </p:cTn>
+                                        <p:tgtEl>
+                                          <p:spTgt spid="13"/>
+                                        </p:tgtEl>
+                                        <p:attrNameLst>
+                                          <p:attrName>r</p:attrName>
+                                        </p:attrNameLst>
+                                      </p:cBhvr>
+                                    </p:animRot>
+                                    <p:animRot by="1500000">
+                                      <p:cBhvr>
+                                        <p:cTn id="62" dur="313" fill="hold">
+                                          <p:stCondLst>
+                                            <p:cond delay="938"/>
+                                          </p:stCondLst>
+                                        </p:cTn>
+                                        <p:tgtEl>
+                                          <p:spTgt spid="13"/>
+                                        </p:tgtEl>
+                                        <p:attrNameLst>
+                                          <p:attrName>r</p:attrName>
+                                        </p:attrNameLst>
+                                      </p:cBhvr>
+                                    </p:animRot>
+                                  </p:childTnLst>
+                                </p:cTn>
+                              </p:par>
+                              <p:par>
+                                <p:cTn id="63" presetID="34" presetClass="emph" presetSubtype="0" repeatCount="indefinite" fill="hold" grpId="0" nodeType="withEffect">
+                                  <p:stCondLst>
+                                    <p:cond delay="2000"/>
+                                  </p:stCondLst>
+                                  <p:iterate type="lt">
+                                    <p:tmPct val="10000"/>
+                                  </p:iterate>
+                                  <p:childTnLst>
+                                    <p:animMotion origin="layout" path="M 0.0 0.0 L 0.0 -0.07213" pathEditMode="relative" ptsTypes="">
+                                      <p:cBhvr>
+                                        <p:cTn id="64" dur="625" accel="50000" decel="50000" autoRev="1" fill="hold">
+                                          <p:stCondLst>
+                                            <p:cond delay="0"/>
+                                          </p:stCondLst>
+                                        </p:cTn>
+                                        <p:tgtEl>
+                                          <p:spTgt spid="19"/>
+                                        </p:tgtEl>
+                                        <p:attrNameLst>
+                                          <p:attrName>ppt_x</p:attrName>
+                                          <p:attrName>ppt_y</p:attrName>
+                                        </p:attrNameLst>
+                                      </p:cBhvr>
+                                    </p:animMotion>
+                                    <p:animRot by="1500000">
+                                      <p:cBhvr>
+                                        <p:cTn id="65" dur="313" fill="hold">
+                                          <p:stCondLst>
+                                            <p:cond delay="0"/>
+                                          </p:stCondLst>
+                                        </p:cTn>
+                                        <p:tgtEl>
+                                          <p:spTgt spid="19"/>
+                                        </p:tgtEl>
+                                        <p:attrNameLst>
+                                          <p:attrName>r</p:attrName>
+                                        </p:attrNameLst>
+                                      </p:cBhvr>
+                                    </p:animRot>
+                                    <p:animRot by="-1500000">
+                                      <p:cBhvr>
+                                        <p:cTn id="66" dur="313" fill="hold">
+                                          <p:stCondLst>
+                                            <p:cond delay="313"/>
+                                          </p:stCondLst>
+                                        </p:cTn>
+                                        <p:tgtEl>
+                                          <p:spTgt spid="19"/>
+                                        </p:tgtEl>
+                                        <p:attrNameLst>
+                                          <p:attrName>r</p:attrName>
+                                        </p:attrNameLst>
+                                      </p:cBhvr>
+                                    </p:animRot>
+                                    <p:animRot by="-1500000">
+                                      <p:cBhvr>
+                                        <p:cTn id="67" dur="313" fill="hold">
+                                          <p:stCondLst>
+                                            <p:cond delay="625"/>
+                                          </p:stCondLst>
+                                        </p:cTn>
+                                        <p:tgtEl>
+                                          <p:spTgt spid="19"/>
+                                        </p:tgtEl>
+                                        <p:attrNameLst>
+                                          <p:attrName>r</p:attrName>
+                                        </p:attrNameLst>
+                                      </p:cBhvr>
+                                    </p:animRot>
+                                    <p:animRot by="1500000">
+                                      <p:cBhvr>
+                                        <p:cTn id="68" dur="313" fill="hold">
+                                          <p:stCondLst>
+                                            <p:cond delay="938"/>
+                                          </p:stCondLst>
+                                        </p:cTn>
+                                        <p:tgtEl>
+                                          <p:spTgt spid="19"/>
+                                        </p:tgtEl>
+                                        <p:attrNameLst>
+                                          <p:attrName>r</p:attrName>
+                                        </p:attrNameLst>
+                                      </p:cBhvr>
+                                    </p:animRot>
+                                  </p:childTnLst>
+                                </p:cTn>
+                              </p:par>
+                            </p:childTnLst>
+                          </p:cTn>
+                        </p:par>
+                      </p:childTnLst>
+                    </p:cTn>
+                  </p:par>
+                </p:childTnLst>
+              </p:cTn>
+              <p:prevCondLst>
+                <p:cond evt="onPrev" delay="0">
+                  <p:tgtEl>
+                    <p:sldTgt/>
+                  </p:tgtEl>
+                </p:cond>
+              </p:prevCondLst>
+              <p:nextCondLst>
+                <p:cond evt="onNext" delay="0">
+                  <p:tgtEl>
+                    <p:sldTgt/>
+                  </p:tgtEl>
+                </p:cond>
+              </p:nextCondLst>
+            </p:seq>
+          </p:childTnLst>
+        </p:cTn>
+      </p:par>
+    </p:tnLst>
+    <p:bldLst>
+      <p:bldP spid="2" grpId="0"/>
+      <p:bldP spid="11" grpId="0"/>
+      <p:bldP spid="12" grpId="0"/>
+      <p:bldP spid="13" grpId="0"/>
+      <p:bldP spid="14" grpId="0"/>
+      <p:bldP spid="15" grpId="0"/>
+      <p:bldP spid="16" grpId="0"/>
+      <p:bldP spid="17" grpId="0"/>
+      <p:bldP spid="18" grpId="0"/>
+      <p:bldP spid="19" grpId="0"/>
+    </p:bldLst>
+  </p:timing>
+</p:sld>
+</file>
+
 <file path=ppt/slides/slide2.xml><?xml version="1.0" encoding="utf-8"?>
 <p:sld xmlns:a="http://schemas.openxmlformats.org/drawingml/2006/main" xmlns:r="http://schemas.openxmlformats.org/officeDocument/2006/relationships" xmlns:p="http://schemas.openxmlformats.org/presentationml/2006/main">
   <p:cSld>
@@ -3956,7 +6140,7 @@
                 <a:latin typeface="源暎ラテゴ" pitchFamily="34" charset="-128"/>
                 <a:ea typeface="源暎ラテゴ" pitchFamily="34" charset="-128"/>
               </a:rPr>
-              <a:t>雑用</a:t>
+              <a:t>雑用係</a:t>
             </a:r>
             <a:endParaRPr lang="en-US" altLang="ja-JP" dirty="0">
               <a:latin typeface="源暎ラテゴ" pitchFamily="34" charset="-128"/>
@@ -4654,11 +6838,21 @@
     <mc:Choice xmlns:p14="http://schemas.microsoft.com/office/powerpoint/2010/main" Requires="p14">
       <p:transition spd="slow" p14:dur="1300">
         <p14:pan/>
+        <p:sndAc>
+          <p:stSnd>
+            <p:snd r:embed="rId2" name="cashreg.wav"/>
+          </p:stSnd>
+        </p:sndAc>
       </p:transition>
     </mc:Choice>
     <mc:Fallback>
       <p:transition spd="slow">
         <p:fade/>
+        <p:sndAc>
+          <p:stSnd>
+            <p:snd r:embed="rId2" name="cashreg.wav"/>
+          </p:stSnd>
+        </p:sndAc>
       </p:transition>
     </mc:Fallback>
   </mc:AlternateContent>
@@ -4698,7 +6892,7 @@
           <p:nvPr/>
         </p:nvPicPr>
         <p:blipFill rotWithShape="1">
-          <a:blip r:embed="rId2">
+          <a:blip r:embed="rId3">
             <a:extLst>
               <a:ext uri="{28A0092B-C50C-407E-A947-70E740481C1C}">
                 <a14:useLocalDpi xmlns:a14="http://schemas.microsoft.com/office/drawing/2010/main" val="0"/>
@@ -4737,7 +6931,7 @@
           <p:nvPr/>
         </p:nvPicPr>
         <p:blipFill rotWithShape="1">
-          <a:blip r:embed="rId2">
+          <a:blip r:embed="rId3">
             <a:extLst>
               <a:ext uri="{28A0092B-C50C-407E-A947-70E740481C1C}">
                 <a14:useLocalDpi xmlns:a14="http://schemas.microsoft.com/office/drawing/2010/main" val="0"/>
@@ -4905,7 +7099,7 @@
             <p:nvPr/>
           </p:nvPicPr>
           <p:blipFill rotWithShape="1">
-            <a:blip r:embed="rId3">
+            <a:blip r:embed="rId4">
               <a:extLst>
                 <a:ext uri="{28A0092B-C50C-407E-A947-70E740481C1C}">
                   <a14:useLocalDpi xmlns:a14="http://schemas.microsoft.com/office/drawing/2010/main" val="0"/>
@@ -5010,7 +7204,7 @@
           <p:nvPr/>
         </p:nvPicPr>
         <p:blipFill rotWithShape="1">
-          <a:blip r:embed="rId4">
+          <a:blip r:embed="rId5">
             <a:extLst>
               <a:ext uri="{28A0092B-C50C-407E-A947-70E740481C1C}">
                 <a14:useLocalDpi xmlns:a14="http://schemas.microsoft.com/office/drawing/2010/main" val="0"/>
@@ -5177,11 +7371,21 @@
     <mc:Choice xmlns:p14="http://schemas.microsoft.com/office/powerpoint/2010/main" Requires="p14">
       <p:transition spd="slow" p14:dur="1300">
         <p14:pan/>
+        <p:sndAc>
+          <p:stSnd>
+            <p:snd r:embed="rId2" name="cashreg.wav"/>
+          </p:stSnd>
+        </p:sndAc>
       </p:transition>
     </mc:Choice>
     <mc:Fallback>
       <p:transition spd="slow">
         <p:fade/>
+        <p:sndAc>
+          <p:stSnd>
+            <p:snd r:embed="rId2" name="cashreg.wav"/>
+          </p:stSnd>
+        </p:sndAc>
       </p:transition>
     </mc:Fallback>
   </mc:AlternateContent>
@@ -5563,7 +7767,7 @@
           <p:nvPr/>
         </p:nvPicPr>
         <p:blipFill>
-          <a:blip r:embed="rId2">
+          <a:blip r:embed="rId3">
             <a:extLst>
               <a:ext uri="{28A0092B-C50C-407E-A947-70E740481C1C}">
                 <a14:useLocalDpi xmlns:a14="http://schemas.microsoft.com/office/drawing/2010/main" val="0"/>
@@ -5607,10 +7811,22 @@
   </p:clrMapOvr>
   <mc:AlternateContent xmlns:mc="http://schemas.openxmlformats.org/markup-compatibility/2006">
     <mc:Choice xmlns:p14="http://schemas.microsoft.com/office/powerpoint/2010/main" Requires="p14">
-      <p:transition p14:dur="0"/>
+      <p:transition p14:dur="0">
+        <p:sndAc>
+          <p:stSnd>
+            <p:snd r:embed="rId2" name="hammer.wav"/>
+          </p:stSnd>
+        </p:sndAc>
+      </p:transition>
     </mc:Choice>
     <mc:Fallback>
-      <p:transition/>
+      <p:transition>
+        <p:sndAc>
+          <p:stSnd>
+            <p:snd r:embed="rId2" name="hammer.wav"/>
+          </p:stSnd>
+        </p:sndAc>
+      </p:transition>
     </mc:Fallback>
   </mc:AlternateContent>
   <p:timing>
@@ -5649,7 +7865,7 @@
           <p:nvPr/>
         </p:nvPicPr>
         <p:blipFill>
-          <a:blip r:embed="rId2">
+          <a:blip r:embed="rId3">
             <a:extLst>
               <a:ext uri="{28A0092B-C50C-407E-A947-70E740481C1C}">
                 <a14:useLocalDpi xmlns:a14="http://schemas.microsoft.com/office/drawing/2010/main" val="0"/>
@@ -5690,7 +7906,7 @@
           <p:nvPr/>
         </p:nvPicPr>
         <p:blipFill rotWithShape="1">
-          <a:blip r:embed="rId3">
+          <a:blip r:embed="rId4">
             <a:extLst>
               <a:ext uri="{28A0092B-C50C-407E-A947-70E740481C1C}">
                 <a14:useLocalDpi xmlns:a14="http://schemas.microsoft.com/office/drawing/2010/main" val="0"/>
@@ -5732,10 +7948,22 @@
   </p:clrMapOvr>
   <mc:AlternateContent xmlns:mc="http://schemas.openxmlformats.org/markup-compatibility/2006">
     <mc:Choice xmlns:p14="http://schemas.microsoft.com/office/powerpoint/2010/main" Requires="p14">
-      <p:transition p14:dur="0"/>
+      <p:transition p14:dur="0">
+        <p:sndAc>
+          <p:stSnd>
+            <p:snd r:embed="rId2" name="hammer.wav"/>
+          </p:stSnd>
+        </p:sndAc>
+      </p:transition>
     </mc:Choice>
     <mc:Fallback>
-      <p:transition/>
+      <p:transition>
+        <p:sndAc>
+          <p:stSnd>
+            <p:snd r:embed="rId2" name="hammer.wav"/>
+          </p:stSnd>
+        </p:sndAc>
+      </p:transition>
     </mc:Fallback>
   </mc:AlternateContent>
   <p:timing>
@@ -5774,7 +8002,7 @@
           <p:nvPr/>
         </p:nvPicPr>
         <p:blipFill>
-          <a:blip r:embed="rId2">
+          <a:blip r:embed="rId3">
             <a:extLst>
               <a:ext uri="{28A0092B-C50C-407E-A947-70E740481C1C}">
                 <a14:useLocalDpi xmlns:a14="http://schemas.microsoft.com/office/drawing/2010/main" val="0"/>
@@ -5815,7 +8043,7 @@
           <p:nvPr/>
         </p:nvPicPr>
         <p:blipFill rotWithShape="1">
-          <a:blip r:embed="rId3">
+          <a:blip r:embed="rId4">
             <a:extLst>
               <a:ext uri="{28A0092B-C50C-407E-A947-70E740481C1C}">
                 <a14:useLocalDpi xmlns:a14="http://schemas.microsoft.com/office/drawing/2010/main" val="0"/>
@@ -5857,10 +8085,502 @@
   </p:clrMapOvr>
   <mc:AlternateContent xmlns:mc="http://schemas.openxmlformats.org/markup-compatibility/2006">
     <mc:Choice xmlns:p14="http://schemas.microsoft.com/office/powerpoint/2010/main" Requires="p14">
-      <p:transition p14:dur="0"/>
+      <p:transition p14:dur="0">
+        <p:sndAc>
+          <p:stSnd>
+            <p:snd r:embed="rId2" name="hammer.wav"/>
+          </p:stSnd>
+        </p:sndAc>
+      </p:transition>
     </mc:Choice>
     <mc:Fallback>
-      <p:transition/>
+      <p:transition>
+        <p:sndAc>
+          <p:stSnd>
+            <p:snd r:embed="rId2" name="hammer.wav"/>
+          </p:stSnd>
+        </p:sndAc>
+      </p:transition>
+    </mc:Fallback>
+  </mc:AlternateContent>
+  <p:timing>
+    <p:tnLst>
+      <p:par>
+        <p:cTn id="1" dur="indefinite" restart="never" nodeType="tmRoot"/>
+      </p:par>
+    </p:tnLst>
+  </p:timing>
+</p:sld>
+</file>
+
+<file path=ppt/slides/slide7.xml><?xml version="1.0" encoding="utf-8"?>
+<p:sld xmlns:a="http://schemas.openxmlformats.org/drawingml/2006/main" xmlns:r="http://schemas.openxmlformats.org/officeDocument/2006/relationships" xmlns:p="http://schemas.openxmlformats.org/presentationml/2006/main">
+  <p:cSld>
+    <p:spTree>
+      <p:nvGrpSpPr>
+        <p:cNvPr id="1" name=""/>
+        <p:cNvGrpSpPr/>
+        <p:nvPr/>
+      </p:nvGrpSpPr>
+      <p:grpSpPr>
+        <a:xfrm>
+          <a:off x="0" y="0"/>
+          <a:ext cx="0" cy="0"/>
+          <a:chOff x="0" y="0"/>
+          <a:chExt cx="0" cy="0"/>
+        </a:xfrm>
+      </p:grpSpPr>
+      <p:sp>
+        <p:nvSpPr>
+          <p:cNvPr id="2" name="タイトル 1"/>
+          <p:cNvSpPr>
+            <a:spLocks noGrp="1"/>
+          </p:cNvSpPr>
+          <p:nvPr>
+            <p:ph type="title"/>
+          </p:nvPr>
+        </p:nvSpPr>
+        <p:spPr>
+          <a:xfrm>
+            <a:off x="457200" y="274638"/>
+            <a:ext cx="8229600" cy="706090"/>
+          </a:xfrm>
+        </p:spPr>
+        <p:txBody>
+          <a:bodyPr>
+            <a:normAutofit fontScale="90000"/>
+          </a:bodyPr>
+          <a:lstStyle/>
+          <a:p>
+            <a:r>
+              <a:rPr kumimoji="1" lang="ja-JP" altLang="en-US" dirty="0" smtClean="0"/>
+              <a:t>進捗状況</a:t>
+            </a:r>
+            <a:endParaRPr kumimoji="1" lang="ja-JP" altLang="en-US" dirty="0"/>
+          </a:p>
+        </p:txBody>
+      </p:sp>
+      <p:sp>
+        <p:nvSpPr>
+          <p:cNvPr id="7" name="正方形/長方形 6"/>
+          <p:cNvSpPr/>
+          <p:nvPr/>
+        </p:nvSpPr>
+        <p:spPr>
+          <a:xfrm>
+            <a:off x="395536" y="548680"/>
+            <a:ext cx="1569660" cy="369332"/>
+          </a:xfrm>
+          <a:prstGeom prst="rect">
+            <a:avLst/>
+          </a:prstGeom>
+        </p:spPr>
+        <p:txBody>
+          <a:bodyPr wrap="none">
+            <a:spAutoFit/>
+          </a:bodyPr>
+          <a:lstStyle/>
+          <a:p>
+            <a:r>
+              <a:rPr lang="ja-JP" altLang="en-US" dirty="0" smtClean="0">
+                <a:solidFill>
+                  <a:schemeClr val="accent1"/>
+                </a:solidFill>
+                <a:latin typeface="小塚ゴシック Pr6N B" pitchFamily="34" charset="-128"/>
+                <a:ea typeface="小塚ゴシック Pr6N B" pitchFamily="34" charset="-128"/>
+              </a:rPr>
+              <a:t>♠</a:t>
+            </a:r>
+            <a:r>
+              <a:rPr lang="ja-JP" altLang="en-US" dirty="0" smtClean="0">
+                <a:solidFill>
+                  <a:schemeClr val="accent1"/>
+                </a:solidFill>
+                <a:latin typeface="マキナス Scrap 5" pitchFamily="50" charset="-128"/>
+                <a:ea typeface="マキナス Scrap 5" pitchFamily="50" charset="-128"/>
+              </a:rPr>
+              <a:t>プログラム</a:t>
+            </a:r>
+            <a:endParaRPr lang="en-US" altLang="ja-JP" sz="1400" dirty="0">
+              <a:solidFill>
+                <a:schemeClr val="accent1"/>
+              </a:solidFill>
+              <a:latin typeface="源暎ラテゴ" pitchFamily="34" charset="-128"/>
+              <a:ea typeface="源暎ラテゴ" pitchFamily="34" charset="-128"/>
+            </a:endParaRPr>
+          </a:p>
+        </p:txBody>
+      </p:sp>
+      <p:sp>
+        <p:nvSpPr>
+          <p:cNvPr id="8" name="テキスト ボックス 7"/>
+          <p:cNvSpPr txBox="1"/>
+          <p:nvPr/>
+        </p:nvSpPr>
+        <p:spPr>
+          <a:xfrm>
+            <a:off x="3285430" y="3065610"/>
+            <a:ext cx="2573141" cy="369332"/>
+          </a:xfrm>
+          <a:prstGeom prst="rect">
+            <a:avLst/>
+          </a:prstGeom>
+          <a:noFill/>
+        </p:spPr>
+        <p:txBody>
+          <a:bodyPr wrap="none" rtlCol="0">
+            <a:spAutoFit/>
+          </a:bodyPr>
+          <a:lstStyle/>
+          <a:p>
+            <a:pPr algn="ctr"/>
+            <a:r>
+              <a:rPr kumimoji="1" lang="ja-JP" altLang="en-US" dirty="0" smtClean="0"/>
+              <a:t>ここに実機があれば貼る</a:t>
+            </a:r>
+            <a:endParaRPr kumimoji="1" lang="ja-JP" altLang="en-US" dirty="0"/>
+          </a:p>
+        </p:txBody>
+      </p:sp>
+    </p:spTree>
+    <p:extLst>
+      <p:ext uri="{BB962C8B-B14F-4D97-AF65-F5344CB8AC3E}">
+        <p14:creationId xmlns:p14="http://schemas.microsoft.com/office/powerpoint/2010/main" val="4228527710"/>
+      </p:ext>
+    </p:extLst>
+  </p:cSld>
+  <p:clrMapOvr>
+    <a:masterClrMapping/>
+  </p:clrMapOvr>
+  <mc:AlternateContent xmlns:mc="http://schemas.openxmlformats.org/markup-compatibility/2006">
+    <mc:Choice xmlns:p14="http://schemas.microsoft.com/office/powerpoint/2010/main" Requires="p14">
+      <p:transition spd="slow" p14:dur="1300">
+        <p14:pan/>
+        <p:sndAc>
+          <p:stSnd>
+            <p:snd r:embed="rId3" name="cashreg.wav"/>
+          </p:stSnd>
+        </p:sndAc>
+      </p:transition>
+    </mc:Choice>
+    <mc:Fallback>
+      <p:transition spd="slow">
+        <p:fade/>
+        <p:sndAc>
+          <p:stSnd>
+            <p:snd r:embed="rId3" name="cashreg.wav"/>
+          </p:stSnd>
+        </p:sndAc>
+      </p:transition>
+    </mc:Fallback>
+  </mc:AlternateContent>
+  <p:timing>
+    <p:tnLst>
+      <p:par>
+        <p:cTn id="1" dur="indefinite" restart="never" nodeType="tmRoot"/>
+      </p:par>
+    </p:tnLst>
+  </p:timing>
+</p:sld>
+</file>
+
+<file path=ppt/slides/slide8.xml><?xml version="1.0" encoding="utf-8"?>
+<p:sld xmlns:a="http://schemas.openxmlformats.org/drawingml/2006/main" xmlns:r="http://schemas.openxmlformats.org/officeDocument/2006/relationships" xmlns:p="http://schemas.openxmlformats.org/presentationml/2006/main">
+  <p:cSld>
+    <p:spTree>
+      <p:nvGrpSpPr>
+        <p:cNvPr id="1" name=""/>
+        <p:cNvGrpSpPr/>
+        <p:nvPr/>
+      </p:nvGrpSpPr>
+      <p:grpSpPr>
+        <a:xfrm>
+          <a:off x="0" y="0"/>
+          <a:ext cx="0" cy="0"/>
+          <a:chOff x="0" y="0"/>
+          <a:chExt cx="0" cy="0"/>
+        </a:xfrm>
+      </p:grpSpPr>
+      <p:sp>
+        <p:nvSpPr>
+          <p:cNvPr id="2" name="タイトル 1"/>
+          <p:cNvSpPr>
+            <a:spLocks noGrp="1"/>
+          </p:cNvSpPr>
+          <p:nvPr>
+            <p:ph type="title"/>
+          </p:nvPr>
+        </p:nvSpPr>
+        <p:spPr>
+          <a:xfrm>
+            <a:off x="457200" y="274638"/>
+            <a:ext cx="8229600" cy="706090"/>
+          </a:xfrm>
+        </p:spPr>
+        <p:txBody>
+          <a:bodyPr>
+            <a:normAutofit fontScale="90000"/>
+          </a:bodyPr>
+          <a:lstStyle/>
+          <a:p>
+            <a:r>
+              <a:rPr kumimoji="1" lang="ja-JP" altLang="en-US" dirty="0" smtClean="0"/>
+              <a:t>進捗状況</a:t>
+            </a:r>
+            <a:endParaRPr kumimoji="1" lang="ja-JP" altLang="en-US" dirty="0"/>
+          </a:p>
+        </p:txBody>
+      </p:sp>
+      <p:sp>
+        <p:nvSpPr>
+          <p:cNvPr id="7" name="正方形/長方形 6"/>
+          <p:cNvSpPr/>
+          <p:nvPr/>
+        </p:nvSpPr>
+        <p:spPr>
+          <a:xfrm>
+            <a:off x="395536" y="548680"/>
+            <a:ext cx="1569660" cy="369332"/>
+          </a:xfrm>
+          <a:prstGeom prst="rect">
+            <a:avLst/>
+          </a:prstGeom>
+        </p:spPr>
+        <p:txBody>
+          <a:bodyPr wrap="none">
+            <a:spAutoFit/>
+          </a:bodyPr>
+          <a:lstStyle/>
+          <a:p>
+            <a:r>
+              <a:rPr lang="ja-JP" altLang="en-US" dirty="0" smtClean="0">
+                <a:solidFill>
+                  <a:schemeClr val="accent1"/>
+                </a:solidFill>
+                <a:latin typeface="小塚ゴシック Pr6N B" pitchFamily="34" charset="-128"/>
+                <a:ea typeface="小塚ゴシック Pr6N B" pitchFamily="34" charset="-128"/>
+              </a:rPr>
+              <a:t>♠</a:t>
+            </a:r>
+            <a:r>
+              <a:rPr lang="ja-JP" altLang="en-US" dirty="0" smtClean="0">
+                <a:solidFill>
+                  <a:schemeClr val="accent1"/>
+                </a:solidFill>
+                <a:latin typeface="マキナス Scrap 5" pitchFamily="50" charset="-128"/>
+                <a:ea typeface="マキナス Scrap 5" pitchFamily="50" charset="-128"/>
+              </a:rPr>
+              <a:t>プログラム</a:t>
+            </a:r>
+            <a:endParaRPr lang="en-US" altLang="ja-JP" sz="1400" dirty="0">
+              <a:solidFill>
+                <a:schemeClr val="accent1"/>
+              </a:solidFill>
+              <a:latin typeface="源暎ラテゴ" pitchFamily="34" charset="-128"/>
+              <a:ea typeface="源暎ラテゴ" pitchFamily="34" charset="-128"/>
+            </a:endParaRPr>
+          </a:p>
+        </p:txBody>
+      </p:sp>
+    </p:spTree>
+    <p:extLst>
+      <p:ext uri="{BB962C8B-B14F-4D97-AF65-F5344CB8AC3E}">
+        <p14:creationId xmlns:p14="http://schemas.microsoft.com/office/powerpoint/2010/main" val="2214853804"/>
+      </p:ext>
+    </p:extLst>
+  </p:cSld>
+  <p:clrMapOvr>
+    <a:masterClrMapping/>
+  </p:clrMapOvr>
+  <mc:AlternateContent xmlns:mc="http://schemas.openxmlformats.org/markup-compatibility/2006">
+    <mc:Choice xmlns:p14="http://schemas.microsoft.com/office/powerpoint/2010/main" Requires="p14">
+      <p:transition p14:dur="0">
+        <p:sndAc>
+          <p:stSnd>
+            <p:snd r:embed="rId2" name="hammer.wav"/>
+          </p:stSnd>
+        </p:sndAc>
+      </p:transition>
+    </mc:Choice>
+    <mc:Fallback>
+      <p:transition>
+        <p:sndAc>
+          <p:stSnd>
+            <p:snd r:embed="rId2" name="hammer.wav"/>
+          </p:stSnd>
+        </p:sndAc>
+      </p:transition>
+    </mc:Fallback>
+  </mc:AlternateContent>
+  <p:timing>
+    <p:tnLst>
+      <p:par>
+        <p:cTn id="1" dur="indefinite" restart="never" nodeType="tmRoot"/>
+      </p:par>
+    </p:tnLst>
+  </p:timing>
+</p:sld>
+</file>
+
+<file path=ppt/slides/slide9.xml><?xml version="1.0" encoding="utf-8"?>
+<p:sld xmlns:a="http://schemas.openxmlformats.org/drawingml/2006/main" xmlns:r="http://schemas.openxmlformats.org/officeDocument/2006/relationships" xmlns:p="http://schemas.openxmlformats.org/presentationml/2006/main">
+  <p:cSld>
+    <p:spTree>
+      <p:nvGrpSpPr>
+        <p:cNvPr id="1" name=""/>
+        <p:cNvGrpSpPr/>
+        <p:nvPr/>
+      </p:nvGrpSpPr>
+      <p:grpSpPr>
+        <a:xfrm>
+          <a:off x="0" y="0"/>
+          <a:ext cx="0" cy="0"/>
+          <a:chOff x="0" y="0"/>
+          <a:chExt cx="0" cy="0"/>
+        </a:xfrm>
+      </p:grpSpPr>
+      <p:sp>
+        <p:nvSpPr>
+          <p:cNvPr id="2" name="タイトル 1"/>
+          <p:cNvSpPr>
+            <a:spLocks noGrp="1"/>
+          </p:cNvSpPr>
+          <p:nvPr>
+            <p:ph type="title"/>
+          </p:nvPr>
+        </p:nvSpPr>
+        <p:spPr>
+          <a:xfrm>
+            <a:off x="457200" y="274638"/>
+            <a:ext cx="8229600" cy="706090"/>
+          </a:xfrm>
+        </p:spPr>
+        <p:txBody>
+          <a:bodyPr>
+            <a:normAutofit fontScale="90000"/>
+          </a:bodyPr>
+          <a:lstStyle/>
+          <a:p>
+            <a:r>
+              <a:rPr kumimoji="1" lang="ja-JP" altLang="en-US" dirty="0" smtClean="0"/>
+              <a:t>進捗状況</a:t>
+            </a:r>
+            <a:endParaRPr kumimoji="1" lang="ja-JP" altLang="en-US" dirty="0"/>
+          </a:p>
+        </p:txBody>
+      </p:sp>
+      <p:sp>
+        <p:nvSpPr>
+          <p:cNvPr id="4" name="正方形/長方形 3"/>
+          <p:cNvSpPr/>
+          <p:nvPr/>
+        </p:nvSpPr>
+        <p:spPr>
+          <a:xfrm>
+            <a:off x="395536" y="548680"/>
+            <a:ext cx="1338828" cy="369332"/>
+          </a:xfrm>
+          <a:prstGeom prst="rect">
+            <a:avLst/>
+          </a:prstGeom>
+        </p:spPr>
+        <p:txBody>
+          <a:bodyPr wrap="none">
+            <a:spAutoFit/>
+          </a:bodyPr>
+          <a:lstStyle/>
+          <a:p>
+            <a:r>
+              <a:rPr lang="ja-JP" altLang="en-US" dirty="0" smtClean="0">
+                <a:solidFill>
+                  <a:schemeClr val="accent2"/>
+                </a:solidFill>
+                <a:latin typeface="小塚ゴシック Pr6N B" pitchFamily="34" charset="-128"/>
+                <a:ea typeface="小塚ゴシック Pr6N B" pitchFamily="34" charset="-128"/>
+              </a:rPr>
+              <a:t>♥</a:t>
+            </a:r>
+            <a:r>
+              <a:rPr lang="ja-JP" altLang="en-US" dirty="0" smtClean="0">
+                <a:solidFill>
+                  <a:schemeClr val="accent2"/>
+                </a:solidFill>
+                <a:latin typeface="マキナス Scrap 5" pitchFamily="50" charset="-128"/>
+                <a:ea typeface="マキナス Scrap 5" pitchFamily="50" charset="-128"/>
+              </a:rPr>
+              <a:t>デザイン</a:t>
+            </a:r>
+            <a:endParaRPr lang="en-US" altLang="ja-JP" sz="1400" dirty="0">
+              <a:solidFill>
+                <a:schemeClr val="accent2"/>
+              </a:solidFill>
+              <a:latin typeface="源暎ラテゴ" pitchFamily="34" charset="-128"/>
+              <a:ea typeface="源暎ラテゴ" pitchFamily="34" charset="-128"/>
+            </a:endParaRPr>
+          </a:p>
+        </p:txBody>
+      </p:sp>
+      <p:sp>
+        <p:nvSpPr>
+          <p:cNvPr id="6" name="テキスト ボックス 5"/>
+          <p:cNvSpPr txBox="1"/>
+          <p:nvPr/>
+        </p:nvSpPr>
+        <p:spPr>
+          <a:xfrm>
+            <a:off x="3357565" y="3065610"/>
+            <a:ext cx="2428871" cy="369332"/>
+          </a:xfrm>
+          <a:prstGeom prst="rect">
+            <a:avLst/>
+          </a:prstGeom>
+          <a:noFill/>
+        </p:spPr>
+        <p:txBody>
+          <a:bodyPr wrap="none" rtlCol="0">
+            <a:spAutoFit/>
+          </a:bodyPr>
+          <a:lstStyle/>
+          <a:p>
+            <a:pPr algn="ctr"/>
+            <a:r>
+              <a:rPr kumimoji="1" lang="ja-JP" altLang="en-US" dirty="0" smtClean="0"/>
+              <a:t>ここにスクリーンショット</a:t>
+            </a:r>
+            <a:endParaRPr kumimoji="1" lang="ja-JP" altLang="en-US" dirty="0"/>
+          </a:p>
+        </p:txBody>
+      </p:sp>
+    </p:spTree>
+    <p:extLst>
+      <p:ext uri="{BB962C8B-B14F-4D97-AF65-F5344CB8AC3E}">
+        <p14:creationId xmlns:p14="http://schemas.microsoft.com/office/powerpoint/2010/main" val="3768329095"/>
+      </p:ext>
+    </p:extLst>
+  </p:cSld>
+  <p:clrMapOvr>
+    <a:masterClrMapping/>
+  </p:clrMapOvr>
+  <mc:AlternateContent xmlns:mc="http://schemas.openxmlformats.org/markup-compatibility/2006">
+    <mc:Choice xmlns:p14="http://schemas.microsoft.com/office/powerpoint/2010/main" Requires="p14">
+      <p:transition spd="slow" p14:dur="1300">
+        <p14:pan/>
+        <p:sndAc>
+          <p:stSnd>
+            <p:snd r:embed="rId2" name="cashreg.wav"/>
+          </p:stSnd>
+        </p:sndAc>
+      </p:transition>
+    </mc:Choice>
+    <mc:Fallback>
+      <p:transition spd="slow">
+        <p:fade/>
+        <p:sndAc>
+          <p:stSnd>
+            <p:snd r:embed="rId2" name="cashreg.wav"/>
+          </p:stSnd>
+        </p:sndAc>
+      </p:transition>
     </mc:Fallback>
   </mc:AlternateContent>
   <p:timing>
@@ -6156,4 +8876,289 @@
   <a:objectDefaults/>
   <a:extraClrSchemeLst/>
 </a:theme>
+</file>
+
+<file path=ppt/theme/theme2.xml><?xml version="1.0" encoding="utf-8"?>
+<a:theme xmlns:a="http://schemas.openxmlformats.org/drawingml/2006/main" name="Office ​​テーマ">
+  <a:themeElements>
+    <a:clrScheme name="Office">
+      <a:dk1>
+        <a:sysClr val="windowText" lastClr="000000"/>
+      </a:dk1>
+      <a:lt1>
+        <a:sysClr val="window" lastClr="FFFFFF"/>
+      </a:lt1>
+      <a:dk2>
+        <a:srgbClr val="1F497D"/>
+      </a:dk2>
+      <a:lt2>
+        <a:srgbClr val="EEECE1"/>
+      </a:lt2>
+      <a:accent1>
+        <a:srgbClr val="4F81BD"/>
+      </a:accent1>
+      <a:accent2>
+        <a:srgbClr val="C0504D"/>
+      </a:accent2>
+      <a:accent3>
+        <a:srgbClr val="9BBB59"/>
+      </a:accent3>
+      <a:accent4>
+        <a:srgbClr val="8064A2"/>
+      </a:accent4>
+      <a:accent5>
+        <a:srgbClr val="4BACC6"/>
+      </a:accent5>
+      <a:accent6>
+        <a:srgbClr val="F79646"/>
+      </a:accent6>
+      <a:hlink>
+        <a:srgbClr val="0000FF"/>
+      </a:hlink>
+      <a:folHlink>
+        <a:srgbClr val="800080"/>
+      </a:folHlink>
+    </a:clrScheme>
+    <a:fontScheme name="Office">
+      <a:majorFont>
+        <a:latin typeface="Calibri"/>
+        <a:ea typeface=""/>
+        <a:cs typeface=""/>
+        <a:font script="Jpan" typeface="ＭＳ Ｐゴシック"/>
+        <a:font script="Hang" typeface="맑은 고딕"/>
+        <a:font script="Hans" typeface="宋体"/>
+        <a:font script="Hant" typeface="新細明體"/>
+        <a:font script="Arab" typeface="Times New Roman"/>
+        <a:font script="Hebr" typeface="Times New Roman"/>
+        <a:font script="Thai" typeface="Angsana New"/>
+        <a:font script="Ethi" typeface="Nyala"/>
+        <a:font script="Beng" typeface="Vrinda"/>
+        <a:font script="Gujr" typeface="Shruti"/>
+        <a:font script="Khmr" typeface="MoolBoran"/>
+        <a:font script="Knda" typeface="Tunga"/>
+        <a:font script="Guru" typeface="Raavi"/>
+        <a:font script="Cans" typeface="Euphemia"/>
+        <a:font script="Cher" typeface="Plantagenet Cherokee"/>
+        <a:font script="Yiii" typeface="Microsoft Yi Baiti"/>
+        <a:font script="Tibt" typeface="Microsoft Himalaya"/>
+        <a:font script="Thaa" typeface="MV Boli"/>
+        <a:font script="Deva" typeface="Mangal"/>
+        <a:font script="Telu" typeface="Gautami"/>
+        <a:font script="Taml" typeface="Latha"/>
+        <a:font script="Syrc" typeface="Estrangelo Edessa"/>
+        <a:font script="Orya" typeface="Kalinga"/>
+        <a:font script="Mlym" typeface="Kartika"/>
+        <a:font script="Laoo" typeface="DokChampa"/>
+        <a:font script="Sinh" typeface="Iskoola Pota"/>
+        <a:font script="Mong" typeface="Mongolian Baiti"/>
+        <a:font script="Viet" typeface="Times New Roman"/>
+        <a:font script="Uigh" typeface="Microsoft Uighur"/>
+        <a:font script="Geor" typeface="Sylfaen"/>
+      </a:majorFont>
+      <a:minorFont>
+        <a:latin typeface="Calibri"/>
+        <a:ea typeface=""/>
+        <a:cs typeface=""/>
+        <a:font script="Jpan" typeface="ＭＳ Ｐゴシック"/>
+        <a:font script="Hang" typeface="맑은 고딕"/>
+        <a:font script="Hans" typeface="宋体"/>
+        <a:font script="Hant" typeface="新細明體"/>
+        <a:font script="Arab" typeface="Arial"/>
+        <a:font script="Hebr" typeface="Arial"/>
+        <a:font script="Thai" typeface="Cordia New"/>
+        <a:font script="Ethi" typeface="Nyala"/>
+        <a:font script="Beng" typeface="Vrinda"/>
+        <a:font script="Gujr" typeface="Shruti"/>
+        <a:font script="Khmr" typeface="DaunPenh"/>
+        <a:font script="Knda" typeface="Tunga"/>
+        <a:font script="Guru" typeface="Raavi"/>
+        <a:font script="Cans" typeface="Euphemia"/>
+        <a:font script="Cher" typeface="Plantagenet Cherokee"/>
+        <a:font script="Yiii" typeface="Microsoft Yi Baiti"/>
+        <a:font script="Tibt" typeface="Microsoft Himalaya"/>
+        <a:font script="Thaa" typeface="MV Boli"/>
+        <a:font script="Deva" typeface="Mangal"/>
+        <a:font script="Telu" typeface="Gautami"/>
+        <a:font script="Taml" typeface="Latha"/>
+        <a:font script="Syrc" typeface="Estrangelo Edessa"/>
+        <a:font script="Orya" typeface="Kalinga"/>
+        <a:font script="Mlym" typeface="Kartika"/>
+        <a:font script="Laoo" typeface="DokChampa"/>
+        <a:font script="Sinh" typeface="Iskoola Pota"/>
+        <a:font script="Mong" typeface="Mongolian Baiti"/>
+        <a:font script="Viet" typeface="Arial"/>
+        <a:font script="Uigh" typeface="Microsoft Uighur"/>
+        <a:font script="Geor" typeface="Sylfaen"/>
+      </a:minorFont>
+    </a:fontScheme>
+    <a:fmtScheme name="Office">
+      <a:fillStyleLst>
+        <a:solidFill>
+          <a:schemeClr val="phClr"/>
+        </a:solidFill>
+        <a:gradFill rotWithShape="1">
+          <a:gsLst>
+            <a:gs pos="0">
+              <a:schemeClr val="phClr">
+                <a:tint val="50000"/>
+                <a:satMod val="300000"/>
+              </a:schemeClr>
+            </a:gs>
+            <a:gs pos="35000">
+              <a:schemeClr val="phClr">
+                <a:tint val="37000"/>
+                <a:satMod val="300000"/>
+              </a:schemeClr>
+            </a:gs>
+            <a:gs pos="100000">
+              <a:schemeClr val="phClr">
+                <a:tint val="15000"/>
+                <a:satMod val="350000"/>
+              </a:schemeClr>
+            </a:gs>
+          </a:gsLst>
+          <a:lin ang="16200000" scaled="1"/>
+        </a:gradFill>
+        <a:gradFill rotWithShape="1">
+          <a:gsLst>
+            <a:gs pos="0">
+              <a:schemeClr val="phClr">
+                <a:shade val="51000"/>
+                <a:satMod val="130000"/>
+              </a:schemeClr>
+            </a:gs>
+            <a:gs pos="80000">
+              <a:schemeClr val="phClr">
+                <a:shade val="93000"/>
+                <a:satMod val="130000"/>
+              </a:schemeClr>
+            </a:gs>
+            <a:gs pos="100000">
+              <a:schemeClr val="phClr">
+                <a:shade val="94000"/>
+                <a:satMod val="135000"/>
+              </a:schemeClr>
+            </a:gs>
+          </a:gsLst>
+          <a:lin ang="16200000" scaled="0"/>
+        </a:gradFill>
+      </a:fillStyleLst>
+      <a:lnStyleLst>
+        <a:ln w="9525" cap="flat" cmpd="sng" algn="ctr">
+          <a:solidFill>
+            <a:schemeClr val="phClr">
+              <a:shade val="95000"/>
+              <a:satMod val="105000"/>
+            </a:schemeClr>
+          </a:solidFill>
+          <a:prstDash val="solid"/>
+        </a:ln>
+        <a:ln w="25400" cap="flat" cmpd="sng" algn="ctr">
+          <a:solidFill>
+            <a:schemeClr val="phClr"/>
+          </a:solidFill>
+          <a:prstDash val="solid"/>
+        </a:ln>
+        <a:ln w="38100" cap="flat" cmpd="sng" algn="ctr">
+          <a:solidFill>
+            <a:schemeClr val="phClr"/>
+          </a:solidFill>
+          <a:prstDash val="solid"/>
+        </a:ln>
+      </a:lnStyleLst>
+      <a:effectStyleLst>
+        <a:effectStyle>
+          <a:effectLst>
+            <a:outerShdw blurRad="40000" dist="20000" dir="5400000" rotWithShape="0">
+              <a:srgbClr val="000000">
+                <a:alpha val="38000"/>
+              </a:srgbClr>
+            </a:outerShdw>
+          </a:effectLst>
+        </a:effectStyle>
+        <a:effectStyle>
+          <a:effectLst>
+            <a:outerShdw blurRad="40000" dist="23000" dir="5400000" rotWithShape="0">
+              <a:srgbClr val="000000">
+                <a:alpha val="35000"/>
+              </a:srgbClr>
+            </a:outerShdw>
+          </a:effectLst>
+        </a:effectStyle>
+        <a:effectStyle>
+          <a:effectLst>
+            <a:outerShdw blurRad="40000" dist="23000" dir="5400000" rotWithShape="0">
+              <a:srgbClr val="000000">
+                <a:alpha val="35000"/>
+              </a:srgbClr>
+            </a:outerShdw>
+          </a:effectLst>
+          <a:scene3d>
+            <a:camera prst="orthographicFront">
+              <a:rot lat="0" lon="0" rev="0"/>
+            </a:camera>
+            <a:lightRig rig="threePt" dir="t">
+              <a:rot lat="0" lon="0" rev="1200000"/>
+            </a:lightRig>
+          </a:scene3d>
+          <a:sp3d>
+            <a:bevelT w="63500" h="25400"/>
+          </a:sp3d>
+        </a:effectStyle>
+      </a:effectStyleLst>
+      <a:bgFillStyleLst>
+        <a:solidFill>
+          <a:schemeClr val="phClr"/>
+        </a:solidFill>
+        <a:gradFill rotWithShape="1">
+          <a:gsLst>
+            <a:gs pos="0">
+              <a:schemeClr val="phClr">
+                <a:tint val="40000"/>
+                <a:satMod val="350000"/>
+              </a:schemeClr>
+            </a:gs>
+            <a:gs pos="40000">
+              <a:schemeClr val="phClr">
+                <a:tint val="45000"/>
+                <a:shade val="99000"/>
+                <a:satMod val="350000"/>
+              </a:schemeClr>
+            </a:gs>
+            <a:gs pos="100000">
+              <a:schemeClr val="phClr">
+                <a:shade val="20000"/>
+                <a:satMod val="255000"/>
+              </a:schemeClr>
+            </a:gs>
+          </a:gsLst>
+          <a:path path="circle">
+            <a:fillToRect l="50000" t="-80000" r="50000" b="180000"/>
+          </a:path>
+        </a:gradFill>
+        <a:gradFill rotWithShape="1">
+          <a:gsLst>
+            <a:gs pos="0">
+              <a:schemeClr val="phClr">
+                <a:tint val="80000"/>
+                <a:satMod val="300000"/>
+              </a:schemeClr>
+            </a:gs>
+            <a:gs pos="100000">
+              <a:schemeClr val="phClr">
+                <a:shade val="30000"/>
+                <a:satMod val="200000"/>
+              </a:schemeClr>
+            </a:gs>
+          </a:gsLst>
+          <a:path path="circle">
+            <a:fillToRect l="50000" t="50000" r="50000" b="50000"/>
+          </a:path>
+        </a:gradFill>
+      </a:bgFillStyleLst>
+    </a:fmtScheme>
+  </a:themeElements>
+  <a:objectDefaults/>
+  <a:extraClrSchemeLst/>
+</a:theme>
 </file>
--- a/プランナー/壬生/Admise第一回制作発表プレゼン.pptx
+++ b/プランナー/壬生/Admise第一回制作発表プレゼン.pptx
@@ -202,7 +202,7 @@
           <a:p>
             <a:fld id="{C106E46D-81A5-406F-BACC-C679F3ABC46D}" type="datetimeFigureOut">
               <a:rPr kumimoji="1" lang="ja-JP" altLang="en-US" smtClean="0"/>
-              <a:t>2017/10/12</a:t>
+              <a:t>2017/10/18</a:t>
             </a:fld>
             <a:endParaRPr kumimoji="1" lang="ja-JP" altLang="en-US"/>
           </a:p>
@@ -767,7 +767,7 @@
           <a:p>
             <a:fld id="{2ADFB569-902F-4943-A830-6EF2971111E1}" type="datetimeFigureOut">
               <a:rPr kumimoji="1" lang="ja-JP" altLang="en-US" smtClean="0"/>
-              <a:t>2017/10/12</a:t>
+              <a:t>2017/10/18</a:t>
             </a:fld>
             <a:endParaRPr kumimoji="1" lang="ja-JP" altLang="en-US"/>
           </a:p>
@@ -977,7 +977,7 @@
           <a:p>
             <a:fld id="{2ADFB569-902F-4943-A830-6EF2971111E1}" type="datetimeFigureOut">
               <a:rPr kumimoji="1" lang="ja-JP" altLang="en-US" smtClean="0"/>
-              <a:t>2017/10/12</a:t>
+              <a:t>2017/10/18</a:t>
             </a:fld>
             <a:endParaRPr kumimoji="1" lang="ja-JP" altLang="en-US"/>
           </a:p>
@@ -1197,7 +1197,7 @@
           <a:p>
             <a:fld id="{2ADFB569-902F-4943-A830-6EF2971111E1}" type="datetimeFigureOut">
               <a:rPr kumimoji="1" lang="ja-JP" altLang="en-US" smtClean="0"/>
-              <a:t>2017/10/12</a:t>
+              <a:t>2017/10/18</a:t>
             </a:fld>
             <a:endParaRPr kumimoji="1" lang="ja-JP" altLang="en-US"/>
           </a:p>
@@ -1407,7 +1407,7 @@
           <a:p>
             <a:fld id="{2ADFB569-902F-4943-A830-6EF2971111E1}" type="datetimeFigureOut">
               <a:rPr kumimoji="1" lang="ja-JP" altLang="en-US" smtClean="0"/>
-              <a:t>2017/10/12</a:t>
+              <a:t>2017/10/18</a:t>
             </a:fld>
             <a:endParaRPr kumimoji="1" lang="ja-JP" altLang="en-US"/>
           </a:p>
@@ -1661,7 +1661,7 @@
           <a:p>
             <a:fld id="{2ADFB569-902F-4943-A830-6EF2971111E1}" type="datetimeFigureOut">
               <a:rPr kumimoji="1" lang="ja-JP" altLang="en-US" smtClean="0"/>
-              <a:t>2017/10/12</a:t>
+              <a:t>2017/10/18</a:t>
             </a:fld>
             <a:endParaRPr kumimoji="1" lang="ja-JP" altLang="en-US"/>
           </a:p>
@@ -2021,7 +2021,7 @@
           <a:p>
             <a:fld id="{2ADFB569-902F-4943-A830-6EF2971111E1}" type="datetimeFigureOut">
               <a:rPr kumimoji="1" lang="ja-JP" altLang="en-US" smtClean="0"/>
-              <a:t>2017/10/12</a:t>
+              <a:t>2017/10/18</a:t>
             </a:fld>
             <a:endParaRPr kumimoji="1" lang="ja-JP" altLang="en-US"/>
           </a:p>
@@ -2515,7 +2515,7 @@
           <a:p>
             <a:fld id="{2ADFB569-902F-4943-A830-6EF2971111E1}" type="datetimeFigureOut">
               <a:rPr kumimoji="1" lang="ja-JP" altLang="en-US" smtClean="0"/>
-              <a:t>2017/10/12</a:t>
+              <a:t>2017/10/18</a:t>
             </a:fld>
             <a:endParaRPr kumimoji="1" lang="ja-JP" altLang="en-US"/>
           </a:p>
@@ -2641,7 +2641,7 @@
           <a:p>
             <a:fld id="{2ADFB569-902F-4943-A830-6EF2971111E1}" type="datetimeFigureOut">
               <a:rPr kumimoji="1" lang="ja-JP" altLang="en-US" smtClean="0"/>
-              <a:t>2017/10/12</a:t>
+              <a:t>2017/10/18</a:t>
             </a:fld>
             <a:endParaRPr kumimoji="1" lang="ja-JP" altLang="en-US"/>
           </a:p>
@@ -2744,7 +2744,7 @@
           <a:p>
             <a:fld id="{2ADFB569-902F-4943-A830-6EF2971111E1}" type="datetimeFigureOut">
               <a:rPr kumimoji="1" lang="ja-JP" altLang="en-US" smtClean="0"/>
-              <a:t>2017/10/12</a:t>
+              <a:t>2017/10/18</a:t>
             </a:fld>
             <a:endParaRPr kumimoji="1" lang="ja-JP" altLang="en-US"/>
           </a:p>
@@ -3061,7 +3061,7 @@
           <a:p>
             <a:fld id="{2ADFB569-902F-4943-A830-6EF2971111E1}" type="datetimeFigureOut">
               <a:rPr kumimoji="1" lang="ja-JP" altLang="en-US" smtClean="0"/>
-              <a:t>2017/10/12</a:t>
+              <a:t>2017/10/18</a:t>
             </a:fld>
             <a:endParaRPr kumimoji="1" lang="ja-JP" altLang="en-US"/>
           </a:p>
@@ -3322,7 +3322,7 @@
           <a:p>
             <a:fld id="{2ADFB569-902F-4943-A830-6EF2971111E1}" type="datetimeFigureOut">
               <a:rPr kumimoji="1" lang="ja-JP" altLang="en-US" smtClean="0"/>
-              <a:t>2017/10/12</a:t>
+              <a:t>2017/10/18</a:t>
             </a:fld>
             <a:endParaRPr kumimoji="1" lang="ja-JP" altLang="en-US"/>
           </a:p>
@@ -3575,7 +3575,7 @@
           <a:p>
             <a:fld id="{2ADFB569-902F-4943-A830-6EF2971111E1}" type="datetimeFigureOut">
               <a:rPr kumimoji="1" lang="ja-JP" altLang="en-US" smtClean="0"/>
-              <a:t>2017/10/12</a:t>
+              <a:t>2017/10/18</a:t>
             </a:fld>
             <a:endParaRPr kumimoji="1" lang="ja-JP" altLang="en-US"/>
           </a:p>
@@ -4433,8 +4433,8 @@
   <p:clrMapOvr>
     <a:masterClrMapping/>
   </p:clrMapOvr>
-  <mc:AlternateContent xmlns:mc="http://schemas.openxmlformats.org/markup-compatibility/2006">
-    <mc:Choice xmlns:p14="http://schemas.microsoft.com/office/powerpoint/2010/main" Requires="p14">
+  <mc:AlternateContent xmlns:mc="http://schemas.openxmlformats.org/markup-compatibility/2006" xmlns:p14="http://schemas.microsoft.com/office/powerpoint/2010/main">
+    <mc:Choice Requires="p14">
       <p:transition p14:dur="0">
         <p:sndAc>
           <p:stSnd>
@@ -4443,11 +4443,11 @@
         </p:sndAc>
       </p:transition>
     </mc:Choice>
-    <mc:Fallback>
+    <mc:Fallback xmlns="">
       <p:transition>
         <p:sndAc>
           <p:stSnd>
-            <p:snd r:embed="rId2" name="hammer.wav"/>
+            <p:snd r:embed="rId3" name="hammer.wav"/>
           </p:stSnd>
         </p:sndAc>
       </p:transition>
@@ -6140,7 +6140,7 @@
                 <a:latin typeface="源暎ラテゴ" pitchFamily="34" charset="-128"/>
                 <a:ea typeface="源暎ラテゴ" pitchFamily="34" charset="-128"/>
               </a:rPr>
-              <a:t>雑用係</a:t>
+              <a:t>企画・雑用係</a:t>
             </a:r>
             <a:endParaRPr lang="en-US" altLang="ja-JP" dirty="0">
               <a:latin typeface="源暎ラテゴ" pitchFamily="34" charset="-128"/>
@@ -6834,8 +6834,8 @@
   <p:clrMapOvr>
     <a:masterClrMapping/>
   </p:clrMapOvr>
-  <mc:AlternateContent xmlns:mc="http://schemas.openxmlformats.org/markup-compatibility/2006">
-    <mc:Choice xmlns:p14="http://schemas.microsoft.com/office/powerpoint/2010/main" Requires="p14">
+  <mc:AlternateContent xmlns:mc="http://schemas.openxmlformats.org/markup-compatibility/2006" xmlns:p14="http://schemas.microsoft.com/office/powerpoint/2010/main">
+    <mc:Choice Requires="p14">
       <p:transition spd="slow" p14:dur="1300">
         <p14:pan/>
         <p:sndAc>
@@ -6845,12 +6845,12 @@
         </p:sndAc>
       </p:transition>
     </mc:Choice>
-    <mc:Fallback>
+    <mc:Fallback xmlns="">
       <p:transition spd="slow">
         <p:fade/>
         <p:sndAc>
           <p:stSnd>
-            <p:snd r:embed="rId2" name="cashreg.wav"/>
+            <p:snd r:embed="rId3" name="cashreg.wav"/>
           </p:stSnd>
         </p:sndAc>
       </p:transition>
@@ -7367,8 +7367,8 @@
   <p:clrMapOvr>
     <a:masterClrMapping/>
   </p:clrMapOvr>
-  <mc:AlternateContent xmlns:mc="http://schemas.openxmlformats.org/markup-compatibility/2006">
-    <mc:Choice xmlns:p14="http://schemas.microsoft.com/office/powerpoint/2010/main" Requires="p14">
+  <mc:AlternateContent xmlns:mc="http://schemas.openxmlformats.org/markup-compatibility/2006" xmlns:p14="http://schemas.microsoft.com/office/powerpoint/2010/main">
+    <mc:Choice Requires="p14">
       <p:transition spd="slow" p14:dur="1300">
         <p14:pan/>
         <p:sndAc>
@@ -7378,12 +7378,12 @@
         </p:sndAc>
       </p:transition>
     </mc:Choice>
-    <mc:Fallback>
+    <mc:Fallback xmlns="">
       <p:transition spd="slow">
         <p:fade/>
         <p:sndAc>
           <p:stSnd>
-            <p:snd r:embed="rId2" name="cashreg.wav"/>
+            <p:snd r:embed="rId6" name="cashreg.wav"/>
           </p:stSnd>
         </p:sndAc>
       </p:transition>
@@ -7809,8 +7809,8 @@
   <p:clrMapOvr>
     <a:masterClrMapping/>
   </p:clrMapOvr>
-  <mc:AlternateContent xmlns:mc="http://schemas.openxmlformats.org/markup-compatibility/2006">
-    <mc:Choice xmlns:p14="http://schemas.microsoft.com/office/powerpoint/2010/main" Requires="p14">
+  <mc:AlternateContent xmlns:mc="http://schemas.openxmlformats.org/markup-compatibility/2006" xmlns:p14="http://schemas.microsoft.com/office/powerpoint/2010/main">
+    <mc:Choice Requires="p14">
       <p:transition p14:dur="0">
         <p:sndAc>
           <p:stSnd>
@@ -7819,11 +7819,11 @@
         </p:sndAc>
       </p:transition>
     </mc:Choice>
-    <mc:Fallback>
+    <mc:Fallback xmlns="">
       <p:transition>
         <p:sndAc>
           <p:stSnd>
-            <p:snd r:embed="rId2" name="hammer.wav"/>
+            <p:snd r:embed="rId4" name="hammer.wav"/>
           </p:stSnd>
         </p:sndAc>
       </p:transition>
@@ -7946,8 +7946,8 @@
   <p:clrMapOvr>
     <a:masterClrMapping/>
   </p:clrMapOvr>
-  <mc:AlternateContent xmlns:mc="http://schemas.openxmlformats.org/markup-compatibility/2006">
-    <mc:Choice xmlns:p14="http://schemas.microsoft.com/office/powerpoint/2010/main" Requires="p14">
+  <mc:AlternateContent xmlns:mc="http://schemas.openxmlformats.org/markup-compatibility/2006" xmlns:p14="http://schemas.microsoft.com/office/powerpoint/2010/main">
+    <mc:Choice Requires="p14">
       <p:transition p14:dur="0">
         <p:sndAc>
           <p:stSnd>
@@ -7956,11 +7956,11 @@
         </p:sndAc>
       </p:transition>
     </mc:Choice>
-    <mc:Fallback>
+    <mc:Fallback xmlns="">
       <p:transition>
         <p:sndAc>
           <p:stSnd>
-            <p:snd r:embed="rId2" name="hammer.wav"/>
+            <p:snd r:embed="rId5" name="hammer.wav"/>
           </p:stSnd>
         </p:sndAc>
       </p:transition>
@@ -8083,8 +8083,8 @@
   <p:clrMapOvr>
     <a:masterClrMapping/>
   </p:clrMapOvr>
-  <mc:AlternateContent xmlns:mc="http://schemas.openxmlformats.org/markup-compatibility/2006">
-    <mc:Choice xmlns:p14="http://schemas.microsoft.com/office/powerpoint/2010/main" Requires="p14">
+  <mc:AlternateContent xmlns:mc="http://schemas.openxmlformats.org/markup-compatibility/2006" xmlns:p14="http://schemas.microsoft.com/office/powerpoint/2010/main">
+    <mc:Choice Requires="p14">
       <p:transition p14:dur="0">
         <p:sndAc>
           <p:stSnd>
@@ -8093,11 +8093,11 @@
         </p:sndAc>
       </p:transition>
     </mc:Choice>
-    <mc:Fallback>
+    <mc:Fallback xmlns="">
       <p:transition>
         <p:sndAc>
           <p:stSnd>
-            <p:snd r:embed="rId2" name="hammer.wav"/>
+            <p:snd r:embed="rId5" name="hammer.wav"/>
           </p:stSnd>
         </p:sndAc>
       </p:transition>
@@ -8252,8 +8252,8 @@
   <p:clrMapOvr>
     <a:masterClrMapping/>
   </p:clrMapOvr>
-  <mc:AlternateContent xmlns:mc="http://schemas.openxmlformats.org/markup-compatibility/2006">
-    <mc:Choice xmlns:p14="http://schemas.microsoft.com/office/powerpoint/2010/main" Requires="p14">
+  <mc:AlternateContent xmlns:mc="http://schemas.openxmlformats.org/markup-compatibility/2006" xmlns:p14="http://schemas.microsoft.com/office/powerpoint/2010/main">
+    <mc:Choice Requires="p14">
       <p:transition spd="slow" p14:dur="1300">
         <p14:pan/>
         <p:sndAc>
@@ -8263,12 +8263,12 @@
         </p:sndAc>
       </p:transition>
     </mc:Choice>
-    <mc:Fallback>
+    <mc:Fallback xmlns="">
       <p:transition spd="slow">
         <p:fade/>
         <p:sndAc>
           <p:stSnd>
-            <p:snd r:embed="rId3" name="cashreg.wav"/>
+            <p:snd r:embed="rId4" name="cashreg.wav"/>
           </p:stSnd>
         </p:sndAc>
       </p:transition>
@@ -8392,8 +8392,8 @@
   <p:clrMapOvr>
     <a:masterClrMapping/>
   </p:clrMapOvr>
-  <mc:AlternateContent xmlns:mc="http://schemas.openxmlformats.org/markup-compatibility/2006">
-    <mc:Choice xmlns:p14="http://schemas.microsoft.com/office/powerpoint/2010/main" Requires="p14">
+  <mc:AlternateContent xmlns:mc="http://schemas.openxmlformats.org/markup-compatibility/2006" xmlns:p14="http://schemas.microsoft.com/office/powerpoint/2010/main">
+    <mc:Choice Requires="p14">
       <p:transition p14:dur="0">
         <p:sndAc>
           <p:stSnd>
@@ -8402,11 +8402,11 @@
         </p:sndAc>
       </p:transition>
     </mc:Choice>
-    <mc:Fallback>
+    <mc:Fallback xmlns="">
       <p:transition>
         <p:sndAc>
           <p:stSnd>
-            <p:snd r:embed="rId2" name="hammer.wav"/>
+            <p:snd r:embed="rId3" name="hammer.wav"/>
           </p:stSnd>
         </p:sndAc>
       </p:transition>
@@ -8561,8 +8561,8 @@
   <p:clrMapOvr>
     <a:masterClrMapping/>
   </p:clrMapOvr>
-  <mc:AlternateContent xmlns:mc="http://schemas.openxmlformats.org/markup-compatibility/2006">
-    <mc:Choice xmlns:p14="http://schemas.microsoft.com/office/powerpoint/2010/main" Requires="p14">
+  <mc:AlternateContent xmlns:mc="http://schemas.openxmlformats.org/markup-compatibility/2006" xmlns:p14="http://schemas.microsoft.com/office/powerpoint/2010/main">
+    <mc:Choice Requires="p14">
       <p:transition spd="slow" p14:dur="1300">
         <p14:pan/>
         <p:sndAc>
@@ -8572,12 +8572,12 @@
         </p:sndAc>
       </p:transition>
     </mc:Choice>
-    <mc:Fallback>
+    <mc:Fallback xmlns="">
       <p:transition spd="slow">
         <p:fade/>
         <p:sndAc>
           <p:stSnd>
-            <p:snd r:embed="rId2" name="cashreg.wav"/>
+            <p:snd r:embed="rId3" name="cashreg.wav"/>
           </p:stSnd>
         </p:sndAc>
       </p:transition>

--- a/プランナー/壬生/Admise第一回制作発表プレゼン.pptx
+++ b/プランナー/壬生/Admise第一回制作発表プレゼン.pptx
@@ -117,7 +117,27 @@
       </a:defRPr>
     </a:lvl9pPr>
   </p:defaultTextStyle>
+  <p:extLst>
+    <p:ext uri="{EFAFB233-063F-42B5-8137-9DF3F51BA10A}">
+      <p15:sldGuideLst xmlns:p15="http://schemas.microsoft.com/office/powerpoint/2012/main">
+        <p15:guide id="1" orient="horz" pos="2160">
+          <p15:clr>
+            <a:srgbClr val="A4A3A4"/>
+          </p15:clr>
+        </p15:guide>
+        <p15:guide id="2" pos="2880">
+          <p15:clr>
+            <a:srgbClr val="A4A3A4"/>
+          </p15:clr>
+        </p15:guide>
+      </p15:sldGuideLst>
+    </p:ext>
+  </p:extLst>
 </p:presentation>
+</file>
+
+<file path=ppt/revisionInfo.xml><?xml version="1.0" encoding="utf-8"?>
+<p1510:revInfo xmlns:a="http://schemas.openxmlformats.org/drawingml/2006/main" xmlns:r="http://schemas.openxmlformats.org/officeDocument/2006/relationships" xmlns:p1510="http://schemas.microsoft.com/office/powerpoint/2015/10/main"/>
 </file>
 
 <file path=ppt/notesMasters/notesMaster1.xml><?xml version="1.0" encoding="utf-8"?>
@@ -202,7 +222,7 @@
           <a:p>
             <a:fld id="{C106E46D-81A5-406F-BACC-C679F3ABC46D}" type="datetimeFigureOut">
               <a:rPr kumimoji="1" lang="ja-JP" altLang="en-US" smtClean="0"/>
-              <a:t>2017/10/12</a:t>
+              <a:t>2017/10/18</a:t>
             </a:fld>
             <a:endParaRPr kumimoji="1" lang="ja-JP" altLang="en-US"/>
           </a:p>
@@ -266,70 +286,69 @@
           <a:p>
             <a:pPr lvl="0"/>
             <a:r>
-              <a:rPr kumimoji="1" lang="ja-JP" altLang="en-US" smtClean="0"/>
+              <a:rPr kumimoji="1" lang="ja-JP" altLang="en-US"/>
               <a:t>マスター テキストの書式設定</a:t>
             </a:r>
           </a:p>
           <a:p>
             <a:pPr lvl="1"/>
             <a:r>
-              <a:rPr kumimoji="1" lang="ja-JP" altLang="en-US" smtClean="0"/>
+              <a:rPr kumimoji="1" lang="ja-JP" altLang="en-US"/>
               <a:t>第 </a:t>
             </a:r>
             <a:r>
-              <a:rPr kumimoji="1" lang="en-US" altLang="ja-JP" smtClean="0"/>
+              <a:rPr kumimoji="1" lang="en-US" altLang="ja-JP"/>
               <a:t>2 </a:t>
             </a:r>
             <a:r>
-              <a:rPr kumimoji="1" lang="ja-JP" altLang="en-US" smtClean="0"/>
+              <a:rPr kumimoji="1" lang="ja-JP" altLang="en-US"/>
               <a:t>レベル</a:t>
             </a:r>
           </a:p>
           <a:p>
             <a:pPr lvl="2"/>
             <a:r>
-              <a:rPr kumimoji="1" lang="ja-JP" altLang="en-US" smtClean="0"/>
+              <a:rPr kumimoji="1" lang="ja-JP" altLang="en-US"/>
               <a:t>第 </a:t>
             </a:r>
             <a:r>
-              <a:rPr kumimoji="1" lang="en-US" altLang="ja-JP" smtClean="0"/>
+              <a:rPr kumimoji="1" lang="en-US" altLang="ja-JP"/>
               <a:t>3 </a:t>
             </a:r>
             <a:r>
-              <a:rPr kumimoji="1" lang="ja-JP" altLang="en-US" smtClean="0"/>
+              <a:rPr kumimoji="1" lang="ja-JP" altLang="en-US"/>
               <a:t>レベル</a:t>
             </a:r>
           </a:p>
           <a:p>
             <a:pPr lvl="3"/>
             <a:r>
-              <a:rPr kumimoji="1" lang="ja-JP" altLang="en-US" smtClean="0"/>
+              <a:rPr kumimoji="1" lang="ja-JP" altLang="en-US"/>
               <a:t>第 </a:t>
             </a:r>
             <a:r>
-              <a:rPr kumimoji="1" lang="en-US" altLang="ja-JP" smtClean="0"/>
+              <a:rPr kumimoji="1" lang="en-US" altLang="ja-JP"/>
               <a:t>4 </a:t>
             </a:r>
             <a:r>
-              <a:rPr kumimoji="1" lang="ja-JP" altLang="en-US" smtClean="0"/>
+              <a:rPr kumimoji="1" lang="ja-JP" altLang="en-US"/>
               <a:t>レベル</a:t>
             </a:r>
           </a:p>
           <a:p>
             <a:pPr lvl="4"/>
             <a:r>
-              <a:rPr kumimoji="1" lang="ja-JP" altLang="en-US" smtClean="0"/>
+              <a:rPr kumimoji="1" lang="ja-JP" altLang="en-US"/>
               <a:t>第 </a:t>
             </a:r>
             <a:r>
-              <a:rPr kumimoji="1" lang="en-US" altLang="ja-JP" smtClean="0"/>
+              <a:rPr kumimoji="1" lang="en-US" altLang="ja-JP"/>
               <a:t>5 </a:t>
             </a:r>
             <a:r>
-              <a:rPr kumimoji="1" lang="ja-JP" altLang="en-US" smtClean="0"/>
+              <a:rPr kumimoji="1" lang="ja-JP" altLang="en-US"/>
               <a:t>レベル</a:t>
             </a:r>
-            <a:endParaRPr kumimoji="1" lang="ja-JP" altLang="en-US"/>
           </a:p>
         </p:txBody>
       </p:sp>
@@ -624,10 +643,9 @@
           <a:lstStyle/>
           <a:p>
             <a:r>
-              <a:rPr kumimoji="1" lang="ja-JP" altLang="en-US" smtClean="0"/>
+              <a:rPr kumimoji="1" lang="ja-JP" altLang="en-US"/>
               <a:t>マスター タイトルの書式設定</a:t>
             </a:r>
-            <a:endParaRPr kumimoji="1" lang="ja-JP" altLang="en-US"/>
           </a:p>
         </p:txBody>
       </p:sp>
@@ -743,10 +761,9 @@
           </a:lstStyle>
           <a:p>
             <a:r>
-              <a:rPr kumimoji="1" lang="ja-JP" altLang="en-US" smtClean="0"/>
+              <a:rPr kumimoji="1" lang="ja-JP" altLang="en-US"/>
               <a:t>マスター サブタイトルの書式設定</a:t>
             </a:r>
-            <a:endParaRPr kumimoji="1" lang="ja-JP" altLang="en-US"/>
           </a:p>
         </p:txBody>
       </p:sp>
@@ -767,7 +784,7 @@
           <a:p>
             <a:fld id="{2ADFB569-902F-4943-A830-6EF2971111E1}" type="datetimeFigureOut">
               <a:rPr kumimoji="1" lang="ja-JP" altLang="en-US" smtClean="0"/>
-              <a:t>2017/10/12</a:t>
+              <a:t>2017/10/18</a:t>
             </a:fld>
             <a:endParaRPr kumimoji="1" lang="ja-JP" altLang="en-US"/>
           </a:p>
@@ -825,14 +842,6 @@
   <p:clrMapOvr>
     <a:masterClrMapping/>
   </p:clrMapOvr>
-  <mc:AlternateContent xmlns:mc="http://schemas.openxmlformats.org/markup-compatibility/2006" xmlns:p14="http://schemas.microsoft.com/office/powerpoint/2010/main">
-    <mc:Choice Requires="p14">
-      <p:transition p14:dur="0"/>
-    </mc:Choice>
-    <mc:Fallback xmlns="">
-      <p:transition/>
-    </mc:Fallback>
-  </mc:AlternateContent>
 </p:sldLayout>
 </file>
 
@@ -869,10 +878,9 @@
           <a:lstStyle/>
           <a:p>
             <a:r>
-              <a:rPr kumimoji="1" lang="ja-JP" altLang="en-US" smtClean="0"/>
+              <a:rPr kumimoji="1" lang="ja-JP" altLang="en-US"/>
               <a:t>マスター タイトルの書式設定</a:t>
             </a:r>
-            <a:endParaRPr kumimoji="1" lang="ja-JP" altLang="en-US"/>
           </a:p>
         </p:txBody>
       </p:sp>
@@ -893,70 +901,69 @@
           <a:p>
             <a:pPr lvl="0"/>
             <a:r>
-              <a:rPr kumimoji="1" lang="ja-JP" altLang="en-US" smtClean="0"/>
+              <a:rPr kumimoji="1" lang="ja-JP" altLang="en-US"/>
               <a:t>マスター テキストの書式設定</a:t>
             </a:r>
           </a:p>
           <a:p>
             <a:pPr lvl="1"/>
             <a:r>
-              <a:rPr kumimoji="1" lang="ja-JP" altLang="en-US" smtClean="0"/>
+              <a:rPr kumimoji="1" lang="ja-JP" altLang="en-US"/>
               <a:t>第 </a:t>
             </a:r>
             <a:r>
-              <a:rPr kumimoji="1" lang="en-US" altLang="ja-JP" smtClean="0"/>
+              <a:rPr kumimoji="1" lang="en-US" altLang="ja-JP"/>
               <a:t>2 </a:t>
             </a:r>
             <a:r>
-              <a:rPr kumimoji="1" lang="ja-JP" altLang="en-US" smtClean="0"/>
+              <a:rPr kumimoji="1" lang="ja-JP" altLang="en-US"/>
               <a:t>レベル</a:t>
             </a:r>
           </a:p>
           <a:p>
             <a:pPr lvl="2"/>
             <a:r>
-              <a:rPr kumimoji="1" lang="ja-JP" altLang="en-US" smtClean="0"/>
+              <a:rPr kumimoji="1" lang="ja-JP" altLang="en-US"/>
               <a:t>第 </a:t>
             </a:r>
             <a:r>
-              <a:rPr kumimoji="1" lang="en-US" altLang="ja-JP" smtClean="0"/>
+              <a:rPr kumimoji="1" lang="en-US" altLang="ja-JP"/>
               <a:t>3 </a:t>
             </a:r>
             <a:r>
-              <a:rPr kumimoji="1" lang="ja-JP" altLang="en-US" smtClean="0"/>
+              <a:rPr kumimoji="1" lang="ja-JP" altLang="en-US"/>
               <a:t>レベル</a:t>
             </a:r>
           </a:p>
           <a:p>
             <a:pPr lvl="3"/>
             <a:r>
-              <a:rPr kumimoji="1" lang="ja-JP" altLang="en-US" smtClean="0"/>
+              <a:rPr kumimoji="1" lang="ja-JP" altLang="en-US"/>
               <a:t>第 </a:t>
             </a:r>
             <a:r>
-              <a:rPr kumimoji="1" lang="en-US" altLang="ja-JP" smtClean="0"/>
+              <a:rPr kumimoji="1" lang="en-US" altLang="ja-JP"/>
               <a:t>4 </a:t>
             </a:r>
             <a:r>
-              <a:rPr kumimoji="1" lang="ja-JP" altLang="en-US" smtClean="0"/>
+              <a:rPr kumimoji="1" lang="ja-JP" altLang="en-US"/>
               <a:t>レベル</a:t>
             </a:r>
           </a:p>
           <a:p>
             <a:pPr lvl="4"/>
             <a:r>
-              <a:rPr kumimoji="1" lang="ja-JP" altLang="en-US" smtClean="0"/>
+              <a:rPr kumimoji="1" lang="ja-JP" altLang="en-US"/>
               <a:t>第 </a:t>
             </a:r>
             <a:r>
-              <a:rPr kumimoji="1" lang="en-US" altLang="ja-JP" smtClean="0"/>
+              <a:rPr kumimoji="1" lang="en-US" altLang="ja-JP"/>
               <a:t>5 </a:t>
             </a:r>
             <a:r>
-              <a:rPr kumimoji="1" lang="ja-JP" altLang="en-US" smtClean="0"/>
+              <a:rPr kumimoji="1" lang="ja-JP" altLang="en-US"/>
               <a:t>レベル</a:t>
             </a:r>
-            <a:endParaRPr kumimoji="1" lang="ja-JP" altLang="en-US"/>
           </a:p>
         </p:txBody>
       </p:sp>
@@ -977,7 +984,7 @@
           <a:p>
             <a:fld id="{2ADFB569-902F-4943-A830-6EF2971111E1}" type="datetimeFigureOut">
               <a:rPr kumimoji="1" lang="ja-JP" altLang="en-US" smtClean="0"/>
-              <a:t>2017/10/12</a:t>
+              <a:t>2017/10/18</a:t>
             </a:fld>
             <a:endParaRPr kumimoji="1" lang="ja-JP" altLang="en-US"/>
           </a:p>
@@ -1035,14 +1042,6 @@
   <p:clrMapOvr>
     <a:masterClrMapping/>
   </p:clrMapOvr>
-  <mc:AlternateContent xmlns:mc="http://schemas.openxmlformats.org/markup-compatibility/2006" xmlns:p14="http://schemas.microsoft.com/office/powerpoint/2010/main">
-    <mc:Choice Requires="p14">
-      <p:transition p14:dur="0"/>
-    </mc:Choice>
-    <mc:Fallback xmlns="">
-      <p:transition/>
-    </mc:Fallback>
-  </mc:AlternateContent>
 </p:sldLayout>
 </file>
 
@@ -1084,10 +1083,9 @@
           <a:lstStyle/>
           <a:p>
             <a:r>
-              <a:rPr kumimoji="1" lang="ja-JP" altLang="en-US" smtClean="0"/>
+              <a:rPr kumimoji="1" lang="ja-JP" altLang="en-US"/>
               <a:t>マスター タイトルの書式設定</a:t>
             </a:r>
-            <a:endParaRPr kumimoji="1" lang="ja-JP" altLang="en-US"/>
           </a:p>
         </p:txBody>
       </p:sp>
@@ -1113,70 +1111,69 @@
           <a:p>
             <a:pPr lvl="0"/>
             <a:r>
-              <a:rPr kumimoji="1" lang="ja-JP" altLang="en-US" smtClean="0"/>
+              <a:rPr kumimoji="1" lang="ja-JP" altLang="en-US"/>
               <a:t>マスター テキストの書式設定</a:t>
             </a:r>
           </a:p>
           <a:p>
             <a:pPr lvl="1"/>
             <a:r>
-              <a:rPr kumimoji="1" lang="ja-JP" altLang="en-US" smtClean="0"/>
+              <a:rPr kumimoji="1" lang="ja-JP" altLang="en-US"/>
               <a:t>第 </a:t>
             </a:r>
             <a:r>
-              <a:rPr kumimoji="1" lang="en-US" altLang="ja-JP" smtClean="0"/>
+              <a:rPr kumimoji="1" lang="en-US" altLang="ja-JP"/>
               <a:t>2 </a:t>
             </a:r>
             <a:r>
-              <a:rPr kumimoji="1" lang="ja-JP" altLang="en-US" smtClean="0"/>
+              <a:rPr kumimoji="1" lang="ja-JP" altLang="en-US"/>
               <a:t>レベル</a:t>
             </a:r>
           </a:p>
           <a:p>
             <a:pPr lvl="2"/>
             <a:r>
-              <a:rPr kumimoji="1" lang="ja-JP" altLang="en-US" smtClean="0"/>
+              <a:rPr kumimoji="1" lang="ja-JP" altLang="en-US"/>
               <a:t>第 </a:t>
             </a:r>
             <a:r>
-              <a:rPr kumimoji="1" lang="en-US" altLang="ja-JP" smtClean="0"/>
+              <a:rPr kumimoji="1" lang="en-US" altLang="ja-JP"/>
               <a:t>3 </a:t>
             </a:r>
             <a:r>
-              <a:rPr kumimoji="1" lang="ja-JP" altLang="en-US" smtClean="0"/>
+              <a:rPr kumimoji="1" lang="ja-JP" altLang="en-US"/>
               <a:t>レベル</a:t>
             </a:r>
           </a:p>
           <a:p>
             <a:pPr lvl="3"/>
             <a:r>
-              <a:rPr kumimoji="1" lang="ja-JP" altLang="en-US" smtClean="0"/>
+              <a:rPr kumimoji="1" lang="ja-JP" altLang="en-US"/>
               <a:t>第 </a:t>
             </a:r>
             <a:r>
-              <a:rPr kumimoji="1" lang="en-US" altLang="ja-JP" smtClean="0"/>
+              <a:rPr kumimoji="1" lang="en-US" altLang="ja-JP"/>
               <a:t>4 </a:t>
             </a:r>
             <a:r>
-              <a:rPr kumimoji="1" lang="ja-JP" altLang="en-US" smtClean="0"/>
+              <a:rPr kumimoji="1" lang="ja-JP" altLang="en-US"/>
               <a:t>レベル</a:t>
             </a:r>
           </a:p>
           <a:p>
             <a:pPr lvl="4"/>
             <a:r>
-              <a:rPr kumimoji="1" lang="ja-JP" altLang="en-US" smtClean="0"/>
+              <a:rPr kumimoji="1" lang="ja-JP" altLang="en-US"/>
               <a:t>第 </a:t>
             </a:r>
             <a:r>
-              <a:rPr kumimoji="1" lang="en-US" altLang="ja-JP" smtClean="0"/>
+              <a:rPr kumimoji="1" lang="en-US" altLang="ja-JP"/>
               <a:t>5 </a:t>
             </a:r>
             <a:r>
-              <a:rPr kumimoji="1" lang="ja-JP" altLang="en-US" smtClean="0"/>
+              <a:rPr kumimoji="1" lang="ja-JP" altLang="en-US"/>
               <a:t>レベル</a:t>
             </a:r>
-            <a:endParaRPr kumimoji="1" lang="ja-JP" altLang="en-US"/>
           </a:p>
         </p:txBody>
       </p:sp>
@@ -1197,7 +1194,7 @@
           <a:p>
             <a:fld id="{2ADFB569-902F-4943-A830-6EF2971111E1}" type="datetimeFigureOut">
               <a:rPr kumimoji="1" lang="ja-JP" altLang="en-US" smtClean="0"/>
-              <a:t>2017/10/12</a:t>
+              <a:t>2017/10/18</a:t>
             </a:fld>
             <a:endParaRPr kumimoji="1" lang="ja-JP" altLang="en-US"/>
           </a:p>
@@ -1255,14 +1252,6 @@
   <p:clrMapOvr>
     <a:masterClrMapping/>
   </p:clrMapOvr>
-  <mc:AlternateContent xmlns:mc="http://schemas.openxmlformats.org/markup-compatibility/2006" xmlns:p14="http://schemas.microsoft.com/office/powerpoint/2010/main">
-    <mc:Choice Requires="p14">
-      <p:transition p14:dur="0"/>
-    </mc:Choice>
-    <mc:Fallback xmlns="">
-      <p:transition/>
-    </mc:Fallback>
-  </mc:AlternateContent>
 </p:sldLayout>
 </file>
 
@@ -1299,10 +1288,9 @@
           <a:lstStyle/>
           <a:p>
             <a:r>
-              <a:rPr kumimoji="1" lang="ja-JP" altLang="en-US" smtClean="0"/>
+              <a:rPr kumimoji="1" lang="ja-JP" altLang="en-US"/>
               <a:t>マスター タイトルの書式設定</a:t>
             </a:r>
-            <a:endParaRPr kumimoji="1" lang="ja-JP" altLang="en-US"/>
           </a:p>
         </p:txBody>
       </p:sp>
@@ -1323,70 +1311,69 @@
           <a:p>
             <a:pPr lvl="0"/>
             <a:r>
-              <a:rPr kumimoji="1" lang="ja-JP" altLang="en-US" smtClean="0"/>
+              <a:rPr kumimoji="1" lang="ja-JP" altLang="en-US"/>
               <a:t>マスター テキストの書式設定</a:t>
             </a:r>
           </a:p>
           <a:p>
             <a:pPr lvl="1"/>
             <a:r>
-              <a:rPr kumimoji="1" lang="ja-JP" altLang="en-US" smtClean="0"/>
+              <a:rPr kumimoji="1" lang="ja-JP" altLang="en-US"/>
               <a:t>第 </a:t>
             </a:r>
             <a:r>
-              <a:rPr kumimoji="1" lang="en-US" altLang="ja-JP" smtClean="0"/>
+              <a:rPr kumimoji="1" lang="en-US" altLang="ja-JP"/>
               <a:t>2 </a:t>
             </a:r>
             <a:r>
-              <a:rPr kumimoji="1" lang="ja-JP" altLang="en-US" smtClean="0"/>
+              <a:rPr kumimoji="1" lang="ja-JP" altLang="en-US"/>
               <a:t>レベル</a:t>
             </a:r>
           </a:p>
           <a:p>
             <a:pPr lvl="2"/>
             <a:r>
-              <a:rPr kumimoji="1" lang="ja-JP" altLang="en-US" smtClean="0"/>
+              <a:rPr kumimoji="1" lang="ja-JP" altLang="en-US"/>
               <a:t>第 </a:t>
             </a:r>
             <a:r>
-              <a:rPr kumimoji="1" lang="en-US" altLang="ja-JP" smtClean="0"/>
+              <a:rPr kumimoji="1" lang="en-US" altLang="ja-JP"/>
               <a:t>3 </a:t>
             </a:r>
             <a:r>
-              <a:rPr kumimoji="1" lang="ja-JP" altLang="en-US" smtClean="0"/>
+              <a:rPr kumimoji="1" lang="ja-JP" altLang="en-US"/>
               <a:t>レベル</a:t>
             </a:r>
           </a:p>
           <a:p>
             <a:pPr lvl="3"/>
             <a:r>
-              <a:rPr kumimoji="1" lang="ja-JP" altLang="en-US" smtClean="0"/>
+              <a:rPr kumimoji="1" lang="ja-JP" altLang="en-US"/>
               <a:t>第 </a:t>
             </a:r>
             <a:r>
-              <a:rPr kumimoji="1" lang="en-US" altLang="ja-JP" smtClean="0"/>
+              <a:rPr kumimoji="1" lang="en-US" altLang="ja-JP"/>
               <a:t>4 </a:t>
             </a:r>
             <a:r>
-              <a:rPr kumimoji="1" lang="ja-JP" altLang="en-US" smtClean="0"/>
+              <a:rPr kumimoji="1" lang="ja-JP" altLang="en-US"/>
               <a:t>レベル</a:t>
             </a:r>
           </a:p>
           <a:p>
             <a:pPr lvl="4"/>
             <a:r>
-              <a:rPr kumimoji="1" lang="ja-JP" altLang="en-US" smtClean="0"/>
+              <a:rPr kumimoji="1" lang="ja-JP" altLang="en-US"/>
               <a:t>第 </a:t>
             </a:r>
             <a:r>
-              <a:rPr kumimoji="1" lang="en-US" altLang="ja-JP" smtClean="0"/>
+              <a:rPr kumimoji="1" lang="en-US" altLang="ja-JP"/>
               <a:t>5 </a:t>
             </a:r>
             <a:r>
-              <a:rPr kumimoji="1" lang="ja-JP" altLang="en-US" smtClean="0"/>
+              <a:rPr kumimoji="1" lang="ja-JP" altLang="en-US"/>
               <a:t>レベル</a:t>
             </a:r>
-            <a:endParaRPr kumimoji="1" lang="ja-JP" altLang="en-US"/>
           </a:p>
         </p:txBody>
       </p:sp>
@@ -1407,7 +1394,7 @@
           <a:p>
             <a:fld id="{2ADFB569-902F-4943-A830-6EF2971111E1}" type="datetimeFigureOut">
               <a:rPr kumimoji="1" lang="ja-JP" altLang="en-US" smtClean="0"/>
-              <a:t>2017/10/12</a:t>
+              <a:t>2017/10/18</a:t>
             </a:fld>
             <a:endParaRPr kumimoji="1" lang="ja-JP" altLang="en-US"/>
           </a:p>
@@ -1465,14 +1452,6 @@
   <p:clrMapOvr>
     <a:masterClrMapping/>
   </p:clrMapOvr>
-  <mc:AlternateContent xmlns:mc="http://schemas.openxmlformats.org/markup-compatibility/2006" xmlns:p14="http://schemas.microsoft.com/office/powerpoint/2010/main">
-    <mc:Choice Requires="p14">
-      <p:transition p14:dur="0"/>
-    </mc:Choice>
-    <mc:Fallback xmlns="">
-      <p:transition/>
-    </mc:Fallback>
-  </mc:AlternateContent>
 </p:sldLayout>
 </file>
 
@@ -1518,10 +1497,9 @@
           </a:lstStyle>
           <a:p>
             <a:r>
-              <a:rPr kumimoji="1" lang="ja-JP" altLang="en-US" smtClean="0"/>
+              <a:rPr kumimoji="1" lang="ja-JP" altLang="en-US"/>
               <a:t>マスター タイトルの書式設定</a:t>
             </a:r>
-            <a:endParaRPr kumimoji="1" lang="ja-JP" altLang="en-US"/>
           </a:p>
         </p:txBody>
       </p:sp>
@@ -1638,7 +1616,7 @@
           <a:p>
             <a:pPr lvl="0"/>
             <a:r>
-              <a:rPr kumimoji="1" lang="ja-JP" altLang="en-US" smtClean="0"/>
+              <a:rPr kumimoji="1" lang="ja-JP" altLang="en-US"/>
               <a:t>マスター テキストの書式設定</a:t>
             </a:r>
           </a:p>
@@ -1661,7 +1639,7 @@
           <a:p>
             <a:fld id="{2ADFB569-902F-4943-A830-6EF2971111E1}" type="datetimeFigureOut">
               <a:rPr kumimoji="1" lang="ja-JP" altLang="en-US" smtClean="0"/>
-              <a:t>2017/10/12</a:t>
+              <a:t>2017/10/18</a:t>
             </a:fld>
             <a:endParaRPr kumimoji="1" lang="ja-JP" altLang="en-US"/>
           </a:p>
@@ -1719,14 +1697,6 @@
   <p:clrMapOvr>
     <a:masterClrMapping/>
   </p:clrMapOvr>
-  <mc:AlternateContent xmlns:mc="http://schemas.openxmlformats.org/markup-compatibility/2006" xmlns:p14="http://schemas.microsoft.com/office/powerpoint/2010/main">
-    <mc:Choice Requires="p14">
-      <p:transition p14:dur="0"/>
-    </mc:Choice>
-    <mc:Fallback xmlns="">
-      <p:transition/>
-    </mc:Fallback>
-  </mc:AlternateContent>
 </p:sldLayout>
 </file>
 
@@ -1763,10 +1733,9 @@
           <a:lstStyle/>
           <a:p>
             <a:r>
-              <a:rPr kumimoji="1" lang="ja-JP" altLang="en-US" smtClean="0"/>
+              <a:rPr kumimoji="1" lang="ja-JP" altLang="en-US"/>
               <a:t>マスター タイトルの書式設定</a:t>
             </a:r>
-            <a:endParaRPr kumimoji="1" lang="ja-JP" altLang="en-US"/>
           </a:p>
         </p:txBody>
       </p:sp>
@@ -1820,70 +1789,69 @@
           <a:p>
             <a:pPr lvl="0"/>
             <a:r>
-              <a:rPr kumimoji="1" lang="ja-JP" altLang="en-US" smtClean="0"/>
+              <a:rPr kumimoji="1" lang="ja-JP" altLang="en-US"/>
               <a:t>マスター テキストの書式設定</a:t>
             </a:r>
           </a:p>
           <a:p>
             <a:pPr lvl="1"/>
             <a:r>
-              <a:rPr kumimoji="1" lang="ja-JP" altLang="en-US" smtClean="0"/>
+              <a:rPr kumimoji="1" lang="ja-JP" altLang="en-US"/>
               <a:t>第 </a:t>
             </a:r>
             <a:r>
-              <a:rPr kumimoji="1" lang="en-US" altLang="ja-JP" smtClean="0"/>
+              <a:rPr kumimoji="1" lang="en-US" altLang="ja-JP"/>
               <a:t>2 </a:t>
             </a:r>
             <a:r>
-              <a:rPr kumimoji="1" lang="ja-JP" altLang="en-US" smtClean="0"/>
+              <a:rPr kumimoji="1" lang="ja-JP" altLang="en-US"/>
               <a:t>レベル</a:t>
             </a:r>
           </a:p>
           <a:p>
             <a:pPr lvl="2"/>
             <a:r>
-              <a:rPr kumimoji="1" lang="ja-JP" altLang="en-US" smtClean="0"/>
+              <a:rPr kumimoji="1" lang="ja-JP" altLang="en-US"/>
               <a:t>第 </a:t>
             </a:r>
             <a:r>
-              <a:rPr kumimoji="1" lang="en-US" altLang="ja-JP" smtClean="0"/>
+              <a:rPr kumimoji="1" lang="en-US" altLang="ja-JP"/>
               <a:t>3 </a:t>
             </a:r>
             <a:r>
-              <a:rPr kumimoji="1" lang="ja-JP" altLang="en-US" smtClean="0"/>
+              <a:rPr kumimoji="1" lang="ja-JP" altLang="en-US"/>
               <a:t>レベル</a:t>
             </a:r>
           </a:p>
           <a:p>
             <a:pPr lvl="3"/>
             <a:r>
-              <a:rPr kumimoji="1" lang="ja-JP" altLang="en-US" smtClean="0"/>
+              <a:rPr kumimoji="1" lang="ja-JP" altLang="en-US"/>
               <a:t>第 </a:t>
             </a:r>
             <a:r>
-              <a:rPr kumimoji="1" lang="en-US" altLang="ja-JP" smtClean="0"/>
+              <a:rPr kumimoji="1" lang="en-US" altLang="ja-JP"/>
               <a:t>4 </a:t>
             </a:r>
             <a:r>
-              <a:rPr kumimoji="1" lang="ja-JP" altLang="en-US" smtClean="0"/>
+              <a:rPr kumimoji="1" lang="ja-JP" altLang="en-US"/>
               <a:t>レベル</a:t>
             </a:r>
           </a:p>
           <a:p>
             <a:pPr lvl="4"/>
             <a:r>
-              <a:rPr kumimoji="1" lang="ja-JP" altLang="en-US" smtClean="0"/>
+              <a:rPr kumimoji="1" lang="ja-JP" altLang="en-US"/>
               <a:t>第 </a:t>
             </a:r>
             <a:r>
-              <a:rPr kumimoji="1" lang="en-US" altLang="ja-JP" smtClean="0"/>
+              <a:rPr kumimoji="1" lang="en-US" altLang="ja-JP"/>
               <a:t>5 </a:t>
             </a:r>
             <a:r>
-              <a:rPr kumimoji="1" lang="ja-JP" altLang="en-US" smtClean="0"/>
+              <a:rPr kumimoji="1" lang="ja-JP" altLang="en-US"/>
               <a:t>レベル</a:t>
             </a:r>
-            <a:endParaRPr kumimoji="1" lang="ja-JP" altLang="en-US"/>
           </a:p>
         </p:txBody>
       </p:sp>
@@ -1937,70 +1905,69 @@
           <a:p>
             <a:pPr lvl="0"/>
             <a:r>
-              <a:rPr kumimoji="1" lang="ja-JP" altLang="en-US" smtClean="0"/>
+              <a:rPr kumimoji="1" lang="ja-JP" altLang="en-US"/>
               <a:t>マスター テキストの書式設定</a:t>
             </a:r>
           </a:p>
           <a:p>
             <a:pPr lvl="1"/>
             <a:r>
-              <a:rPr kumimoji="1" lang="ja-JP" altLang="en-US" smtClean="0"/>
+              <a:rPr kumimoji="1" lang="ja-JP" altLang="en-US"/>
               <a:t>第 </a:t>
             </a:r>
             <a:r>
-              <a:rPr kumimoji="1" lang="en-US" altLang="ja-JP" smtClean="0"/>
+              <a:rPr kumimoji="1" lang="en-US" altLang="ja-JP"/>
               <a:t>2 </a:t>
             </a:r>
             <a:r>
-              <a:rPr kumimoji="1" lang="ja-JP" altLang="en-US" smtClean="0"/>
+              <a:rPr kumimoji="1" lang="ja-JP" altLang="en-US"/>
               <a:t>レベル</a:t>
             </a:r>
           </a:p>
           <a:p>
             <a:pPr lvl="2"/>
             <a:r>
-              <a:rPr kumimoji="1" lang="ja-JP" altLang="en-US" smtClean="0"/>
+              <a:rPr kumimoji="1" lang="ja-JP" altLang="en-US"/>
               <a:t>第 </a:t>
             </a:r>
             <a:r>
-              <a:rPr kumimoji="1" lang="en-US" altLang="ja-JP" smtClean="0"/>
+              <a:rPr kumimoji="1" lang="en-US" altLang="ja-JP"/>
               <a:t>3 </a:t>
             </a:r>
             <a:r>
-              <a:rPr kumimoji="1" lang="ja-JP" altLang="en-US" smtClean="0"/>
+              <a:rPr kumimoji="1" lang="ja-JP" altLang="en-US"/>
               <a:t>レベル</a:t>
             </a:r>
           </a:p>
           <a:p>
             <a:pPr lvl="3"/>
             <a:r>
-              <a:rPr kumimoji="1" lang="ja-JP" altLang="en-US" smtClean="0"/>
+              <a:rPr kumimoji="1" lang="ja-JP" altLang="en-US"/>
               <a:t>第 </a:t>
             </a:r>
             <a:r>
-              <a:rPr kumimoji="1" lang="en-US" altLang="ja-JP" smtClean="0"/>
+              <a:rPr kumimoji="1" lang="en-US" altLang="ja-JP"/>
               <a:t>4 </a:t>
             </a:r>
             <a:r>
-              <a:rPr kumimoji="1" lang="ja-JP" altLang="en-US" smtClean="0"/>
+              <a:rPr kumimoji="1" lang="ja-JP" altLang="en-US"/>
               <a:t>レベル</a:t>
             </a:r>
           </a:p>
           <a:p>
             <a:pPr lvl="4"/>
             <a:r>
-              <a:rPr kumimoji="1" lang="ja-JP" altLang="en-US" smtClean="0"/>
+              <a:rPr kumimoji="1" lang="ja-JP" altLang="en-US"/>
               <a:t>第 </a:t>
             </a:r>
             <a:r>
-              <a:rPr kumimoji="1" lang="en-US" altLang="ja-JP" smtClean="0"/>
+              <a:rPr kumimoji="1" lang="en-US" altLang="ja-JP"/>
               <a:t>5 </a:t>
             </a:r>
             <a:r>
-              <a:rPr kumimoji="1" lang="ja-JP" altLang="en-US" smtClean="0"/>
+              <a:rPr kumimoji="1" lang="ja-JP" altLang="en-US"/>
               <a:t>レベル</a:t>
             </a:r>
-            <a:endParaRPr kumimoji="1" lang="ja-JP" altLang="en-US"/>
           </a:p>
         </p:txBody>
       </p:sp>
@@ -2021,7 +1988,7 @@
           <a:p>
             <a:fld id="{2ADFB569-902F-4943-A830-6EF2971111E1}" type="datetimeFigureOut">
               <a:rPr kumimoji="1" lang="ja-JP" altLang="en-US" smtClean="0"/>
-              <a:t>2017/10/12</a:t>
+              <a:t>2017/10/18</a:t>
             </a:fld>
             <a:endParaRPr kumimoji="1" lang="ja-JP" altLang="en-US"/>
           </a:p>
@@ -2079,14 +2046,6 @@
   <p:clrMapOvr>
     <a:masterClrMapping/>
   </p:clrMapOvr>
-  <mc:AlternateContent xmlns:mc="http://schemas.openxmlformats.org/markup-compatibility/2006" xmlns:p14="http://schemas.microsoft.com/office/powerpoint/2010/main">
-    <mc:Choice Requires="p14">
-      <p:transition p14:dur="0"/>
-    </mc:Choice>
-    <mc:Fallback xmlns="">
-      <p:transition/>
-    </mc:Fallback>
-  </mc:AlternateContent>
 </p:sldLayout>
 </file>
 
@@ -2127,10 +2086,9 @@
           </a:lstStyle>
           <a:p>
             <a:r>
-              <a:rPr kumimoji="1" lang="ja-JP" altLang="en-US" smtClean="0"/>
+              <a:rPr kumimoji="1" lang="ja-JP" altLang="en-US"/>
               <a:t>マスター タイトルの書式設定</a:t>
             </a:r>
-            <a:endParaRPr kumimoji="1" lang="ja-JP" altLang="en-US"/>
           </a:p>
         </p:txBody>
       </p:sp>
@@ -2193,7 +2151,7 @@
           <a:p>
             <a:pPr lvl="0"/>
             <a:r>
-              <a:rPr kumimoji="1" lang="ja-JP" altLang="en-US" smtClean="0"/>
+              <a:rPr kumimoji="1" lang="ja-JP" altLang="en-US"/>
               <a:t>マスター テキストの書式設定</a:t>
             </a:r>
           </a:p>
@@ -2249,70 +2207,69 @@
           <a:p>
             <a:pPr lvl="0"/>
             <a:r>
-              <a:rPr kumimoji="1" lang="ja-JP" altLang="en-US" smtClean="0"/>
+              <a:rPr kumimoji="1" lang="ja-JP" altLang="en-US"/>
               <a:t>マスター テキストの書式設定</a:t>
             </a:r>
           </a:p>
           <a:p>
             <a:pPr lvl="1"/>
             <a:r>
-              <a:rPr kumimoji="1" lang="ja-JP" altLang="en-US" smtClean="0"/>
+              <a:rPr kumimoji="1" lang="ja-JP" altLang="en-US"/>
               <a:t>第 </a:t>
             </a:r>
             <a:r>
-              <a:rPr kumimoji="1" lang="en-US" altLang="ja-JP" smtClean="0"/>
+              <a:rPr kumimoji="1" lang="en-US" altLang="ja-JP"/>
               <a:t>2 </a:t>
             </a:r>
             <a:r>
-              <a:rPr kumimoji="1" lang="ja-JP" altLang="en-US" smtClean="0"/>
+              <a:rPr kumimoji="1" lang="ja-JP" altLang="en-US"/>
               <a:t>レベル</a:t>
             </a:r>
           </a:p>
           <a:p>
             <a:pPr lvl="2"/>
             <a:r>
-              <a:rPr kumimoji="1" lang="ja-JP" altLang="en-US" smtClean="0"/>
+              <a:rPr kumimoji="1" lang="ja-JP" altLang="en-US"/>
               <a:t>第 </a:t>
             </a:r>
             <a:r>
-              <a:rPr kumimoji="1" lang="en-US" altLang="ja-JP" smtClean="0"/>
+              <a:rPr kumimoji="1" lang="en-US" altLang="ja-JP"/>
               <a:t>3 </a:t>
             </a:r>
             <a:r>
-              <a:rPr kumimoji="1" lang="ja-JP" altLang="en-US" smtClean="0"/>
+              <a:rPr kumimoji="1" lang="ja-JP" altLang="en-US"/>
               <a:t>レベル</a:t>
             </a:r>
           </a:p>
           <a:p>
             <a:pPr lvl="3"/>
             <a:r>
-              <a:rPr kumimoji="1" lang="ja-JP" altLang="en-US" smtClean="0"/>
+              <a:rPr kumimoji="1" lang="ja-JP" altLang="en-US"/>
               <a:t>第 </a:t>
             </a:r>
             <a:r>
-              <a:rPr kumimoji="1" lang="en-US" altLang="ja-JP" smtClean="0"/>
+              <a:rPr kumimoji="1" lang="en-US" altLang="ja-JP"/>
               <a:t>4 </a:t>
             </a:r>
             <a:r>
-              <a:rPr kumimoji="1" lang="ja-JP" altLang="en-US" smtClean="0"/>
+              <a:rPr kumimoji="1" lang="ja-JP" altLang="en-US"/>
               <a:t>レベル</a:t>
             </a:r>
           </a:p>
           <a:p>
             <a:pPr lvl="4"/>
             <a:r>
-              <a:rPr kumimoji="1" lang="ja-JP" altLang="en-US" smtClean="0"/>
+              <a:rPr kumimoji="1" lang="ja-JP" altLang="en-US"/>
               <a:t>第 </a:t>
             </a:r>
             <a:r>
-              <a:rPr kumimoji="1" lang="en-US" altLang="ja-JP" smtClean="0"/>
+              <a:rPr kumimoji="1" lang="en-US" altLang="ja-JP"/>
               <a:t>5 </a:t>
             </a:r>
             <a:r>
-              <a:rPr kumimoji="1" lang="ja-JP" altLang="en-US" smtClean="0"/>
+              <a:rPr kumimoji="1" lang="ja-JP" altLang="en-US"/>
               <a:t>レベル</a:t>
             </a:r>
-            <a:endParaRPr kumimoji="1" lang="ja-JP" altLang="en-US"/>
           </a:p>
         </p:txBody>
       </p:sp>
@@ -2375,7 +2332,7 @@
           <a:p>
             <a:pPr lvl="0"/>
             <a:r>
-              <a:rPr kumimoji="1" lang="ja-JP" altLang="en-US" smtClean="0"/>
+              <a:rPr kumimoji="1" lang="ja-JP" altLang="en-US"/>
               <a:t>マスター テキストの書式設定</a:t>
             </a:r>
           </a:p>
@@ -2431,70 +2388,69 @@
           <a:p>
             <a:pPr lvl="0"/>
             <a:r>
-              <a:rPr kumimoji="1" lang="ja-JP" altLang="en-US" smtClean="0"/>
+              <a:rPr kumimoji="1" lang="ja-JP" altLang="en-US"/>
               <a:t>マスター テキストの書式設定</a:t>
             </a:r>
           </a:p>
           <a:p>
             <a:pPr lvl="1"/>
             <a:r>
-              <a:rPr kumimoji="1" lang="ja-JP" altLang="en-US" smtClean="0"/>
+              <a:rPr kumimoji="1" lang="ja-JP" altLang="en-US"/>
               <a:t>第 </a:t>
             </a:r>
             <a:r>
-              <a:rPr kumimoji="1" lang="en-US" altLang="ja-JP" smtClean="0"/>
+              <a:rPr kumimoji="1" lang="en-US" altLang="ja-JP"/>
               <a:t>2 </a:t>
             </a:r>
             <a:r>
-              <a:rPr kumimoji="1" lang="ja-JP" altLang="en-US" smtClean="0"/>
+              <a:rPr kumimoji="1" lang="ja-JP" altLang="en-US"/>
               <a:t>レベル</a:t>
             </a:r>
           </a:p>
           <a:p>
             <a:pPr lvl="2"/>
             <a:r>
-              <a:rPr kumimoji="1" lang="ja-JP" altLang="en-US" smtClean="0"/>
+              <a:rPr kumimoji="1" lang="ja-JP" altLang="en-US"/>
               <a:t>第 </a:t>
             </a:r>
             <a:r>
-              <a:rPr kumimoji="1" lang="en-US" altLang="ja-JP" smtClean="0"/>
+              <a:rPr kumimoji="1" lang="en-US" altLang="ja-JP"/>
               <a:t>3 </a:t>
             </a:r>
             <a:r>
-              <a:rPr kumimoji="1" lang="ja-JP" altLang="en-US" smtClean="0"/>
+              <a:rPr kumimoji="1" lang="ja-JP" altLang="en-US"/>
               <a:t>レベル</a:t>
             </a:r>
           </a:p>
           <a:p>
             <a:pPr lvl="3"/>
             <a:r>
-              <a:rPr kumimoji="1" lang="ja-JP" altLang="en-US" smtClean="0"/>
+              <a:rPr kumimoji="1" lang="ja-JP" altLang="en-US"/>
               <a:t>第 </a:t>
             </a:r>
             <a:r>
-              <a:rPr kumimoji="1" lang="en-US" altLang="ja-JP" smtClean="0"/>
+              <a:rPr kumimoji="1" lang="en-US" altLang="ja-JP"/>
               <a:t>4 </a:t>
             </a:r>
             <a:r>
-              <a:rPr kumimoji="1" lang="ja-JP" altLang="en-US" smtClean="0"/>
+              <a:rPr kumimoji="1" lang="ja-JP" altLang="en-US"/>
               <a:t>レベル</a:t>
             </a:r>
           </a:p>
           <a:p>
             <a:pPr lvl="4"/>
             <a:r>
-              <a:rPr kumimoji="1" lang="ja-JP" altLang="en-US" smtClean="0"/>
+              <a:rPr kumimoji="1" lang="ja-JP" altLang="en-US"/>
               <a:t>第 </a:t>
             </a:r>
             <a:r>
-              <a:rPr kumimoji="1" lang="en-US" altLang="ja-JP" smtClean="0"/>
+              <a:rPr kumimoji="1" lang="en-US" altLang="ja-JP"/>
               <a:t>5 </a:t>
             </a:r>
             <a:r>
-              <a:rPr kumimoji="1" lang="ja-JP" altLang="en-US" smtClean="0"/>
+              <a:rPr kumimoji="1" lang="ja-JP" altLang="en-US"/>
               <a:t>レベル</a:t>
             </a:r>
-            <a:endParaRPr kumimoji="1" lang="ja-JP" altLang="en-US"/>
           </a:p>
         </p:txBody>
       </p:sp>
@@ -2515,7 +2471,7 @@
           <a:p>
             <a:fld id="{2ADFB569-902F-4943-A830-6EF2971111E1}" type="datetimeFigureOut">
               <a:rPr kumimoji="1" lang="ja-JP" altLang="en-US" smtClean="0"/>
-              <a:t>2017/10/12</a:t>
+              <a:t>2017/10/18</a:t>
             </a:fld>
             <a:endParaRPr kumimoji="1" lang="ja-JP" altLang="en-US"/>
           </a:p>
@@ -2573,14 +2529,6 @@
   <p:clrMapOvr>
     <a:masterClrMapping/>
   </p:clrMapOvr>
-  <mc:AlternateContent xmlns:mc="http://schemas.openxmlformats.org/markup-compatibility/2006" xmlns:p14="http://schemas.microsoft.com/office/powerpoint/2010/main">
-    <mc:Choice Requires="p14">
-      <p:transition p14:dur="0"/>
-    </mc:Choice>
-    <mc:Fallback xmlns="">
-      <p:transition/>
-    </mc:Fallback>
-  </mc:AlternateContent>
 </p:sldLayout>
 </file>
 
@@ -2617,10 +2565,9 @@
           <a:lstStyle/>
           <a:p>
             <a:r>
-              <a:rPr kumimoji="1" lang="ja-JP" altLang="en-US" smtClean="0"/>
+              <a:rPr kumimoji="1" lang="ja-JP" altLang="en-US"/>
               <a:t>マスター タイトルの書式設定</a:t>
             </a:r>
-            <a:endParaRPr kumimoji="1" lang="ja-JP" altLang="en-US"/>
           </a:p>
         </p:txBody>
       </p:sp>
@@ -2641,7 +2588,7 @@
           <a:p>
             <a:fld id="{2ADFB569-902F-4943-A830-6EF2971111E1}" type="datetimeFigureOut">
               <a:rPr kumimoji="1" lang="ja-JP" altLang="en-US" smtClean="0"/>
-              <a:t>2017/10/12</a:t>
+              <a:t>2017/10/18</a:t>
             </a:fld>
             <a:endParaRPr kumimoji="1" lang="ja-JP" altLang="en-US"/>
           </a:p>
@@ -2699,14 +2646,6 @@
   <p:clrMapOvr>
     <a:masterClrMapping/>
   </p:clrMapOvr>
-  <mc:AlternateContent xmlns:mc="http://schemas.openxmlformats.org/markup-compatibility/2006" xmlns:p14="http://schemas.microsoft.com/office/powerpoint/2010/main">
-    <mc:Choice Requires="p14">
-      <p:transition p14:dur="0"/>
-    </mc:Choice>
-    <mc:Fallback xmlns="">
-      <p:transition/>
-    </mc:Fallback>
-  </mc:AlternateContent>
 </p:sldLayout>
 </file>
 
@@ -2744,7 +2683,7 @@
           <a:p>
             <a:fld id="{2ADFB569-902F-4943-A830-6EF2971111E1}" type="datetimeFigureOut">
               <a:rPr kumimoji="1" lang="ja-JP" altLang="en-US" smtClean="0"/>
-              <a:t>2017/10/12</a:t>
+              <a:t>2017/10/18</a:t>
             </a:fld>
             <a:endParaRPr kumimoji="1" lang="ja-JP" altLang="en-US"/>
           </a:p>
@@ -2802,14 +2741,6 @@
   <p:clrMapOvr>
     <a:masterClrMapping/>
   </p:clrMapOvr>
-  <mc:AlternateContent xmlns:mc="http://schemas.openxmlformats.org/markup-compatibility/2006" xmlns:p14="http://schemas.microsoft.com/office/powerpoint/2010/main">
-    <mc:Choice Requires="p14">
-      <p:transition p14:dur="0"/>
-    </mc:Choice>
-    <mc:Fallback xmlns="">
-      <p:transition/>
-    </mc:Fallback>
-  </mc:AlternateContent>
 </p:sldLayout>
 </file>
 
@@ -2855,10 +2786,9 @@
           </a:lstStyle>
           <a:p>
             <a:r>
-              <a:rPr kumimoji="1" lang="ja-JP" altLang="en-US" smtClean="0"/>
+              <a:rPr kumimoji="1" lang="ja-JP" altLang="en-US"/>
               <a:t>マスター タイトルの書式設定</a:t>
             </a:r>
-            <a:endParaRPr kumimoji="1" lang="ja-JP" altLang="en-US"/>
           </a:p>
         </p:txBody>
       </p:sp>
@@ -2912,70 +2842,69 @@
           <a:p>
             <a:pPr lvl="0"/>
             <a:r>
-              <a:rPr kumimoji="1" lang="ja-JP" altLang="en-US" smtClean="0"/>
+              <a:rPr kumimoji="1" lang="ja-JP" altLang="en-US"/>
               <a:t>マスター テキストの書式設定</a:t>
             </a:r>
           </a:p>
           <a:p>
             <a:pPr lvl="1"/>
             <a:r>
-              <a:rPr kumimoji="1" lang="ja-JP" altLang="en-US" smtClean="0"/>
+              <a:rPr kumimoji="1" lang="ja-JP" altLang="en-US"/>
               <a:t>第 </a:t>
             </a:r>
             <a:r>
-              <a:rPr kumimoji="1" lang="en-US" altLang="ja-JP" smtClean="0"/>
+              <a:rPr kumimoji="1" lang="en-US" altLang="ja-JP"/>
               <a:t>2 </a:t>
             </a:r>
             <a:r>
-              <a:rPr kumimoji="1" lang="ja-JP" altLang="en-US" smtClean="0"/>
+              <a:rPr kumimoji="1" lang="ja-JP" altLang="en-US"/>
               <a:t>レベル</a:t>
             </a:r>
           </a:p>
           <a:p>
             <a:pPr lvl="2"/>
             <a:r>
-              <a:rPr kumimoji="1" lang="ja-JP" altLang="en-US" smtClean="0"/>
+              <a:rPr kumimoji="1" lang="ja-JP" altLang="en-US"/>
               <a:t>第 </a:t>
             </a:r>
             <a:r>
-              <a:rPr kumimoji="1" lang="en-US" altLang="ja-JP" smtClean="0"/>
+              <a:rPr kumimoji="1" lang="en-US" altLang="ja-JP"/>
               <a:t>3 </a:t>
             </a:r>
             <a:r>
-              <a:rPr kumimoji="1" lang="ja-JP" altLang="en-US" smtClean="0"/>
+              <a:rPr kumimoji="1" lang="ja-JP" altLang="en-US"/>
               <a:t>レベル</a:t>
             </a:r>
           </a:p>
           <a:p>
             <a:pPr lvl="3"/>
             <a:r>
-              <a:rPr kumimoji="1" lang="ja-JP" altLang="en-US" smtClean="0"/>
+              <a:rPr kumimoji="1" lang="ja-JP" altLang="en-US"/>
               <a:t>第 </a:t>
             </a:r>
             <a:r>
-              <a:rPr kumimoji="1" lang="en-US" altLang="ja-JP" smtClean="0"/>
+              <a:rPr kumimoji="1" lang="en-US" altLang="ja-JP"/>
               <a:t>4 </a:t>
             </a:r>
             <a:r>
-              <a:rPr kumimoji="1" lang="ja-JP" altLang="en-US" smtClean="0"/>
+              <a:rPr kumimoji="1" lang="ja-JP" altLang="en-US"/>
               <a:t>レベル</a:t>
             </a:r>
           </a:p>
           <a:p>
             <a:pPr lvl="4"/>
             <a:r>
-              <a:rPr kumimoji="1" lang="ja-JP" altLang="en-US" smtClean="0"/>
+              <a:rPr kumimoji="1" lang="ja-JP" altLang="en-US"/>
               <a:t>第 </a:t>
             </a:r>
             <a:r>
-              <a:rPr kumimoji="1" lang="en-US" altLang="ja-JP" smtClean="0"/>
+              <a:rPr kumimoji="1" lang="en-US" altLang="ja-JP"/>
               <a:t>5 </a:t>
             </a:r>
             <a:r>
-              <a:rPr kumimoji="1" lang="ja-JP" altLang="en-US" smtClean="0"/>
+              <a:rPr kumimoji="1" lang="ja-JP" altLang="en-US"/>
               <a:t>レベル</a:t>
             </a:r>
-            <a:endParaRPr kumimoji="1" lang="ja-JP" altLang="en-US"/>
           </a:p>
         </p:txBody>
       </p:sp>
@@ -3038,7 +2967,7 @@
           <a:p>
             <a:pPr lvl="0"/>
             <a:r>
-              <a:rPr kumimoji="1" lang="ja-JP" altLang="en-US" smtClean="0"/>
+              <a:rPr kumimoji="1" lang="ja-JP" altLang="en-US"/>
               <a:t>マスター テキストの書式設定</a:t>
             </a:r>
           </a:p>
@@ -3061,7 +2990,7 @@
           <a:p>
             <a:fld id="{2ADFB569-902F-4943-A830-6EF2971111E1}" type="datetimeFigureOut">
               <a:rPr kumimoji="1" lang="ja-JP" altLang="en-US" smtClean="0"/>
-              <a:t>2017/10/12</a:t>
+              <a:t>2017/10/18</a:t>
             </a:fld>
             <a:endParaRPr kumimoji="1" lang="ja-JP" altLang="en-US"/>
           </a:p>
@@ -3119,14 +3048,6 @@
   <p:clrMapOvr>
     <a:masterClrMapping/>
   </p:clrMapOvr>
-  <mc:AlternateContent xmlns:mc="http://schemas.openxmlformats.org/markup-compatibility/2006" xmlns:p14="http://schemas.microsoft.com/office/powerpoint/2010/main">
-    <mc:Choice Requires="p14">
-      <p:transition p14:dur="0"/>
-    </mc:Choice>
-    <mc:Fallback xmlns="">
-      <p:transition/>
-    </mc:Fallback>
-  </mc:AlternateContent>
 </p:sldLayout>
 </file>
 
@@ -3172,10 +3093,9 @@
           </a:lstStyle>
           <a:p>
             <a:r>
-              <a:rPr kumimoji="1" lang="ja-JP" altLang="en-US" smtClean="0"/>
+              <a:rPr kumimoji="1" lang="ja-JP" altLang="en-US"/>
               <a:t>マスター タイトルの書式設定</a:t>
             </a:r>
-            <a:endParaRPr kumimoji="1" lang="ja-JP" altLang="en-US"/>
           </a:p>
         </p:txBody>
       </p:sp>
@@ -3299,7 +3219,7 @@
           <a:p>
             <a:pPr lvl="0"/>
             <a:r>
-              <a:rPr kumimoji="1" lang="ja-JP" altLang="en-US" smtClean="0"/>
+              <a:rPr kumimoji="1" lang="ja-JP" altLang="en-US"/>
               <a:t>マスター テキストの書式設定</a:t>
             </a:r>
           </a:p>
@@ -3322,7 +3242,7 @@
           <a:p>
             <a:fld id="{2ADFB569-902F-4943-A830-6EF2971111E1}" type="datetimeFigureOut">
               <a:rPr kumimoji="1" lang="ja-JP" altLang="en-US" smtClean="0"/>
-              <a:t>2017/10/12</a:t>
+              <a:t>2017/10/18</a:t>
             </a:fld>
             <a:endParaRPr kumimoji="1" lang="ja-JP" altLang="en-US"/>
           </a:p>
@@ -3380,14 +3300,6 @@
   <p:clrMapOvr>
     <a:masterClrMapping/>
   </p:clrMapOvr>
-  <mc:AlternateContent xmlns:mc="http://schemas.openxmlformats.org/markup-compatibility/2006" xmlns:p14="http://schemas.microsoft.com/office/powerpoint/2010/main">
-    <mc:Choice Requires="p14">
-      <p:transition p14:dur="0"/>
-    </mc:Choice>
-    <mc:Fallback xmlns="">
-      <p:transition/>
-    </mc:Fallback>
-  </mc:AlternateContent>
 </p:sldLayout>
 </file>
 
@@ -3439,10 +3351,9 @@
           <a:lstStyle/>
           <a:p>
             <a:r>
-              <a:rPr kumimoji="1" lang="ja-JP" altLang="en-US" smtClean="0"/>
+              <a:rPr kumimoji="1" lang="ja-JP" altLang="en-US"/>
               <a:t>マスター タイトルの書式設定</a:t>
             </a:r>
-            <a:endParaRPr kumimoji="1" lang="ja-JP" altLang="en-US"/>
           </a:p>
         </p:txBody>
       </p:sp>
@@ -3473,70 +3384,69 @@
           <a:p>
             <a:pPr lvl="0"/>
             <a:r>
-              <a:rPr kumimoji="1" lang="ja-JP" altLang="en-US" smtClean="0"/>
+              <a:rPr kumimoji="1" lang="ja-JP" altLang="en-US"/>
               <a:t>マスター テキストの書式設定</a:t>
             </a:r>
           </a:p>
           <a:p>
             <a:pPr lvl="1"/>
             <a:r>
-              <a:rPr kumimoji="1" lang="ja-JP" altLang="en-US" smtClean="0"/>
+              <a:rPr kumimoji="1" lang="ja-JP" altLang="en-US"/>
               <a:t>第 </a:t>
             </a:r>
             <a:r>
-              <a:rPr kumimoji="1" lang="en-US" altLang="ja-JP" smtClean="0"/>
+              <a:rPr kumimoji="1" lang="en-US" altLang="ja-JP"/>
               <a:t>2 </a:t>
             </a:r>
             <a:r>
-              <a:rPr kumimoji="1" lang="ja-JP" altLang="en-US" smtClean="0"/>
+              <a:rPr kumimoji="1" lang="ja-JP" altLang="en-US"/>
               <a:t>レベル</a:t>
             </a:r>
           </a:p>
           <a:p>
             <a:pPr lvl="2"/>
             <a:r>
-              <a:rPr kumimoji="1" lang="ja-JP" altLang="en-US" smtClean="0"/>
+              <a:rPr kumimoji="1" lang="ja-JP" altLang="en-US"/>
               <a:t>第 </a:t>
             </a:r>
             <a:r>
-              <a:rPr kumimoji="1" lang="en-US" altLang="ja-JP" smtClean="0"/>
+              <a:rPr kumimoji="1" lang="en-US" altLang="ja-JP"/>
               <a:t>3 </a:t>
             </a:r>
             <a:r>
-              <a:rPr kumimoji="1" lang="ja-JP" altLang="en-US" smtClean="0"/>
+              <a:rPr kumimoji="1" lang="ja-JP" altLang="en-US"/>
               <a:t>レベル</a:t>
             </a:r>
           </a:p>
           <a:p>
             <a:pPr lvl="3"/>
             <a:r>
-              <a:rPr kumimoji="1" lang="ja-JP" altLang="en-US" smtClean="0"/>
+              <a:rPr kumimoji="1" lang="ja-JP" altLang="en-US"/>
               <a:t>第 </a:t>
             </a:r>
             <a:r>
-              <a:rPr kumimoji="1" lang="en-US" altLang="ja-JP" smtClean="0"/>
+              <a:rPr kumimoji="1" lang="en-US" altLang="ja-JP"/>
               <a:t>4 </a:t>
             </a:r>
             <a:r>
-              <a:rPr kumimoji="1" lang="ja-JP" altLang="en-US" smtClean="0"/>
+              <a:rPr kumimoji="1" lang="ja-JP" altLang="en-US"/>
               <a:t>レベル</a:t>
             </a:r>
           </a:p>
           <a:p>
             <a:pPr lvl="4"/>
             <a:r>
-              <a:rPr kumimoji="1" lang="ja-JP" altLang="en-US" smtClean="0"/>
+              <a:rPr kumimoji="1" lang="ja-JP" altLang="en-US"/>
               <a:t>第 </a:t>
             </a:r>
             <a:r>
-              <a:rPr kumimoji="1" lang="en-US" altLang="ja-JP" smtClean="0"/>
+              <a:rPr kumimoji="1" lang="en-US" altLang="ja-JP"/>
               <a:t>5 </a:t>
             </a:r>
             <a:r>
-              <a:rPr kumimoji="1" lang="ja-JP" altLang="en-US" smtClean="0"/>
+              <a:rPr kumimoji="1" lang="ja-JP" altLang="en-US"/>
               <a:t>レベル</a:t>
             </a:r>
-            <a:endParaRPr kumimoji="1" lang="ja-JP" altLang="en-US"/>
           </a:p>
         </p:txBody>
       </p:sp>
@@ -3575,7 +3485,7 @@
           <a:p>
             <a:fld id="{2ADFB569-902F-4943-A830-6EF2971111E1}" type="datetimeFigureOut">
               <a:rPr kumimoji="1" lang="ja-JP" altLang="en-US" smtClean="0"/>
-              <a:t>2017/10/12</a:t>
+              <a:t>2017/10/18</a:t>
             </a:fld>
             <a:endParaRPr kumimoji="1" lang="ja-JP" altLang="en-US"/>
           </a:p>
@@ -3680,14 +3590,6 @@
     <p:sldLayoutId id="2147483658" r:id="rId10"/>
     <p:sldLayoutId id="2147483659" r:id="rId11"/>
   </p:sldLayoutIdLst>
-  <mc:AlternateContent xmlns:mc="http://schemas.openxmlformats.org/markup-compatibility/2006" xmlns:p14="http://schemas.microsoft.com/office/powerpoint/2010/main">
-    <mc:Choice Requires="p14">
-      <p:transition p14:dur="0"/>
-    </mc:Choice>
-    <mc:Fallback xmlns="">
-      <p:transition/>
-    </mc:Fallback>
-  </mc:AlternateContent>
   <p:txStyles>
     <p:titleStyle>
       <a:lvl1pPr algn="ctr" defTabSz="914400" rtl="0" eaLnBrk="1" latinLnBrk="0" hangingPunct="1">
@@ -3979,15 +3881,11 @@
               <a:rPr lang="en-US" altLang="ja-JP" sz="7300" dirty="0" err="1"/>
               <a:t>Admise</a:t>
             </a:r>
-            <a:r>
-              <a:rPr lang="en-US" altLang="ja-JP" dirty="0"/>
-              <a:t/>
-            </a:r>
             <a:br>
               <a:rPr lang="en-US" altLang="ja-JP" dirty="0"/>
             </a:br>
             <a:r>
-              <a:rPr lang="ja-JP" altLang="en-US" sz="1800" dirty="0" smtClean="0"/>
+              <a:rPr lang="ja-JP" altLang="en-US" sz="1800" dirty="0"/>
               <a:t>アドミーズ</a:t>
             </a:r>
             <a:endParaRPr kumimoji="1" lang="ja-JP" altLang="en-US" dirty="0"/>
@@ -4011,7 +3909,7 @@
           <a:p>
             <a:pPr algn="r"/>
             <a:r>
-              <a:rPr kumimoji="1" lang="en-US" altLang="ja-JP" dirty="0" smtClean="0">
+              <a:rPr kumimoji="1" lang="en-US" altLang="ja-JP" dirty="0">
                 <a:solidFill>
                   <a:schemeClr val="tx1"/>
                 </a:solidFill>
@@ -4019,18 +3917,13 @@
               <a:t>Team: </a:t>
             </a:r>
             <a:r>
-              <a:rPr kumimoji="1" lang="ja-JP" altLang="en-US" dirty="0" smtClean="0">
+              <a:rPr kumimoji="1" lang="ja-JP" altLang="en-US" dirty="0">
                 <a:solidFill>
                   <a:schemeClr val="tx1"/>
                 </a:solidFill>
               </a:rPr>
               <a:t>青山</a:t>
             </a:r>
-            <a:endParaRPr kumimoji="1" lang="ja-JP" altLang="en-US" dirty="0">
-              <a:solidFill>
-                <a:schemeClr val="tx1"/>
-              </a:solidFill>
-            </a:endParaRPr>
           </a:p>
         </p:txBody>
       </p:sp>
@@ -4365,10 +4258,9 @@
           <a:lstStyle/>
           <a:p>
             <a:r>
-              <a:rPr kumimoji="1" lang="ja-JP" altLang="en-US" dirty="0" smtClean="0"/>
+              <a:rPr kumimoji="1" lang="ja-JP" altLang="en-US" dirty="0"/>
               <a:t>進捗状況</a:t>
             </a:r>
-            <a:endParaRPr kumimoji="1" lang="ja-JP" altLang="en-US" dirty="0"/>
           </a:p>
         </p:txBody>
       </p:sp>
@@ -4394,7 +4286,7 @@
           <a:lstStyle/>
           <a:p>
             <a:r>
-              <a:rPr lang="ja-JP" altLang="en-US" dirty="0" smtClean="0">
+              <a:rPr lang="ja-JP" altLang="en-US" dirty="0">
                 <a:solidFill>
                   <a:schemeClr val="accent2"/>
                 </a:solidFill>
@@ -4404,7 +4296,7 @@
               <a:t>♥</a:t>
             </a:r>
             <a:r>
-              <a:rPr lang="ja-JP" altLang="en-US" dirty="0" smtClean="0">
+              <a:rPr lang="ja-JP" altLang="en-US" dirty="0">
                 <a:solidFill>
                   <a:schemeClr val="accent2"/>
                 </a:solidFill>
@@ -4433,8 +4325,8 @@
   <p:clrMapOvr>
     <a:masterClrMapping/>
   </p:clrMapOvr>
-  <mc:AlternateContent xmlns:mc="http://schemas.openxmlformats.org/markup-compatibility/2006">
-    <mc:Choice xmlns:p14="http://schemas.microsoft.com/office/powerpoint/2010/main" Requires="p14">
+  <mc:AlternateContent xmlns:mc="http://schemas.openxmlformats.org/markup-compatibility/2006" xmlns:p14="http://schemas.microsoft.com/office/powerpoint/2010/main">
+    <mc:Choice Requires="p14">
       <p:transition p14:dur="0">
         <p:sndAc>
           <p:stSnd>
@@ -4443,23 +4335,16 @@
         </p:sndAc>
       </p:transition>
     </mc:Choice>
-    <mc:Fallback>
+    <mc:Fallback xmlns="">
       <p:transition>
         <p:sndAc>
           <p:stSnd>
-            <p:snd r:embed="rId2" name="hammer.wav"/>
+            <p:snd r:embed="rId3" name="hammer.wav"/>
           </p:stSnd>
         </p:sndAc>
       </p:transition>
     </mc:Fallback>
   </mc:AlternateContent>
-  <p:timing>
-    <p:tnLst>
-      <p:par>
-        <p:cTn id="1" dur="indefinite" restart="never" nodeType="tmRoot"/>
-      </p:par>
-    </p:tnLst>
-  </p:timing>
 </p:sld>
 </file>
 
@@ -4507,21 +4392,7 @@
                 <a:latin typeface="源暎ラテゴ" pitchFamily="34" charset="-128"/>
                 <a:ea typeface="源暎ラテゴ" pitchFamily="34" charset="-128"/>
               </a:rPr>
-              <a:t>　</a:t>
-            </a:r>
-            <a:r>
-              <a:rPr lang="ja-JP" altLang="en-US" dirty="0" smtClean="0">
-                <a:latin typeface="源暎ラテゴ" pitchFamily="34" charset="-128"/>
-                <a:ea typeface="源暎ラテゴ" pitchFamily="34" charset="-128"/>
-              </a:rPr>
-              <a:t>次回</a:t>
-            </a:r>
-            <a:r>
-              <a:rPr lang="ja-JP" altLang="en-US" dirty="0">
-                <a:latin typeface="源暎ラテゴ" pitchFamily="34" charset="-128"/>
-                <a:ea typeface="源暎ラテゴ" pitchFamily="34" charset="-128"/>
-              </a:rPr>
-              <a:t>もお楽しみに！！</a:t>
+              <a:t>　次回もお楽しみに！！</a:t>
             </a:r>
           </a:p>
         </p:txBody>
@@ -6052,7 +5923,7 @@
           <a:lstStyle/>
           <a:p>
             <a:r>
-              <a:rPr kumimoji="1" lang="ja-JP" altLang="en-US" sz="2400" dirty="0" smtClean="0">
+              <a:rPr kumimoji="1" lang="ja-JP" altLang="en-US" sz="2400" dirty="0">
                 <a:solidFill>
                   <a:schemeClr val="accent3">
                     <a:lumMod val="75000"/>
@@ -6071,27 +5942,27 @@
               <a:t>　</a:t>
             </a:r>
             <a:r>
-              <a:rPr kumimoji="1" lang="ja-JP" altLang="en-US" sz="2400" dirty="0" smtClean="0">
+              <a:rPr kumimoji="1" lang="ja-JP" altLang="en-US" sz="2400" dirty="0">
                 <a:latin typeface="マキナス Scrap 5" pitchFamily="50" charset="-128"/>
                 <a:ea typeface="マキナス Scrap 5" pitchFamily="50" charset="-128"/>
               </a:rPr>
               <a:t>青山　</a:t>
             </a:r>
             <a:r>
-              <a:rPr kumimoji="1" lang="en-US" altLang="ja-JP" dirty="0" smtClean="0">
+              <a:rPr kumimoji="1" lang="en-US" altLang="ja-JP" dirty="0">
                 <a:latin typeface="源暎ラテゴ" pitchFamily="34" charset="-128"/>
                 <a:ea typeface="源暎ラテゴ" pitchFamily="34" charset="-128"/>
               </a:rPr>
               <a:t>GN4A	</a:t>
             </a:r>
             <a:r>
-              <a:rPr kumimoji="1" lang="ja-JP" altLang="en-US" dirty="0" smtClean="0">
+              <a:rPr kumimoji="1" lang="ja-JP" altLang="en-US" dirty="0">
                 <a:latin typeface="源暎ラテゴ" pitchFamily="34" charset="-128"/>
                 <a:ea typeface="源暎ラテゴ" pitchFamily="34" charset="-128"/>
               </a:rPr>
               <a:t>企画・仕様書・その他雑用</a:t>
             </a:r>
-            <a:endParaRPr kumimoji="1" lang="en-US" altLang="ja-JP" dirty="0" smtClean="0">
+            <a:endParaRPr kumimoji="1" lang="en-US" altLang="ja-JP" dirty="0">
               <a:latin typeface="源暎ラテゴ" pitchFamily="34" charset="-128"/>
               <a:ea typeface="源暎ラテゴ" pitchFamily="34" charset="-128"/>
             </a:endParaRPr>
@@ -6115,28 +5986,21 @@
               <a:t>　</a:t>
             </a:r>
             <a:r>
-              <a:rPr lang="ja-JP" altLang="en-US" sz="2400" dirty="0" smtClean="0">
-                <a:latin typeface="マキナス Scrap 5" pitchFamily="50" charset="-128"/>
-                <a:ea typeface="マキナス Scrap 5" pitchFamily="50" charset="-128"/>
-              </a:rPr>
-              <a:t>壬生</a:t>
-            </a:r>
-            <a:r>
               <a:rPr lang="ja-JP" altLang="en-US" sz="2400" dirty="0">
                 <a:latin typeface="マキナス Scrap 5" pitchFamily="50" charset="-128"/>
                 <a:ea typeface="マキナス Scrap 5" pitchFamily="50" charset="-128"/>
               </a:rPr>
-              <a:t>　</a:t>
-            </a:r>
-            <a:r>
-              <a:rPr lang="en-US" altLang="ja-JP" dirty="0" smtClean="0">
+              <a:t>壬生　</a:t>
+            </a:r>
+            <a:r>
+              <a:rPr lang="en-US" altLang="ja-JP" dirty="0">
                 <a:latin typeface="源暎ラテゴ" pitchFamily="34" charset="-128"/>
                 <a:ea typeface="源暎ラテゴ" pitchFamily="34" charset="-128"/>
               </a:rPr>
               <a:t>GN4A	</a:t>
             </a:r>
             <a:r>
-              <a:rPr lang="ja-JP" altLang="en-US" dirty="0" smtClean="0">
+              <a:rPr lang="ja-JP" altLang="en-US" dirty="0">
                 <a:latin typeface="源暎ラテゴ" pitchFamily="34" charset="-128"/>
                 <a:ea typeface="源暎ラテゴ" pitchFamily="34" charset="-128"/>
               </a:rPr>
@@ -6172,7 +6036,7 @@
           <a:lstStyle/>
           <a:p>
             <a:r>
-              <a:rPr kumimoji="1" lang="ja-JP" altLang="en-US" sz="2400" dirty="0" smtClean="0">
+              <a:rPr kumimoji="1" lang="ja-JP" altLang="en-US" sz="2400" dirty="0">
                 <a:solidFill>
                   <a:schemeClr val="accent1"/>
                 </a:solidFill>
@@ -6182,41 +6046,41 @@
               <a:t>♠</a:t>
             </a:r>
             <a:r>
-              <a:rPr kumimoji="1" lang="ja-JP" altLang="en-US" sz="2400" dirty="0" smtClean="0">
+              <a:rPr kumimoji="1" lang="ja-JP" altLang="en-US" sz="2400" dirty="0">
                 <a:latin typeface="小塚ゴシック Pr6N B" pitchFamily="34" charset="-128"/>
                 <a:ea typeface="小塚ゴシック Pr6N B" pitchFamily="34" charset="-128"/>
               </a:rPr>
               <a:t>　</a:t>
             </a:r>
             <a:r>
-              <a:rPr kumimoji="1" lang="ja-JP" altLang="en-US" sz="2400" dirty="0" smtClean="0">
+              <a:rPr kumimoji="1" lang="ja-JP" altLang="en-US" sz="2400" dirty="0">
                 <a:latin typeface="マキナス Scrap 5" pitchFamily="50" charset="-128"/>
                 <a:ea typeface="マキナス Scrap 5" pitchFamily="50" charset="-128"/>
               </a:rPr>
               <a:t>東　　</a:t>
             </a:r>
             <a:r>
-              <a:rPr lang="en-US" altLang="ja-JP" dirty="0" smtClean="0">
+              <a:rPr lang="en-US" altLang="ja-JP" dirty="0">
                 <a:latin typeface="源暎ラテゴ" pitchFamily="34" charset="-128"/>
                 <a:ea typeface="源暎ラテゴ" pitchFamily="34" charset="-128"/>
               </a:rPr>
               <a:t>GN4A	</a:t>
             </a:r>
             <a:r>
-              <a:rPr lang="ja-JP" altLang="en-US" dirty="0" smtClean="0">
+              <a:rPr lang="ja-JP" altLang="en-US" dirty="0">
                 <a:latin typeface="源暎ラテゴ" pitchFamily="34" charset="-128"/>
                 <a:ea typeface="源暎ラテゴ" pitchFamily="34" charset="-128"/>
               </a:rPr>
               <a:t>キャラクター操作</a:t>
             </a:r>
-            <a:endParaRPr lang="en-US" altLang="ja-JP" dirty="0" smtClean="0">
+            <a:endParaRPr lang="en-US" altLang="ja-JP" dirty="0">
               <a:latin typeface="源暎ラテゴ" pitchFamily="34" charset="-128"/>
               <a:ea typeface="源暎ラテゴ" pitchFamily="34" charset="-128"/>
             </a:endParaRPr>
           </a:p>
           <a:p>
             <a:r>
-              <a:rPr lang="ja-JP" altLang="en-US" sz="2400" dirty="0" smtClean="0">
+              <a:rPr lang="ja-JP" altLang="en-US" sz="2400" dirty="0">
                 <a:solidFill>
                   <a:schemeClr val="accent1"/>
                 </a:solidFill>
@@ -6226,48 +6090,44 @@
               <a:t>♠</a:t>
             </a:r>
             <a:r>
-              <a:rPr lang="ja-JP" altLang="en-US" sz="2400" dirty="0" smtClean="0">
+              <a:rPr lang="ja-JP" altLang="en-US" sz="2400" dirty="0">
                 <a:latin typeface="小塚ゴシック Pr6N B" pitchFamily="34" charset="-128"/>
                 <a:ea typeface="小塚ゴシック Pr6N B" pitchFamily="34" charset="-128"/>
               </a:rPr>
               <a:t>　</a:t>
             </a:r>
             <a:r>
-              <a:rPr lang="ja-JP" altLang="en-US" sz="2400" dirty="0" smtClean="0">
+              <a:rPr lang="ja-JP" altLang="en-US" sz="2400" dirty="0">
                 <a:latin typeface="マキナス Scrap 5" pitchFamily="50" charset="-128"/>
                 <a:ea typeface="マキナス Scrap 5" pitchFamily="50" charset="-128"/>
               </a:rPr>
               <a:t>一井　</a:t>
             </a:r>
             <a:r>
-              <a:rPr lang="en-US" altLang="ja-JP" dirty="0" smtClean="0">
+              <a:rPr lang="en-US" altLang="ja-JP" dirty="0">
                 <a:latin typeface="源暎ラテゴ" pitchFamily="34" charset="-128"/>
                 <a:ea typeface="源暎ラテゴ" pitchFamily="34" charset="-128"/>
               </a:rPr>
               <a:t>GR4B	</a:t>
             </a:r>
             <a:r>
-              <a:rPr lang="ja-JP" altLang="en-US" dirty="0" smtClean="0">
+              <a:rPr lang="ja-JP" altLang="en-US" dirty="0">
                 <a:latin typeface="源暎ラテゴ" pitchFamily="34" charset="-128"/>
                 <a:ea typeface="源暎ラテゴ" pitchFamily="34" charset="-128"/>
               </a:rPr>
               <a:t>　　</a:t>
             </a:r>
             <a:r>
-              <a:rPr lang="en-US" altLang="ja-JP" dirty="0" smtClean="0">
+              <a:rPr lang="en-US" altLang="ja-JP" dirty="0">
                 <a:latin typeface="源暎ラテゴ" pitchFamily="34" charset="-128"/>
                 <a:ea typeface="源暎ラテゴ" pitchFamily="34" charset="-128"/>
               </a:rPr>
               <a:t>〃</a:t>
             </a:r>
-            <a:endParaRPr lang="en-US" altLang="ja-JP" dirty="0">
-              <a:latin typeface="源暎ラテゴ" pitchFamily="34" charset="-128"/>
-              <a:ea typeface="源暎ラテゴ" pitchFamily="34" charset="-128"/>
-            </a:endParaRPr>
-          </a:p>
-          <a:p>
-            <a:r>
-              <a:rPr lang="ja-JP" altLang="en-US" sz="2400" dirty="0" smtClean="0">
+          </a:p>
+          <a:p>
+            <a:r>
+              <a:rPr lang="ja-JP" altLang="en-US" sz="2400" dirty="0">
                 <a:solidFill>
                   <a:schemeClr val="accent1"/>
                 </a:solidFill>
@@ -6277,41 +6137,34 @@
               <a:t>♠　</a:t>
             </a:r>
             <a:r>
-              <a:rPr lang="ja-JP" altLang="en-US" sz="2400" dirty="0" smtClean="0">
-                <a:latin typeface="マキナス Scrap 5" pitchFamily="50" charset="-128"/>
-                <a:ea typeface="マキナス Scrap 5" pitchFamily="50" charset="-128"/>
-              </a:rPr>
-              <a:t>椿井</a:t>
-            </a:r>
-            <a:r>
               <a:rPr lang="ja-JP" altLang="en-US" sz="2400" dirty="0">
                 <a:latin typeface="マキナス Scrap 5" pitchFamily="50" charset="-128"/>
                 <a:ea typeface="マキナス Scrap 5" pitchFamily="50" charset="-128"/>
               </a:rPr>
-              <a:t>　</a:t>
-            </a:r>
-            <a:r>
-              <a:rPr lang="en-US" altLang="ja-JP" dirty="0" smtClean="0">
+              <a:t>椿井　</a:t>
+            </a:r>
+            <a:r>
+              <a:rPr lang="en-US" altLang="ja-JP" dirty="0">
                 <a:latin typeface="源暎ラテゴ" pitchFamily="34" charset="-128"/>
                 <a:ea typeface="源暎ラテゴ" pitchFamily="34" charset="-128"/>
               </a:rPr>
               <a:t>GN4A	</a:t>
             </a:r>
             <a:r>
-              <a:rPr lang="ja-JP" altLang="en-US" dirty="0" smtClean="0">
+              <a:rPr lang="ja-JP" altLang="en-US" dirty="0">
                 <a:latin typeface="源暎ラテゴ" pitchFamily="34" charset="-128"/>
                 <a:ea typeface="源暎ラテゴ" pitchFamily="34" charset="-128"/>
               </a:rPr>
               <a:t>戦闘システム</a:t>
             </a:r>
-            <a:endParaRPr lang="en-US" altLang="ja-JP" dirty="0" smtClean="0">
+            <a:endParaRPr lang="en-US" altLang="ja-JP" dirty="0">
               <a:latin typeface="源暎ラテゴ" pitchFamily="34" charset="-128"/>
               <a:ea typeface="源暎ラテゴ" pitchFamily="34" charset="-128"/>
             </a:endParaRPr>
           </a:p>
           <a:p>
             <a:r>
-              <a:rPr lang="ja-JP" altLang="en-US" sz="2400" dirty="0" smtClean="0">
+              <a:rPr lang="ja-JP" altLang="en-US" sz="2400" dirty="0">
                 <a:solidFill>
                   <a:schemeClr val="accent1"/>
                 </a:solidFill>
@@ -6321,48 +6174,44 @@
               <a:t>♠</a:t>
             </a:r>
             <a:r>
-              <a:rPr lang="ja-JP" altLang="en-US" sz="2400" dirty="0" smtClean="0">
+              <a:rPr lang="ja-JP" altLang="en-US" sz="2400" dirty="0">
                 <a:latin typeface="小塚ゴシック Pr6N B" pitchFamily="34" charset="-128"/>
                 <a:ea typeface="小塚ゴシック Pr6N B" pitchFamily="34" charset="-128"/>
               </a:rPr>
               <a:t>　</a:t>
             </a:r>
             <a:r>
-              <a:rPr lang="ja-JP" altLang="en-US" sz="2400" dirty="0" smtClean="0">
+              <a:rPr lang="ja-JP" altLang="en-US" sz="2400" dirty="0">
                 <a:latin typeface="マキナス Scrap 5" pitchFamily="50" charset="-128"/>
                 <a:ea typeface="マキナス Scrap 5" pitchFamily="50" charset="-128"/>
               </a:rPr>
               <a:t>橋口　</a:t>
             </a:r>
             <a:r>
-              <a:rPr lang="en-US" altLang="ja-JP" dirty="0" smtClean="0">
+              <a:rPr lang="en-US" altLang="ja-JP" dirty="0">
                 <a:latin typeface="源暎ラテゴ" pitchFamily="34" charset="-128"/>
                 <a:ea typeface="源暎ラテゴ" pitchFamily="34" charset="-128"/>
               </a:rPr>
               <a:t>GR4B	</a:t>
             </a:r>
             <a:r>
-              <a:rPr lang="ja-JP" altLang="en-US" dirty="0" smtClean="0">
+              <a:rPr lang="ja-JP" altLang="en-US" dirty="0">
                 <a:latin typeface="源暎ラテゴ" pitchFamily="34" charset="-128"/>
                 <a:ea typeface="源暎ラテゴ" pitchFamily="34" charset="-128"/>
               </a:rPr>
               <a:t>　　</a:t>
             </a:r>
             <a:r>
-              <a:rPr lang="en-US" altLang="ja-JP" dirty="0" smtClean="0">
+              <a:rPr lang="en-US" altLang="ja-JP" dirty="0">
                 <a:latin typeface="源暎ラテゴ" pitchFamily="34" charset="-128"/>
                 <a:ea typeface="源暎ラテゴ" pitchFamily="34" charset="-128"/>
               </a:rPr>
               <a:t>〃</a:t>
             </a:r>
-            <a:endParaRPr lang="en-US" altLang="ja-JP" dirty="0">
-              <a:latin typeface="源暎ラテゴ" pitchFamily="34" charset="-128"/>
-              <a:ea typeface="源暎ラテゴ" pitchFamily="34" charset="-128"/>
-            </a:endParaRPr>
-          </a:p>
-          <a:p>
-            <a:r>
-              <a:rPr lang="ja-JP" altLang="en-US" sz="2400" dirty="0" smtClean="0">
+          </a:p>
+          <a:p>
+            <a:r>
+              <a:rPr lang="ja-JP" altLang="en-US" sz="2400" dirty="0">
                 <a:solidFill>
                   <a:schemeClr val="accent1"/>
                 </a:solidFill>
@@ -6372,28 +6221,21 @@
               <a:t>♠　</a:t>
             </a:r>
             <a:r>
-              <a:rPr lang="ja-JP" altLang="en-US" sz="2400" dirty="0" smtClean="0">
-                <a:latin typeface="マキナス Scrap 5" pitchFamily="50" charset="-128"/>
-                <a:ea typeface="マキナス Scrap 5" pitchFamily="50" charset="-128"/>
-              </a:rPr>
-              <a:t>辰巳</a:t>
-            </a:r>
-            <a:r>
               <a:rPr lang="ja-JP" altLang="en-US" sz="2400" dirty="0">
                 <a:latin typeface="マキナス Scrap 5" pitchFamily="50" charset="-128"/>
                 <a:ea typeface="マキナス Scrap 5" pitchFamily="50" charset="-128"/>
               </a:rPr>
-              <a:t>　</a:t>
-            </a:r>
-            <a:r>
-              <a:rPr lang="en-US" altLang="ja-JP" dirty="0" smtClean="0">
+              <a:t>辰巳　</a:t>
+            </a:r>
+            <a:r>
+              <a:rPr lang="en-US" altLang="ja-JP" dirty="0">
                 <a:latin typeface="源暎ラテゴ" pitchFamily="34" charset="-128"/>
                 <a:ea typeface="源暎ラテゴ" pitchFamily="34" charset="-128"/>
               </a:rPr>
               <a:t>GR4A	</a:t>
             </a:r>
             <a:r>
-              <a:rPr lang="ja-JP" altLang="en-US" dirty="0" smtClean="0">
+              <a:rPr lang="ja-JP" altLang="en-US" dirty="0">
                 <a:latin typeface="源暎ラテゴ" pitchFamily="34" charset="-128"/>
                 <a:ea typeface="源暎ラテゴ" pitchFamily="34" charset="-128"/>
               </a:rPr>
@@ -6429,7 +6271,7 @@
           <a:lstStyle/>
           <a:p>
             <a:r>
-              <a:rPr kumimoji="1" lang="ja-JP" altLang="en-US" sz="2400" dirty="0" smtClean="0">
+              <a:rPr kumimoji="1" lang="ja-JP" altLang="en-US" sz="2400" dirty="0">
                 <a:solidFill>
                   <a:schemeClr val="accent2"/>
                 </a:solidFill>
@@ -6439,14 +6281,14 @@
               <a:t>♥</a:t>
             </a:r>
             <a:r>
-              <a:rPr kumimoji="1" lang="ja-JP" altLang="en-US" sz="2400" dirty="0" smtClean="0">
+              <a:rPr kumimoji="1" lang="ja-JP" altLang="en-US" sz="2400" dirty="0">
                 <a:latin typeface="小塚ゴシック Pr6N B" pitchFamily="34" charset="-128"/>
                 <a:ea typeface="小塚ゴシック Pr6N B" pitchFamily="34" charset="-128"/>
               </a:rPr>
               <a:t>　</a:t>
             </a:r>
             <a:r>
-              <a:rPr kumimoji="1" lang="ja-JP" altLang="en-US" sz="2400" dirty="0" smtClean="0">
+              <a:rPr kumimoji="1" lang="ja-JP" altLang="en-US" sz="2400" dirty="0">
                 <a:latin typeface="マキナス Scrap 5" pitchFamily="50" charset="-128"/>
                 <a:ea typeface="マキナス Scrap 5" pitchFamily="50" charset="-128"/>
               </a:rPr>
@@ -6460,41 +6302,30 @@
               <a:t>　</a:t>
             </a:r>
             <a:r>
-              <a:rPr lang="en-US" altLang="ja-JP" dirty="0" smtClean="0">
+              <a:rPr lang="en-US" altLang="ja-JP" dirty="0">
                 <a:latin typeface="源暎ラテゴ" pitchFamily="34" charset="-128"/>
                 <a:ea typeface="源暎ラテゴ" pitchFamily="34" charset="-128"/>
               </a:rPr>
               <a:t>GN4A	3D</a:t>
             </a:r>
             <a:r>
-              <a:rPr lang="ja-JP" altLang="en-US" dirty="0" smtClean="0">
-                <a:latin typeface="源暎ラテゴ" pitchFamily="34" charset="-128"/>
-                <a:ea typeface="源暎ラテゴ" pitchFamily="34" charset="-128"/>
-              </a:rPr>
-              <a:t>モデル・モーションな</a:t>
-            </a:r>
-            <a:r>
               <a:rPr lang="ja-JP" altLang="en-US" dirty="0">
                 <a:latin typeface="源暎ラテゴ" pitchFamily="34" charset="-128"/>
                 <a:ea typeface="源暎ラテゴ" pitchFamily="34" charset="-128"/>
               </a:rPr>
-              <a:t>ど</a:t>
-            </a:r>
-            <a:r>
-              <a:rPr lang="en-US" altLang="ja-JP" dirty="0" smtClean="0">
+              <a:t>モデル・モーションなど</a:t>
+            </a:r>
+            <a:r>
+              <a:rPr lang="en-US" altLang="ja-JP" dirty="0">
                 <a:latin typeface="源暎ラテゴ" pitchFamily="34" charset="-128"/>
                 <a:ea typeface="源暎ラテゴ" pitchFamily="34" charset="-128"/>
               </a:rPr>
               <a:t>	</a:t>
             </a:r>
-            <a:endParaRPr lang="en-US" altLang="ja-JP" dirty="0">
-              <a:latin typeface="源暎ラテゴ" pitchFamily="34" charset="-128"/>
-              <a:ea typeface="源暎ラテゴ" pitchFamily="34" charset="-128"/>
-            </a:endParaRPr>
-          </a:p>
-          <a:p>
-            <a:r>
-              <a:rPr lang="ja-JP" altLang="en-US" sz="2400" dirty="0" smtClean="0">
+          </a:p>
+          <a:p>
+            <a:r>
+              <a:rPr lang="ja-JP" altLang="en-US" sz="2400" dirty="0">
                 <a:solidFill>
                   <a:schemeClr val="accent2"/>
                 </a:solidFill>
@@ -6504,35 +6335,28 @@
               <a:t>♥</a:t>
             </a:r>
             <a:r>
-              <a:rPr lang="ja-JP" altLang="en-US" sz="2400" dirty="0" smtClean="0">
+              <a:rPr lang="ja-JP" altLang="en-US" sz="2400" dirty="0">
                 <a:latin typeface="小塚ゴシック Pr6N B" pitchFamily="34" charset="-128"/>
                 <a:ea typeface="小塚ゴシック Pr6N B" pitchFamily="34" charset="-128"/>
               </a:rPr>
               <a:t>　</a:t>
             </a:r>
             <a:r>
-              <a:rPr lang="ja-JP" altLang="en-US" sz="2400" dirty="0" smtClean="0">
-                <a:latin typeface="マキナス Scrap 5" pitchFamily="50" charset="-128"/>
-                <a:ea typeface="マキナス Scrap 5" pitchFamily="50" charset="-128"/>
-              </a:rPr>
-              <a:t>瀧野</a:t>
-            </a:r>
-            <a:r>
               <a:rPr lang="ja-JP" altLang="en-US" sz="2400" dirty="0">
                 <a:latin typeface="マキナス Scrap 5" pitchFamily="50" charset="-128"/>
                 <a:ea typeface="マキナス Scrap 5" pitchFamily="50" charset="-128"/>
               </a:rPr>
-              <a:t>　</a:t>
-            </a:r>
-            <a:r>
-              <a:rPr lang="en-US" altLang="ja-JP" dirty="0" smtClean="0">
+              <a:t>瀧野　</a:t>
+            </a:r>
+            <a:r>
+              <a:rPr lang="en-US" altLang="ja-JP" dirty="0">
                 <a:latin typeface="源暎ラテゴ" pitchFamily="34" charset="-128"/>
                 <a:ea typeface="源暎ラテゴ" pitchFamily="34" charset="-128"/>
               </a:rPr>
               <a:t>GN4A	</a:t>
             </a:r>
             <a:r>
-              <a:rPr lang="ja-JP" altLang="en-US" dirty="0" smtClean="0">
+              <a:rPr lang="ja-JP" altLang="en-US" dirty="0">
                 <a:latin typeface="源暎ラテゴ" pitchFamily="34" charset="-128"/>
                 <a:ea typeface="源暎ラテゴ" pitchFamily="34" charset="-128"/>
               </a:rPr>
@@ -6707,7 +6531,7 @@
           <a:p>
             <a:pPr algn="r"/>
             <a:r>
-              <a:rPr kumimoji="1" lang="ja-JP" altLang="en-US" sz="1600" dirty="0" smtClean="0">
+              <a:rPr kumimoji="1" lang="ja-JP" altLang="en-US" sz="1600" dirty="0">
                 <a:latin typeface="マキナス Scrap 5" pitchFamily="50" charset="-128"/>
                 <a:ea typeface="マキナス Scrap 5" pitchFamily="50" charset="-128"/>
               </a:rPr>
@@ -6744,7 +6568,7 @@
           <a:p>
             <a:pPr algn="r"/>
             <a:r>
-              <a:rPr kumimoji="1" lang="ja-JP" altLang="en-US" sz="1600" dirty="0" smtClean="0">
+              <a:rPr kumimoji="1" lang="ja-JP" altLang="en-US" sz="1600" dirty="0">
                 <a:latin typeface="マキナス Scrap 5" pitchFamily="50" charset="-128"/>
                 <a:ea typeface="マキナス Scrap 5" pitchFamily="50" charset="-128"/>
               </a:rPr>
@@ -6781,7 +6605,7 @@
           <a:p>
             <a:pPr algn="r"/>
             <a:r>
-              <a:rPr kumimoji="1" lang="ja-JP" altLang="en-US" sz="1600" dirty="0" smtClean="0">
+              <a:rPr kumimoji="1" lang="ja-JP" altLang="en-US" sz="1600" dirty="0">
                 <a:latin typeface="マキナス Scrap 5" pitchFamily="50" charset="-128"/>
                 <a:ea typeface="マキナス Scrap 5" pitchFamily="50" charset="-128"/>
               </a:rPr>
@@ -6817,10 +6641,9 @@
           <a:lstStyle/>
           <a:p>
             <a:r>
-              <a:rPr kumimoji="1" lang="ja-JP" altLang="en-US" sz="3200" dirty="0" smtClean="0"/>
+              <a:rPr kumimoji="1" lang="ja-JP" altLang="en-US" sz="3200" dirty="0"/>
               <a:t>メンバー</a:t>
             </a:r>
-            <a:endParaRPr kumimoji="1" lang="ja-JP" altLang="en-US" sz="3200" dirty="0"/>
           </a:p>
         </p:txBody>
       </p:sp>
@@ -6834,8 +6657,8 @@
   <p:clrMapOvr>
     <a:masterClrMapping/>
   </p:clrMapOvr>
-  <mc:AlternateContent xmlns:mc="http://schemas.openxmlformats.org/markup-compatibility/2006">
-    <mc:Choice xmlns:p14="http://schemas.microsoft.com/office/powerpoint/2010/main" Requires="p14">
+  <mc:AlternateContent xmlns:mc="http://schemas.openxmlformats.org/markup-compatibility/2006" xmlns:p14="http://schemas.microsoft.com/office/powerpoint/2010/main">
+    <mc:Choice Requires="p14">
       <p:transition spd="slow" p14:dur="1300">
         <p14:pan/>
         <p:sndAc>
@@ -6845,24 +6668,17 @@
         </p:sndAc>
       </p:transition>
     </mc:Choice>
-    <mc:Fallback>
+    <mc:Fallback xmlns="">
       <p:transition spd="slow">
         <p:fade/>
         <p:sndAc>
           <p:stSnd>
-            <p:snd r:embed="rId2" name="cashreg.wav"/>
+            <p:snd r:embed="rId3" name="cashreg.wav"/>
           </p:stSnd>
         </p:sndAc>
       </p:transition>
     </mc:Fallback>
   </mc:AlternateContent>
-  <p:timing>
-    <p:tnLst>
-      <p:par>
-        <p:cTn id="1" dur="indefinite" restart="never" nodeType="tmRoot"/>
-      </p:par>
-    </p:tnLst>
-  </p:timing>
 </p:sld>
 </file>
 
@@ -6984,10 +6800,9 @@
           <a:lstStyle/>
           <a:p>
             <a:r>
-              <a:rPr kumimoji="1" lang="ja-JP" altLang="en-US" sz="3200" dirty="0" smtClean="0"/>
+              <a:rPr kumimoji="1" lang="ja-JP" altLang="en-US" sz="3200" dirty="0"/>
               <a:t>どんなゲームか</a:t>
             </a:r>
-            <a:endParaRPr kumimoji="1" lang="ja-JP" altLang="en-US" sz="3200" dirty="0"/>
           </a:p>
         </p:txBody>
       </p:sp>
@@ -7013,48 +6828,48 @@
           <a:lstStyle/>
           <a:p>
             <a:r>
-              <a:rPr lang="ja-JP" altLang="en-US" sz="1400" dirty="0" smtClean="0">
+              <a:rPr lang="ja-JP" altLang="en-US" sz="1400" dirty="0">
                 <a:latin typeface="源暎ラテゴ" pitchFamily="34" charset="-128"/>
                 <a:ea typeface="源暎ラテゴ" pitchFamily="34" charset="-128"/>
               </a:rPr>
               <a:t>ジャンル　</a:t>
             </a:r>
             <a:r>
-              <a:rPr lang="en-US" altLang="ja-JP" sz="1400" dirty="0" smtClean="0">
+              <a:rPr lang="en-US" altLang="ja-JP" sz="1400" dirty="0">
                 <a:latin typeface="源暎ラテゴ" pitchFamily="34" charset="-128"/>
                 <a:ea typeface="源暎ラテゴ" pitchFamily="34" charset="-128"/>
               </a:rPr>
               <a:t>RTSG</a:t>
             </a:r>
             <a:r>
-              <a:rPr lang="ja-JP" altLang="en-US" sz="1400" dirty="0" smtClean="0">
+              <a:rPr lang="ja-JP" altLang="en-US" sz="1400" dirty="0">
                 <a:latin typeface="源暎ラテゴ" pitchFamily="34" charset="-128"/>
                 <a:ea typeface="源暎ラテゴ" pitchFamily="34" charset="-128"/>
               </a:rPr>
               <a:t>　陣取りゲーム</a:t>
             </a:r>
-            <a:endParaRPr lang="en-US" altLang="ja-JP" sz="1400" dirty="0" smtClean="0">
+            <a:endParaRPr lang="en-US" altLang="ja-JP" sz="1400" dirty="0">
               <a:latin typeface="源暎ラテゴ" pitchFamily="34" charset="-128"/>
               <a:ea typeface="源暎ラテゴ" pitchFamily="34" charset="-128"/>
             </a:endParaRPr>
           </a:p>
           <a:p>
             <a:r>
-              <a:rPr lang="ja-JP" altLang="en-US" sz="1400" dirty="0" smtClean="0">
+              <a:rPr lang="ja-JP" altLang="en-US" sz="1400" dirty="0">
                 <a:latin typeface="源暎ラテゴ" pitchFamily="34" charset="-128"/>
                 <a:ea typeface="源暎ラテゴ" pitchFamily="34" charset="-128"/>
               </a:rPr>
               <a:t>プレイ人数　</a:t>
             </a:r>
             <a:r>
-              <a:rPr lang="en-US" altLang="ja-JP" sz="1400" dirty="0" smtClean="0">
+              <a:rPr lang="en-US" altLang="ja-JP" sz="1400" dirty="0">
                 <a:latin typeface="源暎ラテゴ" pitchFamily="34" charset="-128"/>
                 <a:ea typeface="源暎ラテゴ" pitchFamily="34" charset="-128"/>
               </a:rPr>
               <a:t>2</a:t>
             </a:r>
             <a:r>
-              <a:rPr lang="ja-JP" altLang="en-US" sz="1400" dirty="0" smtClean="0">
+              <a:rPr lang="ja-JP" altLang="en-US" sz="1400" dirty="0">
                 <a:latin typeface="源暎ラテゴ" pitchFamily="34" charset="-128"/>
                 <a:ea typeface="源暎ラテゴ" pitchFamily="34" charset="-128"/>
               </a:rPr>
@@ -7063,16 +6878,12 @@
           </a:p>
           <a:p>
             <a:r>
-              <a:rPr lang="ja-JP" altLang="en-US" sz="1400" dirty="0" smtClean="0">
+              <a:rPr lang="ja-JP" altLang="en-US" sz="1400" dirty="0">
                 <a:latin typeface="源暎ラテゴ" pitchFamily="34" charset="-128"/>
                 <a:ea typeface="源暎ラテゴ" pitchFamily="34" charset="-128"/>
               </a:rPr>
               <a:t>コンセプト	数値差を出して戦況を変える</a:t>
             </a:r>
-            <a:endParaRPr lang="ja-JP" altLang="en-US" sz="1400" dirty="0">
-              <a:latin typeface="源暎ラテゴ" pitchFamily="34" charset="-128"/>
-              <a:ea typeface="源暎ラテゴ" pitchFamily="34" charset="-128"/>
-            </a:endParaRPr>
           </a:p>
         </p:txBody>
       </p:sp>
@@ -7153,7 +6964,7 @@
             <a:p>
               <a:pPr algn="ctr"/>
               <a:r>
-                <a:rPr kumimoji="1" lang="ja-JP" altLang="en-US" sz="1600" dirty="0" smtClean="0">
+                <a:rPr kumimoji="1" lang="ja-JP" altLang="en-US" sz="1600" dirty="0">
                   <a:latin typeface="ニコカ" pitchFamily="2" charset="-128"/>
                   <a:ea typeface="ニコカ" pitchFamily="2" charset="-128"/>
                 </a:rPr>
@@ -7164,16 +6975,9 @@
                   <a:latin typeface="ニコカ" pitchFamily="2" charset="-128"/>
                   <a:ea typeface="ニコカ" pitchFamily="2" charset="-128"/>
                 </a:rPr>
-                <a:t>エリア</a:t>
+                <a:t>エリアを多く</a:t>
               </a:r>
-              <a:r>
-                <a:rPr lang="ja-JP" altLang="en-US" sz="1600" dirty="0" smtClean="0">
-                  <a:latin typeface="ニコカ" pitchFamily="2" charset="-128"/>
-                  <a:ea typeface="ニコカ" pitchFamily="2" charset="-128"/>
-                </a:rPr>
-                <a:t>を多く</a:t>
-              </a:r>
-              <a:endParaRPr lang="en-US" altLang="ja-JP" sz="1600" dirty="0" smtClean="0">
+              <a:endParaRPr lang="en-US" altLang="ja-JP" sz="1600" dirty="0">
                 <a:latin typeface="ニコカ" pitchFamily="2" charset="-128"/>
                 <a:ea typeface="ニコカ" pitchFamily="2" charset="-128"/>
               </a:endParaRPr>
@@ -7181,7 +6985,7 @@
             <a:p>
               <a:pPr algn="ctr"/>
               <a:r>
-                <a:rPr lang="ja-JP" altLang="en-US" sz="1600" dirty="0" smtClean="0">
+                <a:rPr lang="ja-JP" altLang="en-US" sz="1600" dirty="0">
                   <a:latin typeface="ニコカ" pitchFamily="2" charset="-128"/>
                   <a:ea typeface="ニコカ" pitchFamily="2" charset="-128"/>
                 </a:rPr>
@@ -7258,13 +7062,13 @@
           <a:p>
             <a:pPr algn="ctr"/>
             <a:r>
-              <a:rPr lang="ja-JP" altLang="en-US" sz="1600" dirty="0" smtClean="0">
+              <a:rPr lang="ja-JP" altLang="en-US" sz="1600" dirty="0">
                 <a:latin typeface="ニコカ" pitchFamily="2" charset="-128"/>
                 <a:ea typeface="ニコカ" pitchFamily="2" charset="-128"/>
               </a:rPr>
               <a:t>エリアの上に乗って</a:t>
             </a:r>
-            <a:endParaRPr lang="en-US" altLang="ja-JP" sz="1600" dirty="0" smtClean="0">
+            <a:endParaRPr lang="en-US" altLang="ja-JP" sz="1600" dirty="0">
               <a:latin typeface="ニコカ" pitchFamily="2" charset="-128"/>
               <a:ea typeface="ニコカ" pitchFamily="2" charset="-128"/>
             </a:endParaRPr>
@@ -7272,13 +7076,13 @@
           <a:p>
             <a:pPr algn="ctr"/>
             <a:r>
-              <a:rPr kumimoji="1" lang="ja-JP" altLang="en-US" sz="1600" dirty="0" smtClean="0">
+              <a:rPr kumimoji="1" lang="ja-JP" altLang="en-US" sz="1600" dirty="0">
                 <a:latin typeface="ニコカ" pitchFamily="2" charset="-128"/>
                 <a:ea typeface="ニコカ" pitchFamily="2" charset="-128"/>
               </a:rPr>
               <a:t>ゲージをためると</a:t>
             </a:r>
-            <a:endParaRPr kumimoji="1" lang="en-US" altLang="ja-JP" sz="1600" dirty="0" smtClean="0">
+            <a:endParaRPr kumimoji="1" lang="en-US" altLang="ja-JP" sz="1600" dirty="0">
               <a:latin typeface="ニコカ" pitchFamily="2" charset="-128"/>
               <a:ea typeface="ニコカ" pitchFamily="2" charset="-128"/>
             </a:endParaRPr>
@@ -7286,14 +7090,14 @@
           <a:p>
             <a:pPr algn="ctr"/>
             <a:r>
-              <a:rPr lang="ja-JP" altLang="en-US" sz="1600" dirty="0" smtClean="0">
+              <a:rPr lang="ja-JP" altLang="en-US" sz="1600" dirty="0">
                 <a:latin typeface="ニコカ" pitchFamily="2" charset="-128"/>
                 <a:ea typeface="ニコカ" pitchFamily="2" charset="-128"/>
               </a:rPr>
               <a:t>エリア</a:t>
             </a:r>
             <a:r>
-              <a:rPr lang="en-US" altLang="ja-JP" sz="1600" dirty="0" smtClean="0">
+              <a:rPr lang="en-US" altLang="ja-JP" sz="1600" dirty="0">
                 <a:latin typeface="ニコカ" pitchFamily="2" charset="-128"/>
                 <a:ea typeface="ニコカ" pitchFamily="2" charset="-128"/>
               </a:rPr>
@@ -7330,13 +7134,13 @@
           <a:p>
             <a:pPr algn="ctr"/>
             <a:r>
-              <a:rPr kumimoji="1" lang="ja-JP" altLang="en-US" sz="1600" dirty="0" smtClean="0">
+              <a:rPr kumimoji="1" lang="ja-JP" altLang="en-US" sz="1600" dirty="0">
                 <a:latin typeface="ニコカ" pitchFamily="2" charset="-128"/>
                 <a:ea typeface="ニコカ" pitchFamily="2" charset="-128"/>
               </a:rPr>
               <a:t>エリアを取り合う</a:t>
             </a:r>
-            <a:endParaRPr kumimoji="1" lang="en-US" altLang="ja-JP" sz="1600" dirty="0" smtClean="0">
+            <a:endParaRPr kumimoji="1" lang="en-US" altLang="ja-JP" sz="1600" dirty="0">
               <a:latin typeface="ニコカ" pitchFamily="2" charset="-128"/>
               <a:ea typeface="ニコカ" pitchFamily="2" charset="-128"/>
             </a:endParaRPr>
@@ -7344,7 +7148,7 @@
           <a:p>
             <a:pPr algn="ctr"/>
             <a:r>
-              <a:rPr lang="ja-JP" altLang="en-US" sz="1600" dirty="0" smtClean="0">
+              <a:rPr lang="ja-JP" altLang="en-US" sz="1600" dirty="0">
                 <a:latin typeface="ニコカ" pitchFamily="2" charset="-128"/>
                 <a:ea typeface="ニコカ" pitchFamily="2" charset="-128"/>
               </a:rPr>
@@ -7367,8 +7171,8 @@
   <p:clrMapOvr>
     <a:masterClrMapping/>
   </p:clrMapOvr>
-  <mc:AlternateContent xmlns:mc="http://schemas.openxmlformats.org/markup-compatibility/2006">
-    <mc:Choice xmlns:p14="http://schemas.microsoft.com/office/powerpoint/2010/main" Requires="p14">
+  <mc:AlternateContent xmlns:mc="http://schemas.openxmlformats.org/markup-compatibility/2006" xmlns:p14="http://schemas.microsoft.com/office/powerpoint/2010/main">
+    <mc:Choice Requires="p14">
       <p:transition spd="slow" p14:dur="1300">
         <p14:pan/>
         <p:sndAc>
@@ -7378,12 +7182,12 @@
         </p:sndAc>
       </p:transition>
     </mc:Choice>
-    <mc:Fallback>
+    <mc:Fallback xmlns="">
       <p:transition spd="slow">
         <p:fade/>
         <p:sndAc>
           <p:stSnd>
-            <p:snd r:embed="rId2" name="cashreg.wav"/>
+            <p:snd r:embed="rId6" name="cashreg.wav"/>
           </p:stSnd>
         </p:sndAc>
       </p:transition>
@@ -7809,8 +7613,8 @@
   <p:clrMapOvr>
     <a:masterClrMapping/>
   </p:clrMapOvr>
-  <mc:AlternateContent xmlns:mc="http://schemas.openxmlformats.org/markup-compatibility/2006">
-    <mc:Choice xmlns:p14="http://schemas.microsoft.com/office/powerpoint/2010/main" Requires="p14">
+  <mc:AlternateContent xmlns:mc="http://schemas.openxmlformats.org/markup-compatibility/2006" xmlns:p14="http://schemas.microsoft.com/office/powerpoint/2010/main">
+    <mc:Choice Requires="p14">
       <p:transition p14:dur="0">
         <p:sndAc>
           <p:stSnd>
@@ -7819,23 +7623,16 @@
         </p:sndAc>
       </p:transition>
     </mc:Choice>
-    <mc:Fallback>
+    <mc:Fallback xmlns="">
       <p:transition>
         <p:sndAc>
           <p:stSnd>
-            <p:snd r:embed="rId2" name="hammer.wav"/>
+            <p:snd r:embed="rId4" name="hammer.wav"/>
           </p:stSnd>
         </p:sndAc>
       </p:transition>
     </mc:Fallback>
   </mc:AlternateContent>
-  <p:timing>
-    <p:tnLst>
-      <p:par>
-        <p:cTn id="1" dur="indefinite" restart="never" nodeType="tmRoot"/>
-      </p:par>
-    </p:tnLst>
-  </p:timing>
 </p:sld>
 </file>
 
@@ -7946,8 +7743,8 @@
   <p:clrMapOvr>
     <a:masterClrMapping/>
   </p:clrMapOvr>
-  <mc:AlternateContent xmlns:mc="http://schemas.openxmlformats.org/markup-compatibility/2006">
-    <mc:Choice xmlns:p14="http://schemas.microsoft.com/office/powerpoint/2010/main" Requires="p14">
+  <mc:AlternateContent xmlns:mc="http://schemas.openxmlformats.org/markup-compatibility/2006" xmlns:p14="http://schemas.microsoft.com/office/powerpoint/2010/main">
+    <mc:Choice Requires="p14">
       <p:transition p14:dur="0">
         <p:sndAc>
           <p:stSnd>
@@ -7956,23 +7753,16 @@
         </p:sndAc>
       </p:transition>
     </mc:Choice>
-    <mc:Fallback>
+    <mc:Fallback xmlns="">
       <p:transition>
         <p:sndAc>
           <p:stSnd>
-            <p:snd r:embed="rId2" name="hammer.wav"/>
+            <p:snd r:embed="rId5" name="hammer.wav"/>
           </p:stSnd>
         </p:sndAc>
       </p:transition>
     </mc:Fallback>
   </mc:AlternateContent>
-  <p:timing>
-    <p:tnLst>
-      <p:par>
-        <p:cTn id="1" dur="indefinite" restart="never" nodeType="tmRoot"/>
-      </p:par>
-    </p:tnLst>
-  </p:timing>
 </p:sld>
 </file>
 
@@ -8083,8 +7873,8 @@
   <p:clrMapOvr>
     <a:masterClrMapping/>
   </p:clrMapOvr>
-  <mc:AlternateContent xmlns:mc="http://schemas.openxmlformats.org/markup-compatibility/2006">
-    <mc:Choice xmlns:p14="http://schemas.microsoft.com/office/powerpoint/2010/main" Requires="p14">
+  <mc:AlternateContent xmlns:mc="http://schemas.openxmlformats.org/markup-compatibility/2006" xmlns:p14="http://schemas.microsoft.com/office/powerpoint/2010/main">
+    <mc:Choice Requires="p14">
       <p:transition p14:dur="0">
         <p:sndAc>
           <p:stSnd>
@@ -8093,23 +7883,16 @@
         </p:sndAc>
       </p:transition>
     </mc:Choice>
-    <mc:Fallback>
+    <mc:Fallback xmlns="">
       <p:transition>
         <p:sndAc>
           <p:stSnd>
-            <p:snd r:embed="rId2" name="hammer.wav"/>
+            <p:snd r:embed="rId5" name="hammer.wav"/>
           </p:stSnd>
         </p:sndAc>
       </p:transition>
     </mc:Fallback>
   </mc:AlternateContent>
-  <p:timing>
-    <p:tnLst>
-      <p:par>
-        <p:cTn id="1" dur="indefinite" restart="never" nodeType="tmRoot"/>
-      </p:par>
-    </p:tnLst>
-  </p:timing>
 </p:sld>
 </file>
 
@@ -8153,10 +7936,9 @@
           <a:lstStyle/>
           <a:p>
             <a:r>
-              <a:rPr kumimoji="1" lang="ja-JP" altLang="en-US" dirty="0" smtClean="0"/>
+              <a:rPr kumimoji="1" lang="ja-JP" altLang="en-US" dirty="0"/>
               <a:t>進捗状況</a:t>
             </a:r>
-            <a:endParaRPr kumimoji="1" lang="ja-JP" altLang="en-US" dirty="0"/>
           </a:p>
         </p:txBody>
       </p:sp>
@@ -8182,7 +7964,7 @@
           <a:lstStyle/>
           <a:p>
             <a:r>
-              <a:rPr lang="ja-JP" altLang="en-US" dirty="0" smtClean="0">
+              <a:rPr lang="ja-JP" altLang="en-US" dirty="0">
                 <a:solidFill>
                   <a:schemeClr val="accent1"/>
                 </a:solidFill>
@@ -8192,7 +7974,7 @@
               <a:t>♠</a:t>
             </a:r>
             <a:r>
-              <a:rPr lang="ja-JP" altLang="en-US" dirty="0" smtClean="0">
+              <a:rPr lang="ja-JP" altLang="en-US" dirty="0">
                 <a:solidFill>
                   <a:schemeClr val="accent1"/>
                 </a:solidFill>
@@ -8235,10 +8017,9 @@
           <a:p>
             <a:pPr algn="ctr"/>
             <a:r>
-              <a:rPr kumimoji="1" lang="ja-JP" altLang="en-US" dirty="0" smtClean="0"/>
+              <a:rPr kumimoji="1" lang="ja-JP" altLang="en-US" dirty="0"/>
               <a:t>ここに実機があれば貼る</a:t>
             </a:r>
-            <a:endParaRPr kumimoji="1" lang="ja-JP" altLang="en-US" dirty="0"/>
           </a:p>
         </p:txBody>
       </p:sp>
@@ -8252,8 +8033,8 @@
   <p:clrMapOvr>
     <a:masterClrMapping/>
   </p:clrMapOvr>
-  <mc:AlternateContent xmlns:mc="http://schemas.openxmlformats.org/markup-compatibility/2006">
-    <mc:Choice xmlns:p14="http://schemas.microsoft.com/office/powerpoint/2010/main" Requires="p14">
+  <mc:AlternateContent xmlns:mc="http://schemas.openxmlformats.org/markup-compatibility/2006" xmlns:p14="http://schemas.microsoft.com/office/powerpoint/2010/main">
+    <mc:Choice Requires="p14">
       <p:transition spd="slow" p14:dur="1300">
         <p14:pan/>
         <p:sndAc>
@@ -8263,24 +8044,17 @@
         </p:sndAc>
       </p:transition>
     </mc:Choice>
-    <mc:Fallback>
+    <mc:Fallback xmlns="">
       <p:transition spd="slow">
         <p:fade/>
         <p:sndAc>
           <p:stSnd>
-            <p:snd r:embed="rId3" name="cashreg.wav"/>
+            <p:snd r:embed="rId4" name="cashreg.wav"/>
           </p:stSnd>
         </p:sndAc>
       </p:transition>
     </mc:Fallback>
   </mc:AlternateContent>
-  <p:timing>
-    <p:tnLst>
-      <p:par>
-        <p:cTn id="1" dur="indefinite" restart="never" nodeType="tmRoot"/>
-      </p:par>
-    </p:tnLst>
-  </p:timing>
 </p:sld>
 </file>
 
@@ -8324,10 +8098,9 @@
           <a:lstStyle/>
           <a:p>
             <a:r>
-              <a:rPr kumimoji="1" lang="ja-JP" altLang="en-US" dirty="0" smtClean="0"/>
+              <a:rPr kumimoji="1" lang="ja-JP" altLang="en-US" dirty="0"/>
               <a:t>進捗状況</a:t>
             </a:r>
-            <a:endParaRPr kumimoji="1" lang="ja-JP" altLang="en-US" dirty="0"/>
           </a:p>
         </p:txBody>
       </p:sp>
@@ -8353,7 +8126,7 @@
           <a:lstStyle/>
           <a:p>
             <a:r>
-              <a:rPr lang="ja-JP" altLang="en-US" dirty="0" smtClean="0">
+              <a:rPr lang="ja-JP" altLang="en-US" dirty="0">
                 <a:solidFill>
                   <a:schemeClr val="accent1"/>
                 </a:solidFill>
@@ -8363,7 +8136,7 @@
               <a:t>♠</a:t>
             </a:r>
             <a:r>
-              <a:rPr lang="ja-JP" altLang="en-US" dirty="0" smtClean="0">
+              <a:rPr lang="ja-JP" altLang="en-US" dirty="0">
                 <a:solidFill>
                   <a:schemeClr val="accent1"/>
                 </a:solidFill>
@@ -8392,8 +8165,8 @@
   <p:clrMapOvr>
     <a:masterClrMapping/>
   </p:clrMapOvr>
-  <mc:AlternateContent xmlns:mc="http://schemas.openxmlformats.org/markup-compatibility/2006">
-    <mc:Choice xmlns:p14="http://schemas.microsoft.com/office/powerpoint/2010/main" Requires="p14">
+  <mc:AlternateContent xmlns:mc="http://schemas.openxmlformats.org/markup-compatibility/2006" xmlns:p14="http://schemas.microsoft.com/office/powerpoint/2010/main">
+    <mc:Choice Requires="p14">
       <p:transition p14:dur="0">
         <p:sndAc>
           <p:stSnd>
@@ -8402,23 +8175,16 @@
         </p:sndAc>
       </p:transition>
     </mc:Choice>
-    <mc:Fallback>
+    <mc:Fallback xmlns="">
       <p:transition>
         <p:sndAc>
           <p:stSnd>
-            <p:snd r:embed="rId2" name="hammer.wav"/>
+            <p:snd r:embed="rId3" name="hammer.wav"/>
           </p:stSnd>
         </p:sndAc>
       </p:transition>
     </mc:Fallback>
   </mc:AlternateContent>
-  <p:timing>
-    <p:tnLst>
-      <p:par>
-        <p:cTn id="1" dur="indefinite" restart="never" nodeType="tmRoot"/>
-      </p:par>
-    </p:tnLst>
-  </p:timing>
 </p:sld>
 </file>
 
@@ -8462,10 +8228,9 @@
           <a:lstStyle/>
           <a:p>
             <a:r>
-              <a:rPr kumimoji="1" lang="ja-JP" altLang="en-US" dirty="0" smtClean="0"/>
+              <a:rPr kumimoji="1" lang="ja-JP" altLang="en-US" dirty="0"/>
               <a:t>進捗状況</a:t>
             </a:r>
-            <a:endParaRPr kumimoji="1" lang="ja-JP" altLang="en-US" dirty="0"/>
           </a:p>
         </p:txBody>
       </p:sp>
@@ -8491,7 +8256,7 @@
           <a:lstStyle/>
           <a:p>
             <a:r>
-              <a:rPr lang="ja-JP" altLang="en-US" dirty="0" smtClean="0">
+              <a:rPr lang="ja-JP" altLang="en-US" dirty="0">
                 <a:solidFill>
                   <a:schemeClr val="accent2"/>
                 </a:solidFill>
@@ -8501,7 +8266,7 @@
               <a:t>♥</a:t>
             </a:r>
             <a:r>
-              <a:rPr lang="ja-JP" altLang="en-US" dirty="0" smtClean="0">
+              <a:rPr lang="ja-JP" altLang="en-US" dirty="0">
                 <a:solidFill>
                   <a:schemeClr val="accent2"/>
                 </a:solidFill>
@@ -8544,10 +8309,9 @@
           <a:p>
             <a:pPr algn="ctr"/>
             <a:r>
-              <a:rPr kumimoji="1" lang="ja-JP" altLang="en-US" dirty="0" smtClean="0"/>
+              <a:rPr kumimoji="1" lang="ja-JP" altLang="en-US" dirty="0"/>
               <a:t>ここにスクリーンショット</a:t>
             </a:r>
-            <a:endParaRPr kumimoji="1" lang="ja-JP" altLang="en-US" dirty="0"/>
           </a:p>
         </p:txBody>
       </p:sp>
@@ -8561,8 +8325,8 @@
   <p:clrMapOvr>
     <a:masterClrMapping/>
   </p:clrMapOvr>
-  <mc:AlternateContent xmlns:mc="http://schemas.openxmlformats.org/markup-compatibility/2006">
-    <mc:Choice xmlns:p14="http://schemas.microsoft.com/office/powerpoint/2010/main" Requires="p14">
+  <mc:AlternateContent xmlns:mc="http://schemas.openxmlformats.org/markup-compatibility/2006" xmlns:p14="http://schemas.microsoft.com/office/powerpoint/2010/main">
+    <mc:Choice Requires="p14">
       <p:transition spd="slow" p14:dur="1300">
         <p14:pan/>
         <p:sndAc>
@@ -8572,24 +8336,17 @@
         </p:sndAc>
       </p:transition>
     </mc:Choice>
-    <mc:Fallback>
+    <mc:Fallback xmlns="">
       <p:transition spd="slow">
         <p:fade/>
         <p:sndAc>
           <p:stSnd>
-            <p:snd r:embed="rId2" name="cashreg.wav"/>
+            <p:snd r:embed="rId3" name="cashreg.wav"/>
           </p:stSnd>
         </p:sndAc>
       </p:transition>
     </mc:Fallback>
   </mc:AlternateContent>
-  <p:timing>
-    <p:tnLst>
-      <p:par>
-        <p:cTn id="1" dur="indefinite" restart="never" nodeType="tmRoot"/>
-      </p:par>
-    </p:tnLst>
-  </p:timing>
 </p:sld>
 </file>
 

--- a/プランナー/壬生/Admise第一回制作発表プレゼン.pptx
+++ b/プランナー/壬生/Admise第一回制作発表プレゼン.pptx
@@ -222,7 +222,7 @@
           <a:p>
             <a:fld id="{C106E46D-81A5-406F-BACC-C679F3ABC46D}" type="datetimeFigureOut">
               <a:rPr kumimoji="1" lang="ja-JP" altLang="en-US" smtClean="0"/>
-              <a:t>2017/10/18</a:t>
+              <a:t>2017/11/15</a:t>
             </a:fld>
             <a:endParaRPr kumimoji="1" lang="ja-JP" altLang="en-US"/>
           </a:p>
@@ -784,7 +784,7 @@
           <a:p>
             <a:fld id="{2ADFB569-902F-4943-A830-6EF2971111E1}" type="datetimeFigureOut">
               <a:rPr kumimoji="1" lang="ja-JP" altLang="en-US" smtClean="0"/>
-              <a:t>2017/10/18</a:t>
+              <a:t>2017/11/15</a:t>
             </a:fld>
             <a:endParaRPr kumimoji="1" lang="ja-JP" altLang="en-US"/>
           </a:p>
@@ -984,7 +984,7 @@
           <a:p>
             <a:fld id="{2ADFB569-902F-4943-A830-6EF2971111E1}" type="datetimeFigureOut">
               <a:rPr kumimoji="1" lang="ja-JP" altLang="en-US" smtClean="0"/>
-              <a:t>2017/10/18</a:t>
+              <a:t>2017/11/15</a:t>
             </a:fld>
             <a:endParaRPr kumimoji="1" lang="ja-JP" altLang="en-US"/>
           </a:p>
@@ -1194,7 +1194,7 @@
           <a:p>
             <a:fld id="{2ADFB569-902F-4943-A830-6EF2971111E1}" type="datetimeFigureOut">
               <a:rPr kumimoji="1" lang="ja-JP" altLang="en-US" smtClean="0"/>
-              <a:t>2017/10/18</a:t>
+              <a:t>2017/11/15</a:t>
             </a:fld>
             <a:endParaRPr kumimoji="1" lang="ja-JP" altLang="en-US"/>
           </a:p>
@@ -1394,7 +1394,7 @@
           <a:p>
             <a:fld id="{2ADFB569-902F-4943-A830-6EF2971111E1}" type="datetimeFigureOut">
               <a:rPr kumimoji="1" lang="ja-JP" altLang="en-US" smtClean="0"/>
-              <a:t>2017/10/18</a:t>
+              <a:t>2017/11/15</a:t>
             </a:fld>
             <a:endParaRPr kumimoji="1" lang="ja-JP" altLang="en-US"/>
           </a:p>
@@ -1639,7 +1639,7 @@
           <a:p>
             <a:fld id="{2ADFB569-902F-4943-A830-6EF2971111E1}" type="datetimeFigureOut">
               <a:rPr kumimoji="1" lang="ja-JP" altLang="en-US" smtClean="0"/>
-              <a:t>2017/10/18</a:t>
+              <a:t>2017/11/15</a:t>
             </a:fld>
             <a:endParaRPr kumimoji="1" lang="ja-JP" altLang="en-US"/>
           </a:p>
@@ -1988,7 +1988,7 @@
           <a:p>
             <a:fld id="{2ADFB569-902F-4943-A830-6EF2971111E1}" type="datetimeFigureOut">
               <a:rPr kumimoji="1" lang="ja-JP" altLang="en-US" smtClean="0"/>
-              <a:t>2017/10/18</a:t>
+              <a:t>2017/11/15</a:t>
             </a:fld>
             <a:endParaRPr kumimoji="1" lang="ja-JP" altLang="en-US"/>
           </a:p>
@@ -2471,7 +2471,7 @@
           <a:p>
             <a:fld id="{2ADFB569-902F-4943-A830-6EF2971111E1}" type="datetimeFigureOut">
               <a:rPr kumimoji="1" lang="ja-JP" altLang="en-US" smtClean="0"/>
-              <a:t>2017/10/18</a:t>
+              <a:t>2017/11/15</a:t>
             </a:fld>
             <a:endParaRPr kumimoji="1" lang="ja-JP" altLang="en-US"/>
           </a:p>
@@ -2588,7 +2588,7 @@
           <a:p>
             <a:fld id="{2ADFB569-902F-4943-A830-6EF2971111E1}" type="datetimeFigureOut">
               <a:rPr kumimoji="1" lang="ja-JP" altLang="en-US" smtClean="0"/>
-              <a:t>2017/10/18</a:t>
+              <a:t>2017/11/15</a:t>
             </a:fld>
             <a:endParaRPr kumimoji="1" lang="ja-JP" altLang="en-US"/>
           </a:p>
@@ -2683,7 +2683,7 @@
           <a:p>
             <a:fld id="{2ADFB569-902F-4943-A830-6EF2971111E1}" type="datetimeFigureOut">
               <a:rPr kumimoji="1" lang="ja-JP" altLang="en-US" smtClean="0"/>
-              <a:t>2017/10/18</a:t>
+              <a:t>2017/11/15</a:t>
             </a:fld>
             <a:endParaRPr kumimoji="1" lang="ja-JP" altLang="en-US"/>
           </a:p>
@@ -2990,7 +2990,7 @@
           <a:p>
             <a:fld id="{2ADFB569-902F-4943-A830-6EF2971111E1}" type="datetimeFigureOut">
               <a:rPr kumimoji="1" lang="ja-JP" altLang="en-US" smtClean="0"/>
-              <a:t>2017/10/18</a:t>
+              <a:t>2017/11/15</a:t>
             </a:fld>
             <a:endParaRPr kumimoji="1" lang="ja-JP" altLang="en-US"/>
           </a:p>
@@ -3242,7 +3242,7 @@
           <a:p>
             <a:fld id="{2ADFB569-902F-4943-A830-6EF2971111E1}" type="datetimeFigureOut">
               <a:rPr kumimoji="1" lang="ja-JP" altLang="en-US" smtClean="0"/>
-              <a:t>2017/10/18</a:t>
+              <a:t>2017/11/15</a:t>
             </a:fld>
             <a:endParaRPr kumimoji="1" lang="ja-JP" altLang="en-US"/>
           </a:p>
@@ -3485,7 +3485,7 @@
           <a:p>
             <a:fld id="{2ADFB569-902F-4943-A830-6EF2971111E1}" type="datetimeFigureOut">
               <a:rPr kumimoji="1" lang="ja-JP" altLang="en-US" smtClean="0"/>
-              <a:t>2017/10/18</a:t>
+              <a:t>2017/11/15</a:t>
             </a:fld>
             <a:endParaRPr kumimoji="1" lang="ja-JP" altLang="en-US"/>
           </a:p>
@@ -7585,7 +7585,7 @@
         </p:blipFill>
         <p:spPr bwMode="auto">
           <a:xfrm>
-            <a:off x="1708226" y="1340768"/>
+            <a:off x="1708226" y="1412776"/>
             <a:ext cx="5727548" cy="3383056"/>
           </a:xfrm>
           <a:prstGeom prst="rect">
